--- a/FUNCTIONAL_JAVA/Lambdas/Zensar_Java8_Lambda_Trainings.pptx
+++ b/FUNCTIONAL_JAVA/Lambdas/Zensar_Java8_Lambda_Trainings.pptx
@@ -5,7 +5,7 @@
     <p:sldMasterId id="2147483684" r:id="rId1"/>
   </p:sldMasterIdLst>
   <p:notesMasterIdLst>
-    <p:notesMasterId r:id="rId49"/>
+    <p:notesMasterId r:id="rId52"/>
   </p:notesMasterIdLst>
   <p:sldIdLst>
     <p:sldId id="256" r:id="rId2"/>
@@ -37,24 +37,27 @@
     <p:sldId id="327" r:id="rId28"/>
     <p:sldId id="328" r:id="rId29"/>
     <p:sldId id="329" r:id="rId30"/>
-    <p:sldId id="330" r:id="rId31"/>
-    <p:sldId id="346" r:id="rId32"/>
-    <p:sldId id="331" r:id="rId33"/>
-    <p:sldId id="347" r:id="rId34"/>
-    <p:sldId id="332" r:id="rId35"/>
-    <p:sldId id="348" r:id="rId36"/>
-    <p:sldId id="333" r:id="rId37"/>
-    <p:sldId id="334" r:id="rId38"/>
-    <p:sldId id="335" r:id="rId39"/>
-    <p:sldId id="336" r:id="rId40"/>
-    <p:sldId id="339" r:id="rId41"/>
-    <p:sldId id="340" r:id="rId42"/>
-    <p:sldId id="341" r:id="rId43"/>
-    <p:sldId id="351" r:id="rId44"/>
-    <p:sldId id="352" r:id="rId45"/>
-    <p:sldId id="342" r:id="rId46"/>
-    <p:sldId id="349" r:id="rId47"/>
-    <p:sldId id="350" r:id="rId48"/>
+    <p:sldId id="355" r:id="rId31"/>
+    <p:sldId id="356" r:id="rId32"/>
+    <p:sldId id="354" r:id="rId33"/>
+    <p:sldId id="330" r:id="rId34"/>
+    <p:sldId id="346" r:id="rId35"/>
+    <p:sldId id="331" r:id="rId36"/>
+    <p:sldId id="347" r:id="rId37"/>
+    <p:sldId id="332" r:id="rId38"/>
+    <p:sldId id="348" r:id="rId39"/>
+    <p:sldId id="333" r:id="rId40"/>
+    <p:sldId id="334" r:id="rId41"/>
+    <p:sldId id="335" r:id="rId42"/>
+    <p:sldId id="336" r:id="rId43"/>
+    <p:sldId id="339" r:id="rId44"/>
+    <p:sldId id="340" r:id="rId45"/>
+    <p:sldId id="341" r:id="rId46"/>
+    <p:sldId id="351" r:id="rId47"/>
+    <p:sldId id="352" r:id="rId48"/>
+    <p:sldId id="342" r:id="rId49"/>
+    <p:sldId id="349" r:id="rId50"/>
+    <p:sldId id="350" r:id="rId51"/>
   </p:sldIdLst>
   <p:sldSz cx="9144000" cy="5143500" type="screen16x9"/>
   <p:notesSz cx="6858000" cy="9144000"/>
@@ -254,7 +257,7 @@
           <a:p>
             <a:fld id="{74136343-F9FD-43FC-8E92-C76AB197F4DB}" type="datetimeFigureOut">
               <a:rPr lang="en-IN" smtClean="0"/>
-              <a:t>24-08-2016</a:t>
+              <a:t>27-09-2016</a:t>
             </a:fld>
             <a:endParaRPr lang="en-IN"/>
           </a:p>
@@ -636,7 +639,7 @@
           <a:p>
             <a:fld id="{CF2FD335-6D8E-486A-8F5F-DFC7325903FF}" type="slidenum">
               <a:rPr lang="en-US" smtClean="0"/>
-              <a:t>41</a:t>
+              <a:t>44</a:t>
             </a:fld>
             <a:endParaRPr lang="en-US" dirty="0"/>
           </a:p>
@@ -1028,7 +1031,7 @@
           <a:p>
             <a:fld id="{4DF288E4-7260-4BC0-9CB0-8B11D65B28D6}" type="datetime1">
               <a:rPr lang="en-IN" smtClean="0"/>
-              <a:t>24-08-2016</a:t>
+              <a:t>27-09-2016</a:t>
             </a:fld>
             <a:endParaRPr lang="en-IN"/>
           </a:p>
@@ -1281,7 +1284,7 @@
           <a:p>
             <a:fld id="{7DF63A69-D56B-45A7-8B21-6D0FB29EF10C}" type="datetime1">
               <a:rPr lang="en-IN" smtClean="0"/>
-              <a:t>24-08-2016</a:t>
+              <a:t>27-09-2016</a:t>
             </a:fld>
             <a:endParaRPr lang="en-IN"/>
           </a:p>
@@ -1380,7 +1383,7 @@
           <a:p>
             <a:fld id="{99CCBC2A-45D4-4D19-810A-1FDBD39AFB42}" type="datetime1">
               <a:rPr lang="en-IN" smtClean="0"/>
-              <a:t>24-08-2016</a:t>
+              <a:t>27-09-2016</a:t>
             </a:fld>
             <a:endParaRPr lang="en-IN"/>
           </a:p>
@@ -1661,7 +1664,7 @@
           <a:p>
             <a:fld id="{01E69F88-C39B-42CB-A2F8-1ACAD71951F6}" type="datetime1">
               <a:rPr lang="en-IN" smtClean="0"/>
-              <a:t>24-08-2016</a:t>
+              <a:t>27-09-2016</a:t>
             </a:fld>
             <a:endParaRPr lang="en-IN"/>
           </a:p>
@@ -1922,7 +1925,7 @@
           <a:p>
             <a:fld id="{533D0FF4-9384-4FE2-9AC4-199EB18CA3D5}" type="datetime1">
               <a:rPr lang="en-IN" smtClean="0"/>
-              <a:t>24-08-2016</a:t>
+              <a:t>27-09-2016</a:t>
             </a:fld>
             <a:endParaRPr lang="en-IN"/>
           </a:p>
@@ -2096,7 +2099,7 @@
           <a:p>
             <a:fld id="{18A798AF-BB63-45D5-B987-5232BD031C40}" type="datetime1">
               <a:rPr lang="en-IN" smtClean="0"/>
-              <a:t>24-08-2016</a:t>
+              <a:t>27-09-2016</a:t>
             </a:fld>
             <a:endParaRPr lang="en-IN"/>
           </a:p>
@@ -2280,7 +2283,7 @@
           <a:p>
             <a:fld id="{55B68153-61A5-49B8-92B6-68F7CA884FBC}" type="datetime1">
               <a:rPr lang="en-IN" smtClean="0"/>
-              <a:t>24-08-2016</a:t>
+              <a:t>27-09-2016</a:t>
             </a:fld>
             <a:endParaRPr lang="en-IN"/>
           </a:p>
@@ -4430,7 +4433,7 @@
           <a:p>
             <a:fld id="{B088F216-553E-4EBE-B9D4-1D5B59D246CA}" type="datetime1">
               <a:rPr lang="en-IN" smtClean="0"/>
-              <a:t>24-08-2016</a:t>
+              <a:t>27-09-2016</a:t>
             </a:fld>
             <a:endParaRPr lang="en-IN" dirty="0"/>
           </a:p>
@@ -6133,7 +6136,7 @@
           <a:p>
             <a:fld id="{2263020A-9481-4A82-A9D9-33388560BB99}" type="datetime1">
               <a:rPr lang="en-IN" smtClean="0"/>
-              <a:t>24-08-2016</a:t>
+              <a:t>27-09-2016</a:t>
             </a:fld>
             <a:endParaRPr lang="en-IN" dirty="0"/>
           </a:p>
@@ -6526,7 +6529,7 @@
           <a:p>
             <a:fld id="{B3DC8D3F-6626-4E47-A495-B4EA5B3FAADB}" type="datetime1">
               <a:rPr lang="en-IN" smtClean="0"/>
-              <a:t>24-08-2016</a:t>
+              <a:t>27-09-2016</a:t>
             </a:fld>
             <a:endParaRPr lang="en-IN" dirty="0"/>
           </a:p>
@@ -6904,7 +6907,7 @@
           <a:p>
             <a:fld id="{46F8417B-B3E0-4FEC-A1E2-E9560EE37B99}" type="datetime1">
               <a:rPr lang="en-IN" smtClean="0"/>
-              <a:t>24-08-2016</a:t>
+              <a:t>27-09-2016</a:t>
             </a:fld>
             <a:endParaRPr lang="en-IN"/>
           </a:p>
@@ -7204,7 +7207,7 @@
           <a:p>
             <a:fld id="{A18A8B45-20CE-45A8-BBAB-45C497018300}" type="datetime1">
               <a:rPr lang="en-IN" smtClean="0"/>
-              <a:t>24-08-2016</a:t>
+              <a:t>27-09-2016</a:t>
             </a:fld>
             <a:endParaRPr lang="en-IN"/>
           </a:p>
@@ -7621,7 +7624,7 @@
           <a:p>
             <a:fld id="{38BE6AED-44A0-4181-93A4-F75BC15DFA5B}" type="datetime1">
               <a:rPr lang="en-IN" smtClean="0"/>
-              <a:t>24-08-2016</a:t>
+              <a:t>27-09-2016</a:t>
             </a:fld>
             <a:endParaRPr lang="en-IN"/>
           </a:p>
@@ -8029,7 +8032,7 @@
           <a:p>
             <a:fld id="{752FB9B7-8B81-462A-BED8-2154EAD10FD9}" type="datetime1">
               <a:rPr lang="en-IN" smtClean="0"/>
-              <a:t>24-08-2016</a:t>
+              <a:t>27-09-2016</a:t>
             </a:fld>
             <a:endParaRPr lang="en-IN"/>
           </a:p>
@@ -8400,7 +8403,7 @@
           <a:p>
             <a:fld id="{EFFC33A7-6943-488A-AC7A-847F17781A36}" type="datetime1">
               <a:rPr lang="en-IN" smtClean="0"/>
-              <a:t>24-08-2016</a:t>
+              <a:t>27-09-2016</a:t>
             </a:fld>
             <a:endParaRPr lang="en-IN"/>
           </a:p>
@@ -8617,7 +8620,7 @@
           <a:p>
             <a:fld id="{72A38C86-40D0-4D4E-A057-143E9D908E66}" type="datetime1">
               <a:rPr lang="en-IN" smtClean="0"/>
-              <a:t>24-08-2016</a:t>
+              <a:t>27-09-2016</a:t>
             </a:fld>
             <a:endParaRPr lang="en-IN"/>
           </a:p>
@@ -9090,7 +9093,7 @@
           <a:p>
             <a:fld id="{11E75AD6-A3B4-40A2-9CA3-14F0AC0010E8}" type="datetime1">
               <a:rPr lang="en-IN" smtClean="0"/>
-              <a:t>24-08-2016</a:t>
+              <a:t>27-09-2016</a:t>
             </a:fld>
             <a:endParaRPr lang="en-IN" dirty="0"/>
           </a:p>
@@ -9319,7 +9322,7 @@
           <a:p>
             <a:fld id="{5233B1D6-2FF9-4177-95FC-9F6F204F1092}" type="datetime1">
               <a:rPr lang="en-IN" smtClean="0"/>
-              <a:t>24-08-2016</a:t>
+              <a:t>27-09-2016</a:t>
             </a:fld>
             <a:endParaRPr lang="en-IN" dirty="0"/>
           </a:p>
@@ -9502,7 +9505,7 @@
           <a:p>
             <a:fld id="{5233B1D6-2FF9-4177-95FC-9F6F204F1092}" type="datetime1">
               <a:rPr lang="en-IN" smtClean="0"/>
-              <a:t>24-08-2016</a:t>
+              <a:t>27-09-2016</a:t>
             </a:fld>
             <a:endParaRPr lang="en-IN" dirty="0"/>
           </a:p>
@@ -9685,7 +9688,7 @@
           <a:p>
             <a:fld id="{5233B1D6-2FF9-4177-95FC-9F6F204F1092}" type="datetime1">
               <a:rPr lang="en-IN" smtClean="0"/>
-              <a:t>24-08-2016</a:t>
+              <a:t>27-09-2016</a:t>
             </a:fld>
             <a:endParaRPr lang="en-IN" dirty="0"/>
           </a:p>
@@ -10319,7 +10322,7 @@
           <a:p>
             <a:fld id="{5233B1D6-2FF9-4177-95FC-9F6F204F1092}" type="datetime1">
               <a:rPr lang="en-IN" smtClean="0"/>
-              <a:t>24-08-2016</a:t>
+              <a:t>27-09-2016</a:t>
             </a:fld>
             <a:endParaRPr lang="en-IN" dirty="0"/>
           </a:p>
@@ -10710,7 +10713,7 @@
           <a:p>
             <a:fld id="{5233B1D6-2FF9-4177-95FC-9F6F204F1092}" type="datetime1">
               <a:rPr lang="en-IN" smtClean="0"/>
-              <a:t>24-08-2016</a:t>
+              <a:t>27-09-2016</a:t>
             </a:fld>
             <a:endParaRPr lang="en-IN" dirty="0"/>
           </a:p>
@@ -10853,7 +10856,7 @@
           <a:p>
             <a:fld id="{5233B1D6-2FF9-4177-95FC-9F6F204F1092}" type="datetime1">
               <a:rPr lang="en-IN" smtClean="0"/>
-              <a:t>24-08-2016</a:t>
+              <a:t>27-09-2016</a:t>
             </a:fld>
             <a:endParaRPr lang="en-IN" dirty="0"/>
           </a:p>
@@ -11536,7 +11539,7 @@
           <a:p>
             <a:fld id="{5233B1D6-2FF9-4177-95FC-9F6F204F1092}" type="datetime1">
               <a:rPr lang="en-IN" smtClean="0"/>
-              <a:t>24-08-2016</a:t>
+              <a:t>27-09-2016</a:t>
             </a:fld>
             <a:endParaRPr lang="en-IN" dirty="0"/>
           </a:p>
@@ -11835,7 +11838,7 @@
           <a:p>
             <a:fld id="{3FE8D249-C662-48EE-B897-711C67200507}" type="datetime1">
               <a:rPr lang="en-IN" smtClean="0"/>
-              <a:t>24-08-2016</a:t>
+              <a:t>27-09-2016</a:t>
             </a:fld>
             <a:endParaRPr lang="en-IN" dirty="0"/>
           </a:p>
@@ -12155,7 +12158,7 @@
           <a:p>
             <a:fld id="{3FE8D249-C662-48EE-B897-711C67200507}" type="datetime1">
               <a:rPr lang="en-IN" smtClean="0"/>
-              <a:t>24-08-2016</a:t>
+              <a:t>27-09-2016</a:t>
             </a:fld>
             <a:endParaRPr lang="en-IN" dirty="0"/>
           </a:p>
@@ -12456,7 +12459,7 @@
           <a:p>
             <a:fld id="{3FE8D249-C662-48EE-B897-711C67200507}" type="datetime1">
               <a:rPr lang="en-IN" smtClean="0"/>
-              <a:t>24-08-2016</a:t>
+              <a:t>27-09-2016</a:t>
             </a:fld>
             <a:endParaRPr lang="en-IN" dirty="0"/>
           </a:p>
@@ -12651,7 +12654,7 @@
           <a:p>
             <a:fld id="{3FE8D249-C662-48EE-B897-711C67200507}" type="datetime1">
               <a:rPr lang="en-IN" smtClean="0"/>
-              <a:t>24-08-2016</a:t>
+              <a:t>27-09-2016</a:t>
             </a:fld>
             <a:endParaRPr lang="en-IN" dirty="0"/>
           </a:p>
@@ -12921,7 +12924,7 @@
           <a:p>
             <a:fld id="{3FE8D249-C662-48EE-B897-711C67200507}" type="datetime1">
               <a:rPr lang="en-IN" smtClean="0"/>
-              <a:t>24-08-2016</a:t>
+              <a:t>27-09-2016</a:t>
             </a:fld>
             <a:endParaRPr lang="en-IN" dirty="0"/>
           </a:p>
@@ -13205,7 +13208,7 @@
           <a:p>
             <a:fld id="{3FE8D249-C662-48EE-B897-711C67200507}" type="datetime1">
               <a:rPr lang="en-IN" smtClean="0"/>
-              <a:t>24-08-2016</a:t>
+              <a:t>27-09-2016</a:t>
             </a:fld>
             <a:endParaRPr lang="en-IN" dirty="0"/>
           </a:p>
@@ -13538,7 +13541,7 @@
           <a:p>
             <a:fld id="{3FE8D249-C662-48EE-B897-711C67200507}" type="datetime1">
               <a:rPr lang="en-IN" smtClean="0"/>
-              <a:t>24-08-2016</a:t>
+              <a:t>27-09-2016</a:t>
             </a:fld>
             <a:endParaRPr lang="en-IN" dirty="0"/>
           </a:p>
@@ -13890,7 +13893,7 @@
           <a:p>
             <a:fld id="{3FE8D249-C662-48EE-B897-711C67200507}" type="datetime1">
               <a:rPr lang="en-IN" smtClean="0"/>
-              <a:t>24-08-2016</a:t>
+              <a:t>27-09-2016</a:t>
             </a:fld>
             <a:endParaRPr lang="en-IN" dirty="0"/>
           </a:p>
@@ -14249,7 +14252,7 @@
           <a:p>
             <a:fld id="{3FE8D249-C662-48EE-B897-711C67200507}" type="datetime1">
               <a:rPr lang="en-IN" smtClean="0"/>
-              <a:t>24-08-2016</a:t>
+              <a:t>27-09-2016</a:t>
             </a:fld>
             <a:endParaRPr lang="en-IN" dirty="0"/>
           </a:p>
@@ -14571,7 +14574,7 @@
           <a:p>
             <a:fld id="{3FE8D249-C662-48EE-B897-711C67200507}" type="datetime1">
               <a:rPr lang="en-IN" smtClean="0"/>
-              <a:t>24-08-2016</a:t>
+              <a:t>27-09-2016</a:t>
             </a:fld>
             <a:endParaRPr lang="en-IN" dirty="0"/>
           </a:p>
@@ -14725,7 +14728,11 @@
             <a:graphicFrameLocks noGrp="1"/>
           </p:cNvGraphicFramePr>
           <p:nvPr>
-            <p:extLst/>
+            <p:extLst>
+              <p:ext uri="{D42A27DB-BD31-4B8C-83A1-F6EECF244321}">
+                <p14:modId xmlns:p14="http://schemas.microsoft.com/office/powerpoint/2010/main" val="3025280035"/>
+              </p:ext>
+            </p:extLst>
           </p:nvPr>
         </p:nvGraphicFramePr>
         <p:xfrm>
@@ -14805,7 +14812,15 @@
                     <a:p>
                       <a:r>
                         <a:rPr lang="en-IN" sz="1000" dirty="0" smtClean="0"/>
-                        <a:t>B) Compose{</a:t>
+                        <a:t>B) </a:t>
+                      </a:r>
+                      <a:r>
+                        <a:rPr lang="en-IN" sz="1000" dirty="0" smtClean="0"/>
+                        <a:t>Interface Compose</a:t>
+                      </a:r>
+                      <a:r>
+                        <a:rPr lang="en-IN" sz="1000" dirty="0" smtClean="0"/>
+                        <a:t>{</a:t>
                       </a:r>
                     </a:p>
                     <a:p>
@@ -14905,7 +14920,11 @@
             <a:graphicFrameLocks noGrp="1"/>
           </p:cNvGraphicFramePr>
           <p:nvPr>
-            <p:extLst/>
+            <p:extLst>
+              <p:ext uri="{D42A27DB-BD31-4B8C-83A1-F6EECF244321}">
+                <p14:modId xmlns:p14="http://schemas.microsoft.com/office/powerpoint/2010/main" val="2430133531"/>
+              </p:ext>
+            </p:extLst>
           </p:nvPr>
         </p:nvGraphicFramePr>
         <p:xfrm>
@@ -15020,8 +15039,12 @@
                         <a:t>    default </a:t>
                       </a:r>
                       <a:r>
+                        <a:rPr lang="en-IN" sz="1000" dirty="0" smtClean="0"/>
+                        <a:t>void </a:t>
+                      </a:r>
+                      <a:r>
                         <a:rPr lang="en-IN" sz="1000" baseline="0" dirty="0" smtClean="0"/>
-                        <a:t>calculate();</a:t>
+                        <a:t>calculate() {};</a:t>
                       </a:r>
                       <a:endParaRPr lang="en-IN" sz="1000" dirty="0" smtClean="0"/>
                     </a:p>
@@ -15180,7 +15203,7 @@
           <a:p>
             <a:fld id="{3FE8D249-C662-48EE-B897-711C67200507}" type="datetime1">
               <a:rPr lang="en-IN" smtClean="0"/>
-              <a:t>24-08-2016</a:t>
+              <a:t>27-09-2016</a:t>
             </a:fld>
             <a:endParaRPr lang="en-IN" dirty="0"/>
           </a:p>
@@ -15877,7 +15900,7 @@
           <a:p>
             <a:fld id="{3FE8D249-C662-48EE-B897-711C67200507}" type="datetime1">
               <a:rPr lang="en-IN" smtClean="0"/>
-              <a:t>24-08-2016</a:t>
+              <a:t>27-09-2016</a:t>
             </a:fld>
             <a:endParaRPr lang="en-IN" dirty="0"/>
           </a:p>
@@ -16166,7 +16189,7 @@
           <a:p>
             <a:fld id="{3FE8D249-C662-48EE-B897-711C67200507}" type="datetime1">
               <a:rPr lang="en-IN" smtClean="0"/>
-              <a:t>24-08-2016</a:t>
+              <a:t>27-09-2016</a:t>
             </a:fld>
             <a:endParaRPr lang="en-IN" dirty="0"/>
           </a:p>
@@ -17061,7 +17084,7 @@
           <a:p>
             <a:fld id="{3FE8D249-C662-48EE-B897-711C67200507}" type="datetime1">
               <a:rPr lang="en-IN" smtClean="0"/>
-              <a:t>24-08-2016</a:t>
+              <a:t>27-09-2016</a:t>
             </a:fld>
             <a:endParaRPr lang="en-IN" dirty="0"/>
           </a:p>
@@ -17232,7 +17255,7 @@
           <a:p>
             <a:fld id="{8EEAB879-61E1-44F7-BA1D-B6BC0FE3B3DD}" type="datetime1">
               <a:rPr lang="en-IN" smtClean="0"/>
-              <a:t>24-08-2016</a:t>
+              <a:t>27-09-2016</a:t>
             </a:fld>
             <a:endParaRPr lang="en-IN"/>
           </a:p>
@@ -17298,238 +17321,42 @@
           <a:chExt cx="0" cy="0"/>
         </a:xfrm>
       </p:grpSpPr>
-      <p:sp>
-        <p:nvSpPr>
-          <p:cNvPr id="3" name="Content Placeholder 2"/>
-          <p:cNvSpPr>
-            <a:spLocks noGrp="1"/>
-          </p:cNvSpPr>
+      <p:pic>
+        <p:nvPicPr>
+          <p:cNvPr id="4" name="Content Placeholder 3"/>
+          <p:cNvPicPr>
+            <a:picLocks noGrp="1" noChangeAspect="1"/>
+          </p:cNvPicPr>
           <p:nvPr>
             <p:ph idx="1"/>
           </p:nvPr>
-        </p:nvSpPr>
+        </p:nvPicPr>
+        <p:blipFill>
+          <a:blip r:embed="rId2"/>
+          <a:stretch>
+            <a:fillRect/>
+          </a:stretch>
+        </p:blipFill>
         <p:spPr>
           <a:xfrm>
-            <a:off x="535021" y="1449422"/>
-            <a:ext cx="7472363" cy="3180945"/>
+            <a:off x="748145" y="1"/>
+            <a:ext cx="7098476" cy="4884770"/>
           </a:xfrm>
+          <a:prstGeom prst="rect">
+            <a:avLst/>
+          </a:prstGeom>
         </p:spPr>
-        <p:txBody>
-          <a:bodyPr>
-            <a:normAutofit fontScale="92500"/>
-          </a:bodyPr>
-          <a:lstStyle/>
-          <a:p>
-            <a:pPr marL="342900" indent="-342900"/>
-            <a:r>
-              <a:rPr lang="en-IN" dirty="0"/>
-              <a:t> Along with lambda expressions, method references and constructor references were added to the language in Java 8.   A method or constructor reference refers to a method or constructor without invoking it.  They are a syntactic shortcut for creating a lambda expression out of an existing method/constructor</a:t>
-            </a:r>
-            <a:r>
-              <a:rPr lang="en-IN" dirty="0" smtClean="0"/>
-              <a:t>.</a:t>
-            </a:r>
-          </a:p>
-          <a:p>
-            <a:pPr marL="342900" indent="-342900"/>
-            <a:endParaRPr lang="en-IN" dirty="0" smtClean="0"/>
-          </a:p>
-          <a:p>
-            <a:pPr marL="342900" indent="-342900"/>
-            <a:r>
-              <a:rPr lang="en-IN" dirty="0" smtClean="0"/>
-              <a:t>When you need a method reference, the target reference is placed before the delimiter :: and the name of the method is provided after it. No brackets are needed because you’re not actually calling the method. Method reference is shorthand for the lambda expression.</a:t>
-            </a:r>
-          </a:p>
-          <a:p>
-            <a:pPr marL="342900" indent="-342900"/>
-            <a:endParaRPr lang="en-IN" dirty="0" smtClean="0"/>
-          </a:p>
-          <a:p>
-            <a:pPr marL="0" indent="0">
-              <a:buNone/>
-            </a:pPr>
-            <a:endParaRPr lang="en-IN" dirty="0"/>
-          </a:p>
-          <a:p>
-            <a:pPr marL="0" indent="0">
-              <a:buNone/>
-            </a:pPr>
-            <a:endParaRPr lang="en-IN" dirty="0" smtClean="0"/>
-          </a:p>
-          <a:p>
-            <a:pPr marL="0" indent="0">
-              <a:buNone/>
-            </a:pPr>
-            <a:endParaRPr lang="en-IN" dirty="0"/>
-          </a:p>
-          <a:p>
-            <a:pPr marL="342900" indent="-342900"/>
-            <a:endParaRPr lang="en-IN" dirty="0" smtClean="0"/>
-          </a:p>
-          <a:p>
-            <a:pPr marL="342900" indent="-342900"/>
-            <a:endParaRPr lang="en-IN" dirty="0" smtClean="0"/>
-          </a:p>
-          <a:p>
-            <a:pPr marL="0" indent="0">
-              <a:buNone/>
-            </a:pPr>
-            <a:endParaRPr lang="en-IN" dirty="0"/>
-          </a:p>
-          <a:p>
-            <a:pPr marL="0" indent="0">
-              <a:buNone/>
-            </a:pPr>
-            <a:endParaRPr lang="en-IN" dirty="0"/>
-          </a:p>
-          <a:p>
-            <a:pPr marL="0" indent="0">
-              <a:buNone/>
-            </a:pPr>
-            <a:endParaRPr lang="en-IN" dirty="0"/>
-          </a:p>
-          <a:p>
-            <a:pPr marL="0" indent="0">
-              <a:buNone/>
-            </a:pPr>
-            <a:endParaRPr lang="en-IN" dirty="0"/>
-          </a:p>
-          <a:p>
-            <a:pPr marL="342900" indent="-342900"/>
-            <a:endParaRPr lang="en-IN" dirty="0"/>
-          </a:p>
-          <a:p>
-            <a:endParaRPr lang="en-US" dirty="0"/>
-          </a:p>
-        </p:txBody>
-      </p:sp>
-      <p:sp>
-        <p:nvSpPr>
-          <p:cNvPr id="2" name="Title 1"/>
-          <p:cNvSpPr>
-            <a:spLocks noGrp="1"/>
-          </p:cNvSpPr>
-          <p:nvPr>
-            <p:ph type="title"/>
-          </p:nvPr>
-        </p:nvSpPr>
-        <p:spPr>
-          <a:xfrm>
-            <a:off x="457200" y="431906"/>
-            <a:ext cx="8229600" cy="468207"/>
-          </a:xfrm>
-        </p:spPr>
-        <p:txBody>
-          <a:bodyPr>
-            <a:normAutofit fontScale="90000"/>
-          </a:bodyPr>
-          <a:lstStyle/>
-          <a:p>
-            <a:r>
-              <a:rPr lang="en-US" dirty="0" smtClean="0"/>
-              <a:t>Lesson 6 </a:t>
-            </a:r>
-            <a:r>
-              <a:rPr lang="en-US" dirty="0"/>
-              <a:t>: Method and constructor reference</a:t>
-            </a:r>
-          </a:p>
-        </p:txBody>
-      </p:sp>
-      <p:sp>
-        <p:nvSpPr>
-          <p:cNvPr id="4" name="Date Placeholder 3"/>
-          <p:cNvSpPr>
-            <a:spLocks noGrp="1"/>
-          </p:cNvSpPr>
-          <p:nvPr>
-            <p:ph type="dt" sz="half" idx="10"/>
-          </p:nvPr>
-        </p:nvSpPr>
-        <p:spPr>
-          <a:xfrm>
-            <a:off x="4636897" y="4877514"/>
-            <a:ext cx="721106" cy="205743"/>
-          </a:xfrm>
-        </p:spPr>
-        <p:txBody>
-          <a:bodyPr/>
-          <a:lstStyle/>
-          <a:p>
-            <a:fld id="{3FE8D249-C662-48EE-B897-711C67200507}" type="datetime1">
-              <a:rPr lang="en-IN" smtClean="0"/>
-              <a:t>24-08-2016</a:t>
-            </a:fld>
-            <a:endParaRPr lang="en-IN" dirty="0"/>
-          </a:p>
-        </p:txBody>
-      </p:sp>
-      <p:sp>
-        <p:nvSpPr>
-          <p:cNvPr id="5" name="Footer Placeholder 4"/>
-          <p:cNvSpPr>
-            <a:spLocks noGrp="1"/>
-          </p:cNvSpPr>
-          <p:nvPr>
-            <p:ph type="ftr" sz="quarter" idx="11"/>
-          </p:nvPr>
-        </p:nvSpPr>
-        <p:spPr>
-          <a:xfrm>
-            <a:off x="5481153" y="4877514"/>
-            <a:ext cx="2550495" cy="205743"/>
-          </a:xfrm>
-        </p:spPr>
-        <p:txBody>
-          <a:bodyPr/>
-          <a:lstStyle/>
-          <a:p>
-            <a:r>
-              <a:rPr lang="en-IN" dirty="0" smtClean="0"/>
-              <a:t>www.zensar.com  |  © </a:t>
-            </a:r>
-            <a:r>
-              <a:rPr lang="en-IN" dirty="0" err="1" smtClean="0"/>
-              <a:t>Zensar</a:t>
-            </a:r>
-            <a:r>
-              <a:rPr lang="en-IN" dirty="0" smtClean="0"/>
-              <a:t> Technologies 2016</a:t>
-            </a:r>
-            <a:endParaRPr lang="en-IN" dirty="0"/>
-          </a:p>
-        </p:txBody>
-      </p:sp>
+      </p:pic>
     </p:spTree>
     <p:extLst>
       <p:ext uri="{BB962C8B-B14F-4D97-AF65-F5344CB8AC3E}">
-        <p14:creationId xmlns:p14="http://schemas.microsoft.com/office/powerpoint/2010/main" val="1267803926"/>
+        <p14:creationId xmlns:p14="http://schemas.microsoft.com/office/powerpoint/2010/main" val="53506698"/>
       </p:ext>
     </p:extLst>
   </p:cSld>
   <p:clrMapOvr>
     <a:masterClrMapping/>
   </p:clrMapOvr>
-  <mc:AlternateContent xmlns:mc="http://schemas.openxmlformats.org/markup-compatibility/2006" xmlns:p14="http://schemas.microsoft.com/office/powerpoint/2010/main">
-    <mc:Choice Requires="p14">
-      <p:transition spd="med" p14:dur="700">
-        <p:fade/>
-      </p:transition>
-    </mc:Choice>
-    <mc:Fallback xmlns="">
-      <p:transition spd="med">
-        <p:fade/>
-      </p:transition>
-    </mc:Fallback>
-  </mc:AlternateContent>
-  <p:timing>
-    <p:tnLst>
-      <p:par>
-        <p:cTn id="1" dur="indefinite" restart="never" nodeType="tmRoot"/>
-      </p:par>
-    </p:tnLst>
-  </p:timing>
 </p:sld>
 </file>
 
@@ -17550,398 +17377,40 @@
           <a:chExt cx="0" cy="0"/>
         </a:xfrm>
       </p:grpSpPr>
-      <p:sp>
-        <p:nvSpPr>
-          <p:cNvPr id="3" name="Content Placeholder 2"/>
-          <p:cNvSpPr>
-            <a:spLocks noGrp="1"/>
-          </p:cNvSpPr>
-          <p:nvPr>
-            <p:ph idx="1"/>
-          </p:nvPr>
-        </p:nvSpPr>
+      <p:pic>
+        <p:nvPicPr>
+          <p:cNvPr id="4" name="Picture 3"/>
+          <p:cNvPicPr>
+            <a:picLocks noChangeAspect="1"/>
+          </p:cNvPicPr>
+          <p:nvPr/>
+        </p:nvPicPr>
+        <p:blipFill>
+          <a:blip r:embed="rId2"/>
+          <a:stretch>
+            <a:fillRect/>
+          </a:stretch>
+        </p:blipFill>
         <p:spPr>
           <a:xfrm>
-            <a:off x="457200" y="1478604"/>
-            <a:ext cx="7472363" cy="3044758"/>
+            <a:off x="1104405" y="268892"/>
+            <a:ext cx="6777842" cy="4504989"/>
           </a:xfrm>
+          <a:prstGeom prst="rect">
+            <a:avLst/>
+          </a:prstGeom>
         </p:spPr>
-        <p:txBody>
-          <a:bodyPr>
-            <a:normAutofit fontScale="62500" lnSpcReduction="20000"/>
-          </a:bodyPr>
-          <a:lstStyle/>
-          <a:p>
-            <a:pPr marL="342900" indent="-342900"/>
-            <a:endParaRPr lang="en-IN" dirty="0" smtClean="0"/>
-          </a:p>
-          <a:p>
-            <a:pPr marL="342900" indent="-342900"/>
-            <a:r>
-              <a:rPr lang="en-IN" dirty="0" smtClean="0"/>
-              <a:t>  Example 1</a:t>
-            </a:r>
-          </a:p>
-          <a:p>
-            <a:pPr marL="0" indent="0">
-              <a:buNone/>
-            </a:pPr>
-            <a:r>
-              <a:rPr lang="en-IN" dirty="0" smtClean="0"/>
-              <a:t>	Function&lt;</a:t>
-            </a:r>
-            <a:r>
-              <a:rPr lang="en-IN" dirty="0" err="1" smtClean="0"/>
-              <a:t>String,Integer</a:t>
-            </a:r>
-            <a:r>
-              <a:rPr lang="en-IN" dirty="0"/>
-              <a:t>&gt; f =   String::length</a:t>
-            </a:r>
-            <a:r>
-              <a:rPr lang="en-IN" dirty="0" smtClean="0"/>
-              <a:t>; same as</a:t>
-            </a:r>
-          </a:p>
-          <a:p>
-            <a:pPr marL="0" indent="0">
-              <a:buNone/>
-            </a:pPr>
-            <a:endParaRPr lang="en-IN" dirty="0" smtClean="0"/>
-          </a:p>
-          <a:p>
-            <a:pPr marL="0" indent="0">
-              <a:buNone/>
-            </a:pPr>
-            <a:r>
-              <a:rPr lang="en-IN" dirty="0" smtClean="0"/>
-              <a:t>	Function&lt;</a:t>
-            </a:r>
-            <a:r>
-              <a:rPr lang="en-IN" dirty="0" err="1" smtClean="0"/>
-              <a:t>String,Integer</a:t>
-            </a:r>
-            <a:r>
-              <a:rPr lang="en-IN" dirty="0"/>
-              <a:t>&gt; f =  (s) -&gt; </a:t>
-            </a:r>
-            <a:r>
-              <a:rPr lang="en-IN" dirty="0" smtClean="0"/>
-              <a:t>{return </a:t>
-            </a:r>
-            <a:r>
-              <a:rPr lang="en-IN" dirty="0" err="1" smtClean="0"/>
-              <a:t>s.length</a:t>
-            </a:r>
-            <a:r>
-              <a:rPr lang="en-IN" dirty="0" smtClean="0"/>
-              <a:t>(); };</a:t>
-            </a:r>
-            <a:r>
-              <a:rPr lang="en-IN" b="1" dirty="0" smtClean="0"/>
-              <a:t> </a:t>
-            </a:r>
-          </a:p>
-          <a:p>
-            <a:pPr marL="0" indent="0">
-              <a:buNone/>
-            </a:pPr>
-            <a:endParaRPr lang="en-IN" b="1" dirty="0"/>
-          </a:p>
-          <a:p>
-            <a:pPr marL="342900" indent="-342900"/>
-            <a:r>
-              <a:rPr lang="en-IN" b="1" dirty="0" smtClean="0"/>
-              <a:t>   </a:t>
-            </a:r>
-            <a:r>
-              <a:rPr lang="en-IN" dirty="0"/>
-              <a:t>Example </a:t>
-            </a:r>
-            <a:r>
-              <a:rPr lang="en-IN" dirty="0" smtClean="0"/>
-              <a:t>2</a:t>
-            </a:r>
-            <a:endParaRPr lang="en-IN" dirty="0"/>
-          </a:p>
-          <a:p>
-            <a:pPr marL="0" indent="0">
-              <a:buNone/>
-            </a:pPr>
-            <a:endParaRPr lang="en-IN" dirty="0" smtClean="0"/>
-          </a:p>
-          <a:p>
-            <a:pPr marL="0" indent="0">
-              <a:buNone/>
-            </a:pPr>
-            <a:r>
-              <a:rPr lang="en-IN" dirty="0"/>
-              <a:t> 	</a:t>
-            </a:r>
-            <a:r>
-              <a:rPr lang="en-IN" dirty="0" err="1" smtClean="0"/>
-              <a:t>students.sort</a:t>
-            </a:r>
-            <a:r>
-              <a:rPr lang="en-IN" dirty="0"/>
-              <a:t>((Student s1, Student s2) -&gt; s1</a:t>
-            </a:r>
-            <a:r>
-              <a:rPr lang="en-IN" dirty="0" smtClean="0"/>
-              <a:t>.  </a:t>
-            </a:r>
-            <a:endParaRPr lang="en-IN" dirty="0"/>
-          </a:p>
-          <a:p>
-            <a:pPr marL="0" indent="0">
-              <a:buNone/>
-            </a:pPr>
-            <a:r>
-              <a:rPr lang="en-IN" dirty="0" smtClean="0"/>
-              <a:t>	</a:t>
-            </a:r>
-            <a:r>
-              <a:rPr lang="en-IN" dirty="0" err="1" smtClean="0"/>
-              <a:t>getTotalMarks</a:t>
-            </a:r>
-            <a:r>
-              <a:rPr lang="en-IN" dirty="0"/>
-              <a:t>().</a:t>
-            </a:r>
-            <a:r>
-              <a:rPr lang="en-IN" dirty="0" err="1"/>
-              <a:t>compareTo</a:t>
-            </a:r>
-            <a:r>
-              <a:rPr lang="en-IN" dirty="0"/>
-              <a:t>(s2. </a:t>
-            </a:r>
-            <a:r>
-              <a:rPr lang="en-IN" dirty="0" err="1"/>
-              <a:t>getTotalMarks</a:t>
-            </a:r>
-            <a:r>
-              <a:rPr lang="en-IN" dirty="0"/>
-              <a:t>())); same as</a:t>
-            </a:r>
-          </a:p>
-          <a:p>
-            <a:pPr marL="0" indent="0">
-              <a:buNone/>
-            </a:pPr>
-            <a:r>
-              <a:rPr lang="en-IN" dirty="0" smtClean="0"/>
-              <a:t>	</a:t>
-            </a:r>
-          </a:p>
-          <a:p>
-            <a:pPr marL="0" indent="0">
-              <a:buNone/>
-            </a:pPr>
-            <a:r>
-              <a:rPr lang="en-IN" dirty="0"/>
-              <a:t>	</a:t>
-            </a:r>
-            <a:r>
-              <a:rPr lang="en-IN" dirty="0" err="1" smtClean="0"/>
-              <a:t>students.sort</a:t>
-            </a:r>
-            <a:r>
-              <a:rPr lang="en-IN" dirty="0" smtClean="0"/>
-              <a:t>(comparing(Student</a:t>
-            </a:r>
-            <a:r>
-              <a:rPr lang="en-IN" dirty="0"/>
-              <a:t>::</a:t>
-            </a:r>
-            <a:r>
-              <a:rPr lang="en-IN" dirty="0" err="1"/>
-              <a:t>getTotalMarks</a:t>
-            </a:r>
-            <a:r>
-              <a:rPr lang="en-IN" dirty="0"/>
-              <a:t>))</a:t>
-            </a:r>
-          </a:p>
-          <a:p>
-            <a:pPr marL="0" indent="0">
-              <a:buNone/>
-            </a:pPr>
-            <a:endParaRPr lang="en-IN" dirty="0" smtClean="0"/>
-          </a:p>
-          <a:p>
-            <a:pPr marL="0" indent="0">
-              <a:buNone/>
-            </a:pPr>
-            <a:endParaRPr lang="en-IN" dirty="0"/>
-          </a:p>
-          <a:p>
-            <a:pPr marL="342900" indent="-342900"/>
-            <a:endParaRPr lang="en-IN" dirty="0" smtClean="0"/>
-          </a:p>
-          <a:p>
-            <a:pPr marL="342900" indent="-342900"/>
-            <a:endParaRPr lang="en-IN" dirty="0" smtClean="0"/>
-          </a:p>
-          <a:p>
-            <a:pPr marL="0" indent="0">
-              <a:buNone/>
-            </a:pPr>
-            <a:endParaRPr lang="en-IN" dirty="0"/>
-          </a:p>
-          <a:p>
-            <a:pPr marL="0" indent="0">
-              <a:buNone/>
-            </a:pPr>
-            <a:endParaRPr lang="en-IN" dirty="0"/>
-          </a:p>
-          <a:p>
-            <a:pPr marL="0" indent="0">
-              <a:buNone/>
-            </a:pPr>
-            <a:endParaRPr lang="en-IN" dirty="0"/>
-          </a:p>
-          <a:p>
-            <a:pPr marL="0" indent="0">
-              <a:buNone/>
-            </a:pPr>
-            <a:endParaRPr lang="en-IN" dirty="0"/>
-          </a:p>
-          <a:p>
-            <a:pPr marL="342900" indent="-342900"/>
-            <a:endParaRPr lang="en-IN" dirty="0"/>
-          </a:p>
-          <a:p>
-            <a:endParaRPr lang="en-US" dirty="0"/>
-          </a:p>
-        </p:txBody>
-      </p:sp>
-      <p:sp>
-        <p:nvSpPr>
-          <p:cNvPr id="2" name="Title 1"/>
-          <p:cNvSpPr>
-            <a:spLocks noGrp="1"/>
-          </p:cNvSpPr>
-          <p:nvPr>
-            <p:ph type="title"/>
-          </p:nvPr>
-        </p:nvSpPr>
-        <p:spPr>
-          <a:xfrm>
-            <a:off x="457200" y="431906"/>
-            <a:ext cx="8229600" cy="468207"/>
-          </a:xfrm>
-        </p:spPr>
-        <p:txBody>
-          <a:bodyPr>
-            <a:normAutofit fontScale="90000"/>
-          </a:bodyPr>
-          <a:lstStyle/>
-          <a:p>
-            <a:r>
-              <a:rPr lang="en-US" dirty="0" smtClean="0"/>
-              <a:t>Lesson 6 </a:t>
-            </a:r>
-            <a:r>
-              <a:rPr lang="en-US" dirty="0"/>
-              <a:t>: Method and constructor reference</a:t>
-            </a:r>
-          </a:p>
-        </p:txBody>
-      </p:sp>
-      <p:sp>
-        <p:nvSpPr>
-          <p:cNvPr id="4" name="Date Placeholder 3"/>
-          <p:cNvSpPr>
-            <a:spLocks noGrp="1"/>
-          </p:cNvSpPr>
-          <p:nvPr>
-            <p:ph type="dt" sz="half" idx="10"/>
-          </p:nvPr>
-        </p:nvSpPr>
-        <p:spPr>
-          <a:xfrm>
-            <a:off x="4636897" y="4877514"/>
-            <a:ext cx="721106" cy="205743"/>
-          </a:xfrm>
-        </p:spPr>
-        <p:txBody>
-          <a:bodyPr/>
-          <a:lstStyle/>
-          <a:p>
-            <a:fld id="{3FE8D249-C662-48EE-B897-711C67200507}" type="datetime1">
-              <a:rPr lang="en-IN" smtClean="0"/>
-              <a:t>24-08-2016</a:t>
-            </a:fld>
-            <a:endParaRPr lang="en-IN" dirty="0"/>
-          </a:p>
-        </p:txBody>
-      </p:sp>
-      <p:sp>
-        <p:nvSpPr>
-          <p:cNvPr id="5" name="Footer Placeholder 4"/>
-          <p:cNvSpPr>
-            <a:spLocks noGrp="1"/>
-          </p:cNvSpPr>
-          <p:nvPr>
-            <p:ph type="ftr" sz="quarter" idx="11"/>
-          </p:nvPr>
-        </p:nvSpPr>
-        <p:spPr>
-          <a:xfrm>
-            <a:off x="5481153" y="4877514"/>
-            <a:ext cx="2550495" cy="205743"/>
-          </a:xfrm>
-        </p:spPr>
-        <p:txBody>
-          <a:bodyPr/>
-          <a:lstStyle/>
-          <a:p>
-            <a:r>
-              <a:rPr lang="en-IN" dirty="0" smtClean="0"/>
-              <a:t>www.zensar.com  |  © </a:t>
-            </a:r>
-            <a:r>
-              <a:rPr lang="en-IN" dirty="0" err="1" smtClean="0"/>
-              <a:t>Zensar</a:t>
-            </a:r>
-            <a:r>
-              <a:rPr lang="en-IN" dirty="0" smtClean="0"/>
-              <a:t> Technologies 2016</a:t>
-            </a:r>
-            <a:endParaRPr lang="en-IN" dirty="0"/>
-          </a:p>
-        </p:txBody>
-      </p:sp>
+      </p:pic>
     </p:spTree>
     <p:extLst>
       <p:ext uri="{BB962C8B-B14F-4D97-AF65-F5344CB8AC3E}">
-        <p14:creationId xmlns:p14="http://schemas.microsoft.com/office/powerpoint/2010/main" val="2311474914"/>
+        <p14:creationId xmlns:p14="http://schemas.microsoft.com/office/powerpoint/2010/main" val="3725173860"/>
       </p:ext>
     </p:extLst>
   </p:cSld>
   <p:clrMapOvr>
     <a:masterClrMapping/>
   </p:clrMapOvr>
-  <mc:AlternateContent xmlns:mc="http://schemas.openxmlformats.org/markup-compatibility/2006" xmlns:p14="http://schemas.microsoft.com/office/powerpoint/2010/main">
-    <mc:Choice Requires="p14">
-      <p:transition spd="med" p14:dur="700">
-        <p:fade/>
-      </p:transition>
-    </mc:Choice>
-    <mc:Fallback xmlns="">
-      <p:transition spd="med">
-        <p:fade/>
-      </p:transition>
-    </mc:Fallback>
-  </mc:AlternateContent>
-  <p:timing>
-    <p:tnLst>
-      <p:par>
-        <p:cTn id="1" dur="indefinite" restart="never" nodeType="tmRoot"/>
-      </p:par>
-    </p:tnLst>
-  </p:timing>
 </p:sld>
 </file>
 
@@ -17964,294 +17433,721 @@
       </p:grpSpPr>
       <p:sp>
         <p:nvSpPr>
-          <p:cNvPr id="3" name="Content Placeholder 2"/>
-          <p:cNvSpPr>
-            <a:spLocks noGrp="1"/>
-          </p:cNvSpPr>
-          <p:nvPr>
-            <p:ph idx="1"/>
+          <p:cNvPr id="2" name="Title 1"/>
+          <p:cNvSpPr>
+            <a:spLocks noGrp="1"/>
+          </p:cNvSpPr>
+          <p:nvPr>
+            <p:ph type="title"/>
           </p:nvPr>
         </p:nvSpPr>
         <p:spPr>
           <a:xfrm>
-            <a:off x="457200" y="1498060"/>
-            <a:ext cx="7472363" cy="3025302"/>
+            <a:off x="628650" y="273844"/>
+            <a:ext cx="7886700" cy="679467"/>
           </a:xfrm>
         </p:spPr>
         <p:txBody>
-          <a:bodyPr>
-            <a:normAutofit fontScale="92500" lnSpcReduction="20000"/>
-          </a:bodyPr>
-          <a:lstStyle/>
-          <a:p>
-            <a:pPr marL="342900" indent="-342900"/>
-            <a:r>
-              <a:rPr lang="en-IN" dirty="0" err="1" smtClean="0"/>
-              <a:t>TypeName</a:t>
-            </a:r>
-            <a:r>
-              <a:rPr lang="en-IN" dirty="0"/>
-              <a:t>::</a:t>
-            </a:r>
-            <a:r>
-              <a:rPr lang="en-IN" dirty="0" err="1"/>
-              <a:t>staticMethod</a:t>
-            </a:r>
-            <a:r>
-              <a:rPr lang="en-IN" dirty="0"/>
-              <a:t> A method reference to a static method of a class, an interface, or an </a:t>
-            </a:r>
-            <a:r>
-              <a:rPr lang="en-IN" dirty="0" err="1" smtClean="0"/>
-              <a:t>enum</a:t>
-            </a:r>
-            <a:r>
-              <a:rPr lang="en-IN" dirty="0" smtClean="0"/>
-              <a:t>.</a:t>
-            </a:r>
-          </a:p>
-          <a:p>
-            <a:pPr marL="342900" indent="-342900"/>
-            <a:endParaRPr lang="en-IN" dirty="0"/>
-          </a:p>
-          <a:p>
-            <a:pPr marL="342900" indent="-342900"/>
-            <a:r>
-              <a:rPr lang="en-IN" dirty="0" smtClean="0"/>
-              <a:t>Example 1</a:t>
-            </a:r>
-          </a:p>
-          <a:p>
-            <a:pPr marL="0" indent="0">
-              <a:buNone/>
-            </a:pPr>
-            <a:r>
-              <a:rPr lang="en-IN" dirty="0" smtClean="0"/>
-              <a:t>    	</a:t>
-            </a:r>
-            <a:r>
-              <a:rPr lang="sv-SE" dirty="0" smtClean="0"/>
-              <a:t> Function&lt;Integer</a:t>
-            </a:r>
-            <a:r>
-              <a:rPr lang="sv-SE" dirty="0"/>
-              <a:t>, String&gt; func1 = x -&gt; Integer.toBinaryString(x);</a:t>
-            </a:r>
-          </a:p>
-          <a:p>
-            <a:pPr marL="0" indent="0">
-              <a:buNone/>
-            </a:pPr>
-            <a:r>
-              <a:rPr lang="sv-SE" dirty="0"/>
-              <a:t>   </a:t>
-            </a:r>
-            <a:r>
-              <a:rPr lang="sv-SE" dirty="0" smtClean="0"/>
-              <a:t>	 </a:t>
-            </a:r>
-            <a:r>
-              <a:rPr lang="sv-SE" dirty="0"/>
-              <a:t>BiFunction&lt;Integer, Integer, Integer&gt; func2 = Integer::sum</a:t>
-            </a:r>
-            <a:r>
-              <a:rPr lang="sv-SE" dirty="0" smtClean="0"/>
-              <a:t>;</a:t>
-            </a:r>
-          </a:p>
-          <a:p>
-            <a:pPr marL="0" indent="0">
-              <a:buNone/>
-            </a:pPr>
-            <a:endParaRPr lang="sv-SE" dirty="0" smtClean="0"/>
-          </a:p>
-          <a:p>
-            <a:pPr marL="342900" indent="-342900"/>
-            <a:r>
-              <a:rPr lang="en-IN" dirty="0"/>
-              <a:t>Example </a:t>
-            </a:r>
-            <a:r>
-              <a:rPr lang="en-IN" dirty="0" smtClean="0"/>
-              <a:t>2</a:t>
-            </a:r>
-            <a:endParaRPr lang="en-IN" dirty="0"/>
-          </a:p>
-          <a:p>
-            <a:pPr marL="0" indent="0">
-              <a:buNone/>
-            </a:pPr>
-            <a:r>
-              <a:rPr lang="en-IN" dirty="0" smtClean="0"/>
-              <a:t> 	   </a:t>
-            </a:r>
-            <a:r>
-              <a:rPr lang="en-IN" dirty="0"/>
-              <a:t>static Integer </a:t>
-            </a:r>
-            <a:r>
-              <a:rPr lang="en-IN" dirty="0" err="1"/>
-              <a:t>valueOf</a:t>
-            </a:r>
-            <a:r>
-              <a:rPr lang="en-IN" dirty="0"/>
-              <a:t>(</a:t>
-            </a:r>
-            <a:r>
-              <a:rPr lang="en-IN" dirty="0" err="1"/>
-              <a:t>int</a:t>
-            </a:r>
-            <a:r>
-              <a:rPr lang="en-IN" dirty="0"/>
-              <a:t> </a:t>
-            </a:r>
-            <a:r>
-              <a:rPr lang="en-IN" dirty="0" err="1"/>
-              <a:t>i</a:t>
-            </a:r>
-            <a:r>
-              <a:rPr lang="en-IN" dirty="0"/>
-              <a:t>) </a:t>
-            </a:r>
-            <a:r>
-              <a:rPr lang="en-IN" dirty="0" smtClean="0"/>
-              <a:t>;   </a:t>
-            </a:r>
-            <a:endParaRPr lang="en-IN" dirty="0"/>
-          </a:p>
-          <a:p>
-            <a:pPr marL="0" indent="0">
-              <a:buNone/>
-            </a:pPr>
-            <a:r>
-              <a:rPr lang="en-IN" dirty="0" smtClean="0"/>
-              <a:t> </a:t>
-            </a:r>
-          </a:p>
-          <a:p>
-            <a:endParaRPr lang="en-US" dirty="0"/>
-          </a:p>
-        </p:txBody>
-      </p:sp>
-      <p:sp>
-        <p:nvSpPr>
-          <p:cNvPr id="2" name="Title 1"/>
-          <p:cNvSpPr>
-            <a:spLocks noGrp="1"/>
-          </p:cNvSpPr>
-          <p:nvPr>
-            <p:ph type="title"/>
-          </p:nvPr>
-        </p:nvSpPr>
-        <p:spPr>
-          <a:xfrm>
-            <a:off x="457200" y="431906"/>
-            <a:ext cx="8229600" cy="468207"/>
-          </a:xfrm>
-        </p:spPr>
-        <p:txBody>
-          <a:bodyPr>
-            <a:normAutofit fontScale="90000"/>
-          </a:bodyPr>
-          <a:lstStyle/>
-          <a:p>
-            <a:r>
-              <a:rPr lang="en-US" dirty="0" smtClean="0"/>
-              <a:t>Lesson 6 </a:t>
-            </a:r>
-            <a:r>
-              <a:rPr lang="en-US" dirty="0"/>
-              <a:t>: Method and constructor reference</a:t>
-            </a:r>
-          </a:p>
-        </p:txBody>
-      </p:sp>
-      <p:sp>
-        <p:nvSpPr>
-          <p:cNvPr id="4" name="Date Placeholder 3"/>
-          <p:cNvSpPr>
-            <a:spLocks noGrp="1"/>
-          </p:cNvSpPr>
-          <p:nvPr>
-            <p:ph type="dt" sz="half" idx="10"/>
-          </p:nvPr>
-        </p:nvSpPr>
-        <p:spPr>
-          <a:xfrm>
-            <a:off x="4636897" y="4877514"/>
-            <a:ext cx="721106" cy="205743"/>
-          </a:xfrm>
-        </p:spPr>
-        <p:txBody>
           <a:bodyPr/>
           <a:lstStyle/>
           <a:p>
-            <a:fld id="{3FE8D249-C662-48EE-B897-711C67200507}" type="datetime1">
-              <a:rPr lang="en-IN" smtClean="0"/>
-              <a:t>24-08-2016</a:t>
-            </a:fld>
-            <a:endParaRPr lang="en-IN" dirty="0"/>
-          </a:p>
-        </p:txBody>
-      </p:sp>
-      <p:sp>
-        <p:nvSpPr>
-          <p:cNvPr id="5" name="Footer Placeholder 4"/>
-          <p:cNvSpPr>
-            <a:spLocks noGrp="1"/>
-          </p:cNvSpPr>
-          <p:nvPr>
-            <p:ph type="ftr" sz="quarter" idx="11"/>
-          </p:nvPr>
-        </p:nvSpPr>
-        <p:spPr>
-          <a:xfrm>
-            <a:off x="5481153" y="4877514"/>
-            <a:ext cx="2550495" cy="205743"/>
-          </a:xfrm>
-        </p:spPr>
-        <p:txBody>
-          <a:bodyPr/>
-          <a:lstStyle/>
-          <a:p>
             <a:r>
               <a:rPr lang="en-IN" dirty="0" smtClean="0"/>
-              <a:t>www.zensar.com  |  © </a:t>
-            </a:r>
-            <a:r>
-              <a:rPr lang="en-IN" dirty="0" err="1" smtClean="0"/>
-              <a:t>Zensar</a:t>
+              <a:t>Exercise : Match </a:t>
             </a:r>
             <a:r>
               <a:rPr lang="en-IN" dirty="0" smtClean="0"/>
-              <a:t> Technologies 2016</a:t>
-            </a:r>
-            <a:endParaRPr lang="en-IN" dirty="0"/>
-          </a:p>
-        </p:txBody>
-      </p:sp>
+              <a:t>the following.</a:t>
+            </a:r>
+            <a:endParaRPr lang="en-IN" dirty="0"/>
+          </a:p>
+        </p:txBody>
+      </p:sp>
+      <p:graphicFrame>
+        <p:nvGraphicFramePr>
+          <p:cNvPr id="4" name="Content Placeholder 3"/>
+          <p:cNvGraphicFramePr>
+            <a:graphicFrameLocks noGrp="1"/>
+          </p:cNvGraphicFramePr>
+          <p:nvPr>
+            <p:ph idx="1"/>
+            <p:extLst>
+              <p:ext uri="{D42A27DB-BD31-4B8C-83A1-F6EECF244321}">
+                <p14:modId xmlns:p14="http://schemas.microsoft.com/office/powerpoint/2010/main" val="3293135669"/>
+              </p:ext>
+            </p:extLst>
+          </p:nvPr>
+        </p:nvGraphicFramePr>
+        <p:xfrm>
+          <a:off x="748144" y="1099226"/>
+          <a:ext cx="6537368" cy="3362929"/>
+        </p:xfrm>
+        <a:graphic>
+          <a:graphicData uri="http://schemas.openxmlformats.org/drawingml/2006/table">
+            <a:tbl>
+              <a:tblPr firstRow="1" firstCol="1" bandRow="1">
+                <a:tableStyleId>{5C22544A-7EE6-4342-B048-85BDC9FD1C3A}</a:tableStyleId>
+              </a:tblPr>
+              <a:tblGrid>
+                <a:gridCol w="3268684"/>
+                <a:gridCol w="3268684"/>
+              </a:tblGrid>
+              <a:tr h="701147">
+                <a:tc>
+                  <a:txBody>
+                    <a:bodyPr/>
+                    <a:lstStyle/>
+                    <a:p>
+                      <a:pPr>
+                        <a:lnSpc>
+                          <a:spcPct val="107000"/>
+                        </a:lnSpc>
+                        <a:spcAft>
+                          <a:spcPts val="0"/>
+                        </a:spcAft>
+                      </a:pPr>
+                      <a:r>
+                        <a:rPr lang="en-IN" sz="800" dirty="0">
+                          <a:effectLst/>
+                        </a:rPr>
+                        <a:t> (List&lt;String&gt; list) -&gt; </a:t>
+                      </a:r>
+                      <a:r>
+                        <a:rPr lang="en-IN" sz="800" dirty="0" err="1">
+                          <a:effectLst/>
+                        </a:rPr>
+                        <a:t>list.isEmpty</a:t>
+                      </a:r>
+                      <a:r>
+                        <a:rPr lang="en-IN" sz="800" dirty="0">
+                          <a:effectLst/>
+                        </a:rPr>
+                        <a:t>()</a:t>
+                      </a:r>
+                      <a:endParaRPr lang="en-IN" sz="800" dirty="0">
+                        <a:effectLst/>
+                        <a:latin typeface="Calibri" panose="020F0502020204030204" pitchFamily="34" charset="0"/>
+                        <a:ea typeface="Calibri" panose="020F0502020204030204" pitchFamily="34" charset="0"/>
+                        <a:cs typeface="Times New Roman" panose="02020603050405020304" pitchFamily="18" charset="0"/>
+                      </a:endParaRPr>
+                    </a:p>
+                  </a:txBody>
+                  <a:tcPr marL="51435" marR="51435" marT="0" marB="0">
+                    <a:solidFill>
+                      <a:schemeClr val="accent2">
+                        <a:lumMod val="75000"/>
+                      </a:schemeClr>
+                    </a:solidFill>
+                  </a:tcPr>
+                </a:tc>
+                <a:tc>
+                  <a:txBody>
+                    <a:bodyPr/>
+                    <a:lstStyle/>
+                    <a:p>
+                      <a:pPr>
+                        <a:lnSpc>
+                          <a:spcPct val="107000"/>
+                        </a:lnSpc>
+                        <a:spcAft>
+                          <a:spcPts val="0"/>
+                        </a:spcAft>
+                      </a:pPr>
+                      <a:r>
+                        <a:rPr lang="en-IN" sz="800" b="1" dirty="0">
+                          <a:solidFill>
+                            <a:schemeClr val="tx1"/>
+                          </a:solidFill>
+                          <a:effectLst/>
+                        </a:rPr>
+                        <a:t> Function&lt;String, Integer&gt; or </a:t>
+                      </a:r>
+                      <a:r>
+                        <a:rPr lang="en-IN" sz="800" b="1" dirty="0" err="1">
+                          <a:solidFill>
+                            <a:schemeClr val="tx1"/>
+                          </a:solidFill>
+                          <a:effectLst/>
+                        </a:rPr>
+                        <a:t>ToIntFunction</a:t>
+                      </a:r>
+                      <a:r>
+                        <a:rPr lang="en-IN" sz="800" b="1" dirty="0">
+                          <a:solidFill>
+                            <a:schemeClr val="tx1"/>
+                          </a:solidFill>
+                          <a:effectLst/>
+                        </a:rPr>
+                        <a:t>&lt;String&gt;</a:t>
+                      </a:r>
+                      <a:endParaRPr lang="en-IN" sz="800" b="1" dirty="0">
+                        <a:solidFill>
+                          <a:schemeClr val="tx1"/>
+                        </a:solidFill>
+                        <a:effectLst/>
+                        <a:latin typeface="Calibri" panose="020F0502020204030204" pitchFamily="34" charset="0"/>
+                        <a:ea typeface="Calibri" panose="020F0502020204030204" pitchFamily="34" charset="0"/>
+                        <a:cs typeface="Times New Roman" panose="02020603050405020304" pitchFamily="18" charset="0"/>
+                      </a:endParaRPr>
+                    </a:p>
+                  </a:txBody>
+                  <a:tcPr marL="51435" marR="51435" marT="0" marB="0">
+                    <a:solidFill>
+                      <a:schemeClr val="accent2">
+                        <a:lumMod val="60000"/>
+                        <a:lumOff val="40000"/>
+                      </a:schemeClr>
+                    </a:solidFill>
+                  </a:tcPr>
+                </a:tc>
+              </a:tr>
+              <a:tr h="260156">
+                <a:tc>
+                  <a:txBody>
+                    <a:bodyPr/>
+                    <a:lstStyle/>
+                    <a:p>
+                      <a:pPr>
+                        <a:lnSpc>
+                          <a:spcPct val="107000"/>
+                        </a:lnSpc>
+                        <a:spcAft>
+                          <a:spcPts val="0"/>
+                        </a:spcAft>
+                      </a:pPr>
+                      <a:r>
+                        <a:rPr lang="en-IN" sz="800" dirty="0">
+                          <a:effectLst/>
+                        </a:rPr>
+                        <a:t>() -&gt; new Student(10)</a:t>
+                      </a:r>
+                      <a:endParaRPr lang="en-IN" sz="800" dirty="0">
+                        <a:effectLst/>
+                        <a:latin typeface="Calibri" panose="020F0502020204030204" pitchFamily="34" charset="0"/>
+                        <a:ea typeface="Calibri" panose="020F0502020204030204" pitchFamily="34" charset="0"/>
+                        <a:cs typeface="Times New Roman" panose="02020603050405020304" pitchFamily="18" charset="0"/>
+                      </a:endParaRPr>
+                    </a:p>
+                  </a:txBody>
+                  <a:tcPr marL="51435" marR="51435" marT="0" marB="0">
+                    <a:solidFill>
+                      <a:schemeClr val="accent2">
+                        <a:lumMod val="75000"/>
+                      </a:schemeClr>
+                    </a:solidFill>
+                  </a:tcPr>
+                </a:tc>
+                <a:tc>
+                  <a:txBody>
+                    <a:bodyPr/>
+                    <a:lstStyle/>
+                    <a:p>
+                      <a:pPr>
+                        <a:lnSpc>
+                          <a:spcPct val="107000"/>
+                        </a:lnSpc>
+                        <a:spcAft>
+                          <a:spcPts val="0"/>
+                        </a:spcAft>
+                      </a:pPr>
+                      <a:r>
+                        <a:rPr lang="en-IN" sz="800" b="1" dirty="0">
+                          <a:solidFill>
+                            <a:schemeClr val="tx1"/>
+                          </a:solidFill>
+                          <a:effectLst/>
+                        </a:rPr>
+                        <a:t>  </a:t>
+                      </a:r>
+                      <a:r>
+                        <a:rPr lang="en-IN" sz="800" b="1" dirty="0" err="1">
+                          <a:solidFill>
+                            <a:schemeClr val="tx1"/>
+                          </a:solidFill>
+                          <a:effectLst/>
+                        </a:rPr>
+                        <a:t>IntBinaryOperator</a:t>
+                      </a:r>
+                      <a:endParaRPr lang="en-IN" sz="800" b="1" dirty="0">
+                        <a:solidFill>
+                          <a:schemeClr val="tx1"/>
+                        </a:solidFill>
+                        <a:effectLst/>
+                        <a:latin typeface="Calibri" panose="020F0502020204030204" pitchFamily="34" charset="0"/>
+                        <a:ea typeface="Calibri" panose="020F0502020204030204" pitchFamily="34" charset="0"/>
+                        <a:cs typeface="Times New Roman" panose="02020603050405020304" pitchFamily="18" charset="0"/>
+                      </a:endParaRPr>
+                    </a:p>
+                  </a:txBody>
+                  <a:tcPr marL="51435" marR="51435" marT="0" marB="0">
+                    <a:solidFill>
+                      <a:schemeClr val="accent2">
+                        <a:lumMod val="60000"/>
+                        <a:lumOff val="40000"/>
+                      </a:schemeClr>
+                    </a:solidFill>
+                  </a:tcPr>
+                </a:tc>
+              </a:tr>
+              <a:tr h="532358">
+                <a:tc>
+                  <a:txBody>
+                    <a:bodyPr/>
+                    <a:lstStyle/>
+                    <a:p>
+                      <a:pPr>
+                        <a:lnSpc>
+                          <a:spcPct val="107000"/>
+                        </a:lnSpc>
+                        <a:spcAft>
+                          <a:spcPts val="0"/>
+                        </a:spcAft>
+                      </a:pPr>
+                      <a:r>
+                        <a:rPr lang="en-IN" sz="800" dirty="0">
+                          <a:effectLst/>
+                        </a:rPr>
+                        <a:t>(Student s) -&gt; </a:t>
+                      </a:r>
+                      <a:r>
+                        <a:rPr lang="en-IN" sz="800" dirty="0" err="1">
+                          <a:effectLst/>
+                        </a:rPr>
+                        <a:t>System.out.println</a:t>
+                      </a:r>
+                      <a:r>
+                        <a:rPr lang="en-IN" sz="800" dirty="0">
+                          <a:effectLst/>
+                        </a:rPr>
+                        <a:t>(</a:t>
+                      </a:r>
+                      <a:r>
+                        <a:rPr lang="en-IN" sz="800" dirty="0" err="1">
+                          <a:effectLst/>
+                        </a:rPr>
+                        <a:t>s.getRollNumber</a:t>
+                      </a:r>
+                      <a:r>
+                        <a:rPr lang="en-IN" sz="800" dirty="0">
+                          <a:effectLst/>
+                        </a:rPr>
+                        <a:t>())</a:t>
+                      </a:r>
+                      <a:endParaRPr lang="en-IN" sz="800" dirty="0">
+                        <a:effectLst/>
+                        <a:latin typeface="Calibri" panose="020F0502020204030204" pitchFamily="34" charset="0"/>
+                        <a:ea typeface="Calibri" panose="020F0502020204030204" pitchFamily="34" charset="0"/>
+                        <a:cs typeface="Times New Roman" panose="02020603050405020304" pitchFamily="18" charset="0"/>
+                      </a:endParaRPr>
+                    </a:p>
+                  </a:txBody>
+                  <a:tcPr marL="51435" marR="51435" marT="0" marB="0">
+                    <a:solidFill>
+                      <a:schemeClr val="accent2">
+                        <a:lumMod val="75000"/>
+                      </a:schemeClr>
+                    </a:solidFill>
+                  </a:tcPr>
+                </a:tc>
+                <a:tc>
+                  <a:txBody>
+                    <a:bodyPr/>
+                    <a:lstStyle/>
+                    <a:p>
+                      <a:pPr>
+                        <a:lnSpc>
+                          <a:spcPct val="107000"/>
+                        </a:lnSpc>
+                        <a:spcAft>
+                          <a:spcPts val="0"/>
+                        </a:spcAft>
+                      </a:pPr>
+                      <a:r>
+                        <a:rPr lang="en-IN" sz="800" b="1" dirty="0">
+                          <a:solidFill>
+                            <a:schemeClr val="tx1"/>
+                          </a:solidFill>
+                          <a:effectLst/>
+                        </a:rPr>
+                        <a:t>  Predicate&lt;List&lt;String&gt;&gt;</a:t>
+                      </a:r>
+                      <a:endParaRPr lang="en-IN" sz="800" b="1" dirty="0">
+                        <a:solidFill>
+                          <a:schemeClr val="tx1"/>
+                        </a:solidFill>
+                        <a:effectLst/>
+                        <a:latin typeface="Calibri" panose="020F0502020204030204" pitchFamily="34" charset="0"/>
+                        <a:ea typeface="Calibri" panose="020F0502020204030204" pitchFamily="34" charset="0"/>
+                        <a:cs typeface="Times New Roman" panose="02020603050405020304" pitchFamily="18" charset="0"/>
+                      </a:endParaRPr>
+                    </a:p>
+                  </a:txBody>
+                  <a:tcPr marL="51435" marR="51435" marT="0" marB="0">
+                    <a:solidFill>
+                      <a:schemeClr val="accent2">
+                        <a:lumMod val="60000"/>
+                        <a:lumOff val="40000"/>
+                      </a:schemeClr>
+                    </a:solidFill>
+                  </a:tcPr>
+                </a:tc>
+              </a:tr>
+              <a:tr h="804556">
+                <a:tc>
+                  <a:txBody>
+                    <a:bodyPr/>
+                    <a:lstStyle/>
+                    <a:p>
+                      <a:pPr>
+                        <a:lnSpc>
+                          <a:spcPct val="107000"/>
+                        </a:lnSpc>
+                        <a:spcAft>
+                          <a:spcPts val="0"/>
+                        </a:spcAft>
+                      </a:pPr>
+                      <a:r>
+                        <a:rPr lang="en-IN" sz="800" dirty="0">
+                          <a:effectLst/>
+                        </a:rPr>
+                        <a:t>(String s) -&gt; </a:t>
+                      </a:r>
+                      <a:r>
+                        <a:rPr lang="en-IN" sz="800" dirty="0" err="1">
+                          <a:effectLst/>
+                        </a:rPr>
+                        <a:t>s.length</a:t>
+                      </a:r>
+                      <a:r>
+                        <a:rPr lang="en-IN" sz="800" dirty="0">
+                          <a:effectLst/>
+                        </a:rPr>
+                        <a:t>()</a:t>
+                      </a:r>
+                      <a:endParaRPr lang="en-IN" sz="800" dirty="0">
+                        <a:effectLst/>
+                        <a:latin typeface="Calibri" panose="020F0502020204030204" pitchFamily="34" charset="0"/>
+                        <a:ea typeface="Calibri" panose="020F0502020204030204" pitchFamily="34" charset="0"/>
+                        <a:cs typeface="Times New Roman" panose="02020603050405020304" pitchFamily="18" charset="0"/>
+                      </a:endParaRPr>
+                    </a:p>
+                  </a:txBody>
+                  <a:tcPr marL="51435" marR="51435" marT="0" marB="0">
+                    <a:solidFill>
+                      <a:schemeClr val="accent2">
+                        <a:lumMod val="75000"/>
+                      </a:schemeClr>
+                    </a:solidFill>
+                  </a:tcPr>
+                </a:tc>
+                <a:tc>
+                  <a:txBody>
+                    <a:bodyPr/>
+                    <a:lstStyle/>
+                    <a:p>
+                      <a:pPr>
+                        <a:lnSpc>
+                          <a:spcPct val="107000"/>
+                        </a:lnSpc>
+                        <a:spcAft>
+                          <a:spcPts val="0"/>
+                        </a:spcAft>
+                      </a:pPr>
+                      <a:r>
+                        <a:rPr lang="en-IN" sz="800" b="1" dirty="0">
+                          <a:solidFill>
+                            <a:schemeClr val="tx1"/>
+                          </a:solidFill>
+                          <a:effectLst/>
+                        </a:rPr>
+                        <a:t> Comparator&lt; Student &gt; or </a:t>
+                      </a:r>
+                      <a:r>
+                        <a:rPr lang="en-IN" sz="800" b="1" dirty="0" err="1">
+                          <a:solidFill>
+                            <a:schemeClr val="tx1"/>
+                          </a:solidFill>
+                          <a:effectLst/>
+                        </a:rPr>
+                        <a:t>BiFunction</a:t>
+                      </a:r>
+                      <a:r>
+                        <a:rPr lang="en-IN" sz="800" b="1" dirty="0">
+                          <a:solidFill>
+                            <a:schemeClr val="tx1"/>
+                          </a:solidFill>
+                          <a:effectLst/>
+                        </a:rPr>
+                        <a:t>&lt; Student, Student, Integer&gt; or </a:t>
+                      </a:r>
+                      <a:r>
+                        <a:rPr lang="en-IN" sz="800" b="1" dirty="0" err="1">
+                          <a:solidFill>
+                            <a:schemeClr val="tx1"/>
+                          </a:solidFill>
+                          <a:effectLst/>
+                        </a:rPr>
+                        <a:t>ToIntBiFunction</a:t>
+                      </a:r>
+                      <a:r>
+                        <a:rPr lang="en-IN" sz="800" b="1" dirty="0">
+                          <a:solidFill>
+                            <a:schemeClr val="tx1"/>
+                          </a:solidFill>
+                          <a:effectLst/>
+                        </a:rPr>
+                        <a:t>&lt; Student, Student &gt;</a:t>
+                      </a:r>
+                      <a:endParaRPr lang="en-IN" sz="800" b="1" dirty="0">
+                        <a:solidFill>
+                          <a:schemeClr val="tx1"/>
+                        </a:solidFill>
+                        <a:effectLst/>
+                        <a:latin typeface="Calibri" panose="020F0502020204030204" pitchFamily="34" charset="0"/>
+                        <a:ea typeface="Calibri" panose="020F0502020204030204" pitchFamily="34" charset="0"/>
+                        <a:cs typeface="Times New Roman" panose="02020603050405020304" pitchFamily="18" charset="0"/>
+                      </a:endParaRPr>
+                    </a:p>
+                  </a:txBody>
+                  <a:tcPr marL="51435" marR="51435" marT="0" marB="0">
+                    <a:solidFill>
+                      <a:schemeClr val="accent2">
+                        <a:lumMod val="60000"/>
+                        <a:lumOff val="40000"/>
+                      </a:schemeClr>
+                    </a:solidFill>
+                  </a:tcPr>
+                </a:tc>
+              </a:tr>
+              <a:tr h="260156">
+                <a:tc>
+                  <a:txBody>
+                    <a:bodyPr/>
+                    <a:lstStyle/>
+                    <a:p>
+                      <a:pPr>
+                        <a:lnSpc>
+                          <a:spcPct val="107000"/>
+                        </a:lnSpc>
+                        <a:spcAft>
+                          <a:spcPts val="0"/>
+                        </a:spcAft>
+                      </a:pPr>
+                      <a:r>
+                        <a:rPr lang="en-IN" sz="800" dirty="0">
+                          <a:effectLst/>
+                        </a:rPr>
+                        <a:t>(</a:t>
+                      </a:r>
+                      <a:r>
+                        <a:rPr lang="en-IN" sz="800" dirty="0" err="1">
+                          <a:effectLst/>
+                        </a:rPr>
+                        <a:t>int</a:t>
+                      </a:r>
+                      <a:r>
+                        <a:rPr lang="en-IN" sz="800" dirty="0">
+                          <a:effectLst/>
+                        </a:rPr>
+                        <a:t> a, </a:t>
+                      </a:r>
+                      <a:r>
+                        <a:rPr lang="en-IN" sz="800" dirty="0" err="1">
+                          <a:effectLst/>
+                        </a:rPr>
+                        <a:t>int</a:t>
+                      </a:r>
+                      <a:r>
+                        <a:rPr lang="en-IN" sz="800" dirty="0">
+                          <a:effectLst/>
+                        </a:rPr>
+                        <a:t> b) -&gt; a * b</a:t>
+                      </a:r>
+                      <a:endParaRPr lang="en-IN" sz="800" dirty="0">
+                        <a:effectLst/>
+                        <a:latin typeface="Calibri" panose="020F0502020204030204" pitchFamily="34" charset="0"/>
+                        <a:ea typeface="Calibri" panose="020F0502020204030204" pitchFamily="34" charset="0"/>
+                        <a:cs typeface="Times New Roman" panose="02020603050405020304" pitchFamily="18" charset="0"/>
+                      </a:endParaRPr>
+                    </a:p>
+                  </a:txBody>
+                  <a:tcPr marL="51435" marR="51435" marT="0" marB="0">
+                    <a:solidFill>
+                      <a:schemeClr val="accent2">
+                        <a:lumMod val="75000"/>
+                      </a:schemeClr>
+                    </a:solidFill>
+                  </a:tcPr>
+                </a:tc>
+                <a:tc>
+                  <a:txBody>
+                    <a:bodyPr/>
+                    <a:lstStyle/>
+                    <a:p>
+                      <a:pPr>
+                        <a:lnSpc>
+                          <a:spcPct val="107000"/>
+                        </a:lnSpc>
+                        <a:spcAft>
+                          <a:spcPts val="0"/>
+                        </a:spcAft>
+                      </a:pPr>
+                      <a:r>
+                        <a:rPr lang="en-IN" sz="800" b="1" dirty="0">
+                          <a:solidFill>
+                            <a:schemeClr val="tx1"/>
+                          </a:solidFill>
+                          <a:effectLst/>
+                        </a:rPr>
+                        <a:t>  </a:t>
+                      </a:r>
+                      <a:r>
+                        <a:rPr lang="en-IN" sz="800" b="1" dirty="0" smtClean="0">
+                          <a:solidFill>
+                            <a:schemeClr val="tx1"/>
+                          </a:solidFill>
+                          <a:effectLst/>
+                        </a:rPr>
+                        <a:t>Supplier&lt;Student&gt;</a:t>
+                      </a:r>
+                      <a:endParaRPr lang="en-IN" sz="800" b="1" dirty="0">
+                        <a:solidFill>
+                          <a:schemeClr val="tx1"/>
+                        </a:solidFill>
+                        <a:effectLst/>
+                        <a:latin typeface="Calibri" panose="020F0502020204030204" pitchFamily="34" charset="0"/>
+                        <a:ea typeface="Calibri" panose="020F0502020204030204" pitchFamily="34" charset="0"/>
+                        <a:cs typeface="Times New Roman" panose="02020603050405020304" pitchFamily="18" charset="0"/>
+                      </a:endParaRPr>
+                    </a:p>
+                  </a:txBody>
+                  <a:tcPr marL="51435" marR="51435" marT="0" marB="0">
+                    <a:solidFill>
+                      <a:schemeClr val="accent2">
+                        <a:lumMod val="60000"/>
+                        <a:lumOff val="40000"/>
+                      </a:schemeClr>
+                    </a:solidFill>
+                  </a:tcPr>
+                </a:tc>
+              </a:tr>
+              <a:tr h="804556">
+                <a:tc>
+                  <a:txBody>
+                    <a:bodyPr/>
+                    <a:lstStyle/>
+                    <a:p>
+                      <a:pPr>
+                        <a:lnSpc>
+                          <a:spcPct val="107000"/>
+                        </a:lnSpc>
+                        <a:spcAft>
+                          <a:spcPts val="0"/>
+                        </a:spcAft>
+                      </a:pPr>
+                      <a:r>
+                        <a:rPr lang="en-IN" sz="800" dirty="0">
+                          <a:effectLst/>
+                        </a:rPr>
+                        <a:t>(Student a1, Student a2) -&gt; a1.getTotalMarks().</a:t>
+                      </a:r>
+                      <a:r>
+                        <a:rPr lang="en-IN" sz="800" dirty="0" err="1">
+                          <a:effectLst/>
+                        </a:rPr>
+                        <a:t>compareTo</a:t>
+                      </a:r>
+                      <a:r>
+                        <a:rPr lang="en-IN" sz="800" dirty="0">
+                          <a:effectLst/>
+                        </a:rPr>
+                        <a:t> (a2. </a:t>
+                      </a:r>
+                      <a:r>
+                        <a:rPr lang="en-IN" sz="800" dirty="0" err="1">
+                          <a:effectLst/>
+                        </a:rPr>
+                        <a:t>getTotalMarks</a:t>
+                      </a:r>
+                      <a:r>
+                        <a:rPr lang="en-IN" sz="800" dirty="0">
+                          <a:effectLst/>
+                        </a:rPr>
+                        <a:t> ())</a:t>
+                      </a:r>
+                      <a:endParaRPr lang="en-IN" sz="800" dirty="0">
+                        <a:effectLst/>
+                        <a:latin typeface="Calibri" panose="020F0502020204030204" pitchFamily="34" charset="0"/>
+                        <a:ea typeface="Calibri" panose="020F0502020204030204" pitchFamily="34" charset="0"/>
+                        <a:cs typeface="Times New Roman" panose="02020603050405020304" pitchFamily="18" charset="0"/>
+                      </a:endParaRPr>
+                    </a:p>
+                  </a:txBody>
+                  <a:tcPr marL="51435" marR="51435" marT="0" marB="0">
+                    <a:solidFill>
+                      <a:schemeClr val="accent2">
+                        <a:lumMod val="75000"/>
+                      </a:schemeClr>
+                    </a:solidFill>
+                  </a:tcPr>
+                </a:tc>
+                <a:tc>
+                  <a:txBody>
+                    <a:bodyPr/>
+                    <a:lstStyle/>
+                    <a:p>
+                      <a:pPr>
+                        <a:lnSpc>
+                          <a:spcPct val="107000"/>
+                        </a:lnSpc>
+                        <a:spcAft>
+                          <a:spcPts val="0"/>
+                        </a:spcAft>
+                      </a:pPr>
+                      <a:r>
+                        <a:rPr lang="en-IN" sz="800" b="1" dirty="0">
+                          <a:solidFill>
+                            <a:schemeClr val="tx1"/>
+                          </a:solidFill>
+                          <a:effectLst/>
+                        </a:rPr>
+                        <a:t> Consumer&lt;Student&gt;</a:t>
+                      </a:r>
+                      <a:endParaRPr lang="en-IN" sz="800" b="1" dirty="0">
+                        <a:solidFill>
+                          <a:schemeClr val="tx1"/>
+                        </a:solidFill>
+                        <a:effectLst/>
+                        <a:latin typeface="Calibri" panose="020F0502020204030204" pitchFamily="34" charset="0"/>
+                        <a:ea typeface="Calibri" panose="020F0502020204030204" pitchFamily="34" charset="0"/>
+                        <a:cs typeface="Times New Roman" panose="02020603050405020304" pitchFamily="18" charset="0"/>
+                      </a:endParaRPr>
+                    </a:p>
+                  </a:txBody>
+                  <a:tcPr marL="51435" marR="51435" marT="0" marB="0">
+                    <a:solidFill>
+                      <a:schemeClr val="accent2">
+                        <a:lumMod val="60000"/>
+                        <a:lumOff val="40000"/>
+                      </a:schemeClr>
+                    </a:solidFill>
+                  </a:tcPr>
+                </a:tc>
+              </a:tr>
+            </a:tbl>
+          </a:graphicData>
+        </a:graphic>
+      </p:graphicFrame>
     </p:spTree>
     <p:extLst>
       <p:ext uri="{BB962C8B-B14F-4D97-AF65-F5344CB8AC3E}">
-        <p14:creationId xmlns:p14="http://schemas.microsoft.com/office/powerpoint/2010/main" val="3770342248"/>
+        <p14:creationId xmlns:p14="http://schemas.microsoft.com/office/powerpoint/2010/main" val="1261250566"/>
       </p:ext>
     </p:extLst>
   </p:cSld>
   <p:clrMapOvr>
     <a:masterClrMapping/>
   </p:clrMapOvr>
-  <mc:AlternateContent xmlns:mc="http://schemas.openxmlformats.org/markup-compatibility/2006" xmlns:p14="http://schemas.microsoft.com/office/powerpoint/2010/main">
-    <mc:Choice Requires="p14">
-      <p:transition spd="med" p14:dur="700">
-        <p:fade/>
-      </p:transition>
-    </mc:Choice>
-    <mc:Fallback xmlns="">
-      <p:transition spd="med">
-        <p:fade/>
-      </p:transition>
-    </mc:Fallback>
-  </mc:AlternateContent>
   <p:timing>
     <p:tnLst>
       <p:par>
@@ -18291,176 +18187,94 @@
         </p:nvSpPr>
         <p:spPr>
           <a:xfrm>
-            <a:off x="457200" y="1410511"/>
-            <a:ext cx="7472363" cy="3278647"/>
+            <a:off x="535021" y="1449422"/>
+            <a:ext cx="7472363" cy="3180945"/>
           </a:xfrm>
         </p:spPr>
         <p:txBody>
           <a:bodyPr>
-            <a:normAutofit lnSpcReduction="10000"/>
+            <a:normAutofit fontScale="92500"/>
           </a:bodyPr>
           <a:lstStyle/>
           <a:p>
+            <a:pPr marL="342900" indent="-342900"/>
+            <a:r>
+              <a:rPr lang="en-IN" dirty="0"/>
+              <a:t> Along with lambda expressions, method references and constructor references were added to the language in Java 8.   A method or constructor reference refers to a method or constructor without invoking it.  They are a syntactic shortcut for creating a lambda expression out of an existing method/constructor</a:t>
+            </a:r>
+            <a:r>
+              <a:rPr lang="en-IN" dirty="0" smtClean="0"/>
+              <a:t>.</a:t>
+            </a:r>
+          </a:p>
+          <a:p>
+            <a:pPr marL="342900" indent="-342900"/>
+            <a:endParaRPr lang="en-IN" dirty="0" smtClean="0"/>
+          </a:p>
+          <a:p>
+            <a:pPr marL="342900" indent="-342900"/>
+            <a:r>
+              <a:rPr lang="en-IN" dirty="0" smtClean="0"/>
+              <a:t>When you need a method reference, the target reference is placed before the delimiter :: and the name of the method is provided after it. No brackets are needed because you’re not actually calling the method. Method reference is shorthand for the lambda expression.</a:t>
+            </a:r>
+          </a:p>
+          <a:p>
+            <a:pPr marL="342900" indent="-342900"/>
+            <a:endParaRPr lang="en-IN" dirty="0" smtClean="0"/>
+          </a:p>
+          <a:p>
             <a:pPr marL="0" indent="0">
               <a:buNone/>
             </a:pPr>
             <a:endParaRPr lang="en-IN" dirty="0"/>
           </a:p>
           <a:p>
+            <a:pPr marL="0" indent="0">
+              <a:buNone/>
+            </a:pPr>
+            <a:endParaRPr lang="en-IN" dirty="0" smtClean="0"/>
+          </a:p>
+          <a:p>
+            <a:pPr marL="0" indent="0">
+              <a:buNone/>
+            </a:pPr>
+            <a:endParaRPr lang="en-IN" dirty="0"/>
+          </a:p>
+          <a:p>
             <a:pPr marL="342900" indent="-342900"/>
-            <a:r>
-              <a:rPr lang="en-IN" dirty="0"/>
-              <a:t>Example </a:t>
-            </a:r>
-            <a:r>
-              <a:rPr lang="en-IN" dirty="0" smtClean="0"/>
-              <a:t>3</a:t>
-            </a:r>
-            <a:endParaRPr lang="en-IN" dirty="0"/>
+            <a:endParaRPr lang="en-IN" dirty="0" smtClean="0"/>
+          </a:p>
+          <a:p>
+            <a:pPr marL="342900" indent="-342900"/>
+            <a:endParaRPr lang="en-IN" dirty="0" smtClean="0"/>
           </a:p>
           <a:p>
             <a:pPr marL="0" indent="0">
               <a:buNone/>
             </a:pPr>
-            <a:r>
-              <a:rPr lang="en-IN" dirty="0" smtClean="0"/>
-              <a:t>  	 </a:t>
-            </a:r>
-            <a:r>
-              <a:rPr lang="en-IN" dirty="0"/>
-              <a:t>static Integer </a:t>
-            </a:r>
-            <a:r>
-              <a:rPr lang="en-IN" dirty="0" err="1"/>
-              <a:t>valueOf</a:t>
-            </a:r>
-            <a:r>
-              <a:rPr lang="en-IN" dirty="0"/>
-              <a:t>(String  s)  </a:t>
-            </a:r>
+            <a:endParaRPr lang="en-IN" dirty="0"/>
           </a:p>
           <a:p>
             <a:pPr marL="0" indent="0">
               <a:buNone/>
             </a:pPr>
-            <a:r>
-              <a:rPr lang="en-IN" dirty="0"/>
-              <a:t>   </a:t>
-            </a:r>
-            <a:r>
-              <a:rPr lang="en-IN" dirty="0" smtClean="0"/>
-              <a:t>	</a:t>
-            </a:r>
-            <a:r>
-              <a:rPr lang="sv-SE" dirty="0" smtClean="0"/>
-              <a:t>Function&lt;String</a:t>
-            </a:r>
-            <a:r>
-              <a:rPr lang="sv-SE" dirty="0"/>
-              <a:t>, Integer&gt; func2 = Integer::valueOf; </a:t>
-            </a:r>
+            <a:endParaRPr lang="en-IN" dirty="0"/>
           </a:p>
           <a:p>
             <a:pPr marL="0" indent="0">
               <a:buNone/>
             </a:pPr>
-            <a:r>
-              <a:rPr lang="en-IN" dirty="0" smtClean="0"/>
-              <a:t> </a:t>
-            </a:r>
+            <a:endParaRPr lang="en-IN" dirty="0"/>
+          </a:p>
+          <a:p>
+            <a:pPr marL="0" indent="0">
+              <a:buNone/>
+            </a:pPr>
+            <a:endParaRPr lang="en-IN" dirty="0"/>
           </a:p>
           <a:p>
             <a:pPr marL="342900" indent="-342900"/>
-            <a:r>
-              <a:rPr lang="en-IN" dirty="0" smtClean="0"/>
-              <a:t>Example 4</a:t>
-            </a:r>
-            <a:endParaRPr lang="en-IN" dirty="0"/>
-          </a:p>
-          <a:p>
-            <a:pPr marL="0" indent="0">
-              <a:buNone/>
-            </a:pPr>
-            <a:r>
-              <a:rPr lang="en-IN" dirty="0" smtClean="0"/>
-              <a:t>   	 </a:t>
-            </a:r>
-            <a:r>
-              <a:rPr lang="en-IN" dirty="0"/>
-              <a:t>static List&lt;Person&gt; </a:t>
-            </a:r>
-            <a:r>
-              <a:rPr lang="en-IN" dirty="0" err="1"/>
-              <a:t>getPersons</a:t>
-            </a:r>
-            <a:r>
-              <a:rPr lang="en-IN" dirty="0"/>
-              <a:t>() </a:t>
-            </a:r>
-            <a:r>
-              <a:rPr lang="en-IN" dirty="0" smtClean="0"/>
-              <a:t>;</a:t>
-            </a:r>
-            <a:endParaRPr lang="en-IN" dirty="0"/>
-          </a:p>
-          <a:p>
-            <a:pPr marL="0" indent="0">
-              <a:buNone/>
-            </a:pPr>
-            <a:r>
-              <a:rPr lang="en-IN" dirty="0"/>
-              <a:t>  </a:t>
-            </a:r>
-            <a:r>
-              <a:rPr lang="en-IN" dirty="0" smtClean="0"/>
-              <a:t>	 </a:t>
-            </a:r>
-            <a:r>
-              <a:rPr lang="fr-FR" dirty="0"/>
-              <a:t>Supplier&lt;List&lt;Person&gt;&gt;supplier = Person::</a:t>
-            </a:r>
-            <a:r>
-              <a:rPr lang="fr-FR" dirty="0" err="1"/>
-              <a:t>getPersons</a:t>
-            </a:r>
-            <a:r>
-              <a:rPr lang="fr-FR" dirty="0"/>
-              <a:t>;   </a:t>
-            </a:r>
-          </a:p>
-          <a:p>
-            <a:pPr marL="0" indent="0">
-              <a:buNone/>
-            </a:pPr>
-            <a:r>
-              <a:rPr lang="fr-FR" dirty="0"/>
-              <a:t>  </a:t>
-            </a:r>
-            <a:r>
-              <a:rPr lang="fr-FR" dirty="0" smtClean="0"/>
-              <a:t>	 </a:t>
-            </a:r>
-            <a:r>
-              <a:rPr lang="fr-FR" dirty="0"/>
-              <a:t>List&lt;Person&gt; </a:t>
-            </a:r>
-            <a:r>
-              <a:rPr lang="fr-FR" dirty="0" err="1"/>
-              <a:t>personList</a:t>
-            </a:r>
-            <a:r>
-              <a:rPr lang="fr-FR" dirty="0"/>
-              <a:t> = </a:t>
-            </a:r>
-            <a:r>
-              <a:rPr lang="fr-FR" dirty="0" err="1"/>
-              <a:t>supplier.get</a:t>
-            </a:r>
-            <a:r>
-              <a:rPr lang="fr-FR" dirty="0" smtClean="0"/>
-              <a:t>();</a:t>
-            </a:r>
-            <a:endParaRPr lang="en-IN" dirty="0" smtClean="0"/>
+            <a:endParaRPr lang="en-IN" dirty="0"/>
           </a:p>
           <a:p>
             <a:endParaRPr lang="en-US" dirty="0"/>
@@ -18522,7 +18336,7 @@
           <a:p>
             <a:fld id="{3FE8D249-C662-48EE-B897-711C67200507}" type="datetime1">
               <a:rPr lang="en-IN" smtClean="0"/>
-              <a:t>24-08-2016</a:t>
+              <a:t>27-09-2016</a:t>
             </a:fld>
             <a:endParaRPr lang="en-IN" dirty="0"/>
           </a:p>
@@ -18567,7 +18381,7 @@
     </p:spTree>
     <p:extLst>
       <p:ext uri="{BB962C8B-B14F-4D97-AF65-F5344CB8AC3E}">
-        <p14:creationId xmlns:p14="http://schemas.microsoft.com/office/powerpoint/2010/main" val="74516893"/>
+        <p14:creationId xmlns:p14="http://schemas.microsoft.com/office/powerpoint/2010/main" val="1267803926"/>
       </p:ext>
     </p:extLst>
   </p:cSld>
@@ -18625,20 +18439,193 @@
         </p:nvSpPr>
         <p:spPr>
           <a:xfrm>
-            <a:off x="457200" y="1459149"/>
-            <a:ext cx="7966953" cy="3103123"/>
+            <a:off x="457200" y="1478604"/>
+            <a:ext cx="7472363" cy="3044758"/>
           </a:xfrm>
         </p:spPr>
         <p:txBody>
           <a:bodyPr>
-            <a:normAutofit fontScale="55000" lnSpcReduction="20000"/>
+            <a:normAutofit fontScale="62500" lnSpcReduction="20000"/>
           </a:bodyPr>
           <a:lstStyle/>
           <a:p>
             <a:pPr marL="342900" indent="-342900"/>
+            <a:endParaRPr lang="en-IN" dirty="0" smtClean="0"/>
+          </a:p>
+          <a:p>
+            <a:pPr marL="342900" indent="-342900"/>
+            <a:r>
+              <a:rPr lang="en-IN" dirty="0" smtClean="0"/>
+              <a:t>  Example 1</a:t>
+            </a:r>
+          </a:p>
+          <a:p>
+            <a:pPr marL="0" indent="0">
+              <a:buNone/>
+            </a:pPr>
+            <a:r>
+              <a:rPr lang="en-IN" dirty="0" smtClean="0"/>
+              <a:t>	Function&lt;</a:t>
+            </a:r>
+            <a:r>
+              <a:rPr lang="en-IN" dirty="0" err="1" smtClean="0"/>
+              <a:t>String,Integer</a:t>
+            </a:r>
+            <a:r>
+              <a:rPr lang="en-IN" dirty="0"/>
+              <a:t>&gt; f =   String::length</a:t>
+            </a:r>
+            <a:r>
+              <a:rPr lang="en-IN" dirty="0" smtClean="0"/>
+              <a:t>; same as</a:t>
+            </a:r>
+          </a:p>
+          <a:p>
+            <a:pPr marL="0" indent="0">
+              <a:buNone/>
+            </a:pPr>
+            <a:endParaRPr lang="en-IN" dirty="0" smtClean="0"/>
+          </a:p>
+          <a:p>
+            <a:pPr marL="0" indent="0">
+              <a:buNone/>
+            </a:pPr>
+            <a:r>
+              <a:rPr lang="en-IN" dirty="0" smtClean="0"/>
+              <a:t>	Function&lt;</a:t>
+            </a:r>
+            <a:r>
+              <a:rPr lang="en-IN" dirty="0" err="1" smtClean="0"/>
+              <a:t>String,Integer</a:t>
+            </a:r>
+            <a:r>
+              <a:rPr lang="en-IN" dirty="0"/>
+              <a:t>&gt; f =  (s) -&gt; </a:t>
+            </a:r>
+            <a:r>
+              <a:rPr lang="en-IN" dirty="0" smtClean="0"/>
+              <a:t>{return </a:t>
+            </a:r>
+            <a:r>
+              <a:rPr lang="en-IN" dirty="0" err="1" smtClean="0"/>
+              <a:t>s.length</a:t>
+            </a:r>
+            <a:r>
+              <a:rPr lang="en-IN" dirty="0" smtClean="0"/>
+              <a:t>(); };</a:t>
+            </a:r>
+            <a:r>
+              <a:rPr lang="en-IN" b="1" dirty="0" smtClean="0"/>
+              <a:t> </a:t>
+            </a:r>
+          </a:p>
+          <a:p>
+            <a:pPr marL="0" indent="0">
+              <a:buNone/>
+            </a:pPr>
+            <a:endParaRPr lang="en-IN" b="1" dirty="0"/>
+          </a:p>
+          <a:p>
+            <a:pPr marL="342900" indent="-342900"/>
+            <a:r>
+              <a:rPr lang="en-IN" b="1" dirty="0" smtClean="0"/>
+              <a:t>   </a:t>
+            </a:r>
+            <a:r>
+              <a:rPr lang="en-IN" dirty="0"/>
+              <a:t>Example </a:t>
+            </a:r>
+            <a:r>
+              <a:rPr lang="en-IN" dirty="0" smtClean="0"/>
+              <a:t>2</a:t>
+            </a:r>
+            <a:endParaRPr lang="en-IN" dirty="0"/>
+          </a:p>
+          <a:p>
+            <a:pPr marL="0" indent="0">
+              <a:buNone/>
+            </a:pPr>
+            <a:endParaRPr lang="en-IN" dirty="0" smtClean="0"/>
+          </a:p>
+          <a:p>
+            <a:pPr marL="0" indent="0">
+              <a:buNone/>
+            </a:pPr>
+            <a:r>
+              <a:rPr lang="en-IN" dirty="0"/>
+              <a:t> 	</a:t>
+            </a:r>
+            <a:r>
+              <a:rPr lang="en-IN" dirty="0" err="1" smtClean="0"/>
+              <a:t>students.sort</a:t>
+            </a:r>
+            <a:r>
+              <a:rPr lang="en-IN" dirty="0"/>
+              <a:t>((Student s1, Student s2) -&gt; s1</a:t>
+            </a:r>
+            <a:r>
+              <a:rPr lang="en-IN" dirty="0" smtClean="0"/>
+              <a:t>.  </a:t>
+            </a:r>
+            <a:endParaRPr lang="en-IN" dirty="0"/>
+          </a:p>
+          <a:p>
+            <a:pPr marL="0" indent="0">
+              <a:buNone/>
+            </a:pPr>
+            <a:r>
+              <a:rPr lang="en-IN" dirty="0" smtClean="0"/>
+              <a:t>	</a:t>
+            </a:r>
+            <a:r>
+              <a:rPr lang="en-IN" dirty="0" err="1" smtClean="0"/>
+              <a:t>getTotalMarks</a:t>
+            </a:r>
+            <a:r>
+              <a:rPr lang="en-IN" dirty="0"/>
+              <a:t>().</a:t>
+            </a:r>
             <a:r>
               <a:rPr lang="en-IN" dirty="0" err="1"/>
-              <a:t>objectRef</a:t>
+              <a:t>compareTo</a:t>
+            </a:r>
+            <a:r>
+              <a:rPr lang="en-IN" dirty="0"/>
+              <a:t>(s2. </a:t>
+            </a:r>
+            <a:r>
+              <a:rPr lang="en-IN" dirty="0" err="1"/>
+              <a:t>getTotalMarks</a:t>
+            </a:r>
+            <a:r>
+              <a:rPr lang="en-IN" dirty="0"/>
+              <a:t>())); same as</a:t>
+            </a:r>
+          </a:p>
+          <a:p>
+            <a:pPr marL="0" indent="0">
+              <a:buNone/>
+            </a:pPr>
+            <a:r>
+              <a:rPr lang="en-IN" dirty="0" smtClean="0"/>
+              <a:t>	</a:t>
+            </a:r>
+          </a:p>
+          <a:p>
+            <a:pPr marL="0" indent="0">
+              <a:buNone/>
+            </a:pPr>
+            <a:r>
+              <a:rPr lang="en-IN" dirty="0"/>
+              <a:t>	</a:t>
+            </a:r>
+            <a:r>
+              <a:rPr lang="en-IN" dirty="0" err="1" smtClean="0"/>
+              <a:t>students.sort</a:t>
+            </a:r>
+            <a:r>
+              <a:rPr lang="en-IN" dirty="0" smtClean="0"/>
+              <a:t>(comparing(Student</a:t>
             </a:r>
             <a:r>
               <a:rPr lang="en-IN" dirty="0"/>
@@ -18646,144 +18633,12 @@
             </a:r>
             <a:r>
               <a:rPr lang="en-IN" dirty="0" err="1"/>
-              <a:t>instanceMethod</a:t>
+              <a:t>getTotalMarks</a:t>
             </a:r>
             <a:r>
               <a:rPr lang="en-IN" dirty="0"/>
-              <a:t> A method reference to an instance method of the specified object – </a:t>
-            </a:r>
-            <a:r>
-              <a:rPr lang="en-IN" dirty="0" smtClean="0"/>
-              <a:t>bounded receiver. </a:t>
-            </a:r>
-            <a:r>
-              <a:rPr lang="en-IN" dirty="0"/>
-              <a:t>An instance method is invoked on an object's reference. The object reference on which an instance method is invoked is known as the receiver of the method invocation. The receiver of a method invocation can be an object reference or an expression that evaluates to an object's reference</a:t>
-            </a:r>
-          </a:p>
-          <a:p>
-            <a:pPr marL="0" indent="0">
-              <a:buNone/>
-            </a:pPr>
-            <a:endParaRPr lang="en-IN" dirty="0"/>
-          </a:p>
-          <a:p>
-            <a:pPr marL="342900" indent="-342900"/>
-            <a:r>
-              <a:rPr lang="en-IN" dirty="0" smtClean="0"/>
-              <a:t>Example 1</a:t>
-            </a:r>
-          </a:p>
-          <a:p>
-            <a:pPr marL="0" indent="0">
-              <a:buNone/>
-            </a:pPr>
-            <a:r>
-              <a:rPr lang="en-IN" dirty="0" smtClean="0"/>
-              <a:t>    	 Supplier&lt;Integer</a:t>
-            </a:r>
-            <a:r>
-              <a:rPr lang="en-IN" dirty="0"/>
-              <a:t>&gt; supplier = () -&gt; "</a:t>
-            </a:r>
-            <a:r>
-              <a:rPr lang="en-IN" dirty="0" err="1"/>
-              <a:t>Ellen".length</a:t>
-            </a:r>
-            <a:r>
-              <a:rPr lang="en-IN" dirty="0"/>
-              <a:t>(); </a:t>
-            </a:r>
-            <a:r>
-              <a:rPr lang="en-IN" dirty="0" smtClean="0"/>
-              <a:t>  can be represent bellow.</a:t>
-            </a:r>
-            <a:endParaRPr lang="en-IN" dirty="0"/>
-          </a:p>
-          <a:p>
-            <a:pPr marL="0" indent="0">
-              <a:buNone/>
-            </a:pPr>
-            <a:r>
-              <a:rPr lang="sv-SE" dirty="0" smtClean="0"/>
-              <a:t>   	 </a:t>
-            </a:r>
-            <a:r>
-              <a:rPr lang="en-IN" dirty="0"/>
-              <a:t>Supplier&lt;Integer&gt; supplier = "Ellen"::length; </a:t>
-            </a:r>
-            <a:r>
-              <a:rPr lang="en-IN" dirty="0" smtClean="0"/>
-              <a:t>    //  </a:t>
-            </a:r>
-            <a:r>
-              <a:rPr lang="en-IN" dirty="0"/>
-              <a:t>Ellen is bounded receiver.</a:t>
-            </a:r>
-          </a:p>
-          <a:p>
-            <a:pPr marL="0" indent="0">
-              <a:buNone/>
-            </a:pPr>
-            <a:endParaRPr lang="sv-SE" dirty="0" smtClean="0"/>
-          </a:p>
-          <a:p>
-            <a:pPr marL="342900" indent="-342900"/>
-            <a:r>
-              <a:rPr lang="en-IN" dirty="0"/>
-              <a:t>Example </a:t>
-            </a:r>
-            <a:r>
-              <a:rPr lang="en-IN" dirty="0" smtClean="0"/>
-              <a:t>2</a:t>
-            </a:r>
-            <a:endParaRPr lang="en-IN" dirty="0"/>
-          </a:p>
-          <a:p>
-            <a:pPr marL="0" indent="0">
-              <a:buNone/>
-            </a:pPr>
-            <a:r>
-              <a:rPr lang="en-IN" dirty="0" smtClean="0"/>
-              <a:t> 	   </a:t>
-            </a:r>
-            <a:r>
-              <a:rPr lang="en-IN" dirty="0"/>
-              <a:t>Consumer&lt;String&gt; consumer = </a:t>
-            </a:r>
-            <a:r>
-              <a:rPr lang="en-IN" dirty="0" err="1"/>
-              <a:t>str</a:t>
-            </a:r>
-            <a:r>
-              <a:rPr lang="en-IN" dirty="0"/>
-              <a:t> -&gt; </a:t>
-            </a:r>
-            <a:r>
-              <a:rPr lang="en-IN" dirty="0" err="1" smtClean="0"/>
-              <a:t>System.out</a:t>
-            </a:r>
-            <a:r>
-              <a:rPr lang="en-IN" dirty="0" smtClean="0"/>
-              <a:t>::</a:t>
-            </a:r>
-            <a:r>
-              <a:rPr lang="en-IN" dirty="0" err="1" smtClean="0"/>
-              <a:t>println</a:t>
-            </a:r>
-            <a:r>
-              <a:rPr lang="en-IN" dirty="0" smtClean="0"/>
-              <a:t>(</a:t>
-            </a:r>
-            <a:r>
-              <a:rPr lang="en-IN" dirty="0" err="1" smtClean="0"/>
-              <a:t>str</a:t>
-            </a:r>
-            <a:r>
-              <a:rPr lang="en-IN" dirty="0"/>
-              <a:t>); </a:t>
-            </a:r>
-            <a:endParaRPr lang="en-IN" dirty="0" smtClean="0"/>
+              <a:t>))</a:t>
+            </a:r>
           </a:p>
           <a:p>
             <a:pPr marL="0" indent="0">
@@ -18792,55 +18647,46 @@
             <a:endParaRPr lang="en-IN" dirty="0" smtClean="0"/>
           </a:p>
           <a:p>
+            <a:pPr marL="0" indent="0">
+              <a:buNone/>
+            </a:pPr>
+            <a:endParaRPr lang="en-IN" dirty="0"/>
+          </a:p>
+          <a:p>
             <a:pPr marL="342900" indent="-342900"/>
-            <a:r>
-              <a:rPr lang="en-IN" sz="2175" dirty="0"/>
-              <a:t>When the method reference </a:t>
-            </a:r>
-            <a:r>
-              <a:rPr lang="en-IN" sz="2175" dirty="0" err="1"/>
-              <a:t>System.out</a:t>
-            </a:r>
-            <a:r>
-              <a:rPr lang="en-IN" sz="2175" dirty="0"/>
-              <a:t>::</a:t>
-            </a:r>
-            <a:r>
-              <a:rPr lang="en-IN" sz="2175" dirty="0" err="1"/>
-              <a:t>println</a:t>
-            </a:r>
-            <a:r>
-              <a:rPr lang="en-IN" sz="2175" dirty="0"/>
-              <a:t> is used, the compiler looks at its target type, which is Consumer&lt;String&gt; that represents a function type that takes a 	String as an argument and returns void. The compiler finds a </a:t>
-            </a:r>
-            <a:r>
-              <a:rPr lang="en-IN" sz="2175" dirty="0" err="1"/>
-              <a:t>println</a:t>
-            </a:r>
-            <a:r>
-              <a:rPr lang="en-IN" sz="2175" dirty="0"/>
-              <a:t>(String) method in the </a:t>
-            </a:r>
-            <a:r>
-              <a:rPr lang="en-IN" sz="2175" dirty="0" err="1"/>
-              <a:t>PrintStream</a:t>
-            </a:r>
-            <a:r>
-              <a:rPr lang="en-IN" sz="2175" dirty="0"/>
-              <a:t> class of the </a:t>
-            </a:r>
-            <a:r>
-              <a:rPr lang="en-IN" sz="2175" dirty="0" err="1"/>
-              <a:t>System.out</a:t>
-            </a:r>
-            <a:r>
-              <a:rPr lang="en-IN" sz="2175" dirty="0"/>
-              <a:t> object and uses that method for the method reference. </a:t>
-            </a:r>
-            <a:r>
-              <a:rPr lang="en-IN" dirty="0" smtClean="0"/>
-              <a:t> </a:t>
-            </a:r>
+            <a:endParaRPr lang="en-IN" dirty="0" smtClean="0"/>
+          </a:p>
+          <a:p>
+            <a:pPr marL="342900" indent="-342900"/>
+            <a:endParaRPr lang="en-IN" dirty="0" smtClean="0"/>
+          </a:p>
+          <a:p>
+            <a:pPr marL="0" indent="0">
+              <a:buNone/>
+            </a:pPr>
+            <a:endParaRPr lang="en-IN" dirty="0"/>
+          </a:p>
+          <a:p>
+            <a:pPr marL="0" indent="0">
+              <a:buNone/>
+            </a:pPr>
+            <a:endParaRPr lang="en-IN" dirty="0"/>
+          </a:p>
+          <a:p>
+            <a:pPr marL="0" indent="0">
+              <a:buNone/>
+            </a:pPr>
+            <a:endParaRPr lang="en-IN" dirty="0"/>
+          </a:p>
+          <a:p>
+            <a:pPr marL="0" indent="0">
+              <a:buNone/>
+            </a:pPr>
+            <a:endParaRPr lang="en-IN" dirty="0"/>
+          </a:p>
+          <a:p>
+            <a:pPr marL="342900" indent="-342900"/>
+            <a:endParaRPr lang="en-IN" dirty="0"/>
           </a:p>
           <a:p>
             <a:endParaRPr lang="en-US" dirty="0"/>
@@ -18902,7 +18748,7 @@
           <a:p>
             <a:fld id="{3FE8D249-C662-48EE-B897-711C67200507}" type="datetime1">
               <a:rPr lang="en-IN" smtClean="0"/>
-              <a:t>24-08-2016</a:t>
+              <a:t>27-09-2016</a:t>
             </a:fld>
             <a:endParaRPr lang="en-IN" dirty="0"/>
           </a:p>
@@ -18947,7 +18793,7 @@
     </p:spTree>
     <p:extLst>
       <p:ext uri="{BB962C8B-B14F-4D97-AF65-F5344CB8AC3E}">
-        <p14:creationId xmlns:p14="http://schemas.microsoft.com/office/powerpoint/2010/main" val="4045560659"/>
+        <p14:creationId xmlns:p14="http://schemas.microsoft.com/office/powerpoint/2010/main" val="2311474914"/>
       </p:ext>
     </p:extLst>
   </p:cSld>
@@ -19005,46 +18851,45 @@
         </p:nvSpPr>
         <p:spPr>
           <a:xfrm>
-            <a:off x="457200" y="1439694"/>
-            <a:ext cx="7472363" cy="3249464"/>
+            <a:off x="457200" y="1498060"/>
+            <a:ext cx="7472363" cy="3025302"/>
           </a:xfrm>
         </p:spPr>
         <p:txBody>
           <a:bodyPr>
-            <a:normAutofit fontScale="85000" lnSpcReduction="20000"/>
+            <a:normAutofit fontScale="92500" lnSpcReduction="20000"/>
           </a:bodyPr>
           <a:lstStyle/>
           <a:p>
             <a:pPr marL="342900" indent="-342900"/>
             <a:r>
+              <a:rPr lang="en-IN" dirty="0" err="1" smtClean="0"/>
+              <a:t>TypeName</a:t>
+            </a:r>
+            <a:r>
+              <a:rPr lang="en-IN" dirty="0"/>
+              <a:t>::</a:t>
+            </a:r>
+            <a:r>
+              <a:rPr lang="en-IN" dirty="0" err="1"/>
+              <a:t>staticMethod</a:t>
+            </a:r>
+            <a:r>
+              <a:rPr lang="en-IN" dirty="0"/>
+              <a:t> A method reference to a static method of a class, an interface, or an </a:t>
+            </a:r>
+            <a:r>
+              <a:rPr lang="en-IN" dirty="0" err="1" smtClean="0"/>
+              <a:t>enum</a:t>
+            </a:r>
+            <a:r>
               <a:rPr lang="en-IN" dirty="0" smtClean="0"/>
-              <a:t>Specifying the receiver of the method invocation implicitly called unbounded receiver.  For an unbound receiver, use the </a:t>
-            </a:r>
-            <a:r>
-              <a:rPr lang="en-IN" dirty="0" err="1" smtClean="0"/>
-              <a:t>ClassName</a:t>
-            </a:r>
-            <a:r>
-              <a:rPr lang="en-IN" dirty="0" smtClean="0"/>
-              <a:t>::</a:t>
-            </a:r>
-            <a:r>
-              <a:rPr lang="en-IN" dirty="0" err="1" smtClean="0"/>
-              <a:t>instanceMethod</a:t>
-            </a:r>
-            <a:r>
-              <a:rPr lang="en-IN" dirty="0" smtClean="0"/>
-              <a:t> syntax. </a:t>
-            </a:r>
-          </a:p>
-          <a:p>
-            <a:pPr marL="0" indent="0">
-              <a:buNone/>
-            </a:pPr>
-            <a:r>
-              <a:rPr lang="en-IN" dirty="0" smtClean="0"/>
-              <a:t>	 </a:t>
-            </a:r>
+              <a:t>.</a:t>
+            </a:r>
+          </a:p>
+          <a:p>
+            <a:pPr marL="342900" indent="-342900"/>
+            <a:endParaRPr lang="en-IN" dirty="0"/>
           </a:p>
           <a:p>
             <a:pPr marL="342900" indent="-342900"/>
@@ -19059,24 +18904,97 @@
             </a:pPr>
             <a:r>
               <a:rPr lang="en-IN" dirty="0" smtClean="0"/>
-              <a:t>   	 Function&lt;Person, String&gt; </a:t>
-            </a:r>
-            <a:r>
-              <a:rPr lang="en-IN" dirty="0" err="1" smtClean="0"/>
-              <a:t>fNameFunc</a:t>
+              <a:t>    	</a:t>
+            </a:r>
+            <a:r>
+              <a:rPr lang="sv-SE" dirty="0" smtClean="0"/>
+              <a:t> Function&lt;Integer</a:t>
+            </a:r>
+            <a:r>
+              <a:rPr lang="sv-SE" dirty="0"/>
+              <a:t>, String&gt; func1 = x -&gt; Integer.toBinaryString(x);</a:t>
+            </a:r>
+          </a:p>
+          <a:p>
+            <a:pPr marL="0" indent="0">
+              <a:buNone/>
+            </a:pPr>
+            <a:r>
+              <a:rPr lang="sv-SE" dirty="0"/>
+              <a:t>   </a:t>
+            </a:r>
+            <a:r>
+              <a:rPr lang="sv-SE" dirty="0" smtClean="0"/>
+              <a:t>	 </a:t>
+            </a:r>
+            <a:r>
+              <a:rPr lang="sv-SE" dirty="0"/>
+              <a:t>BiFunction&lt;Integer, Integer, Integer&gt; func2 = Integer::sum</a:t>
+            </a:r>
+            <a:r>
+              <a:rPr lang="sv-SE" dirty="0" smtClean="0"/>
+              <a:t>;</a:t>
+            </a:r>
+          </a:p>
+          <a:p>
+            <a:pPr marL="0" indent="0">
+              <a:buNone/>
+            </a:pPr>
+            <a:endParaRPr lang="sv-SE" dirty="0" smtClean="0"/>
+          </a:p>
+          <a:p>
+            <a:pPr marL="342900" indent="-342900"/>
+            <a:r>
+              <a:rPr lang="en-IN" dirty="0"/>
+              <a:t>Example </a:t>
             </a:r>
             <a:r>
               <a:rPr lang="en-IN" dirty="0" smtClean="0"/>
-              <a:t> = Person::</a:t>
-            </a:r>
-            <a:r>
-              <a:rPr lang="en-IN" dirty="0" err="1" smtClean="0"/>
-              <a:t>getFirstName</a:t>
-            </a:r>
+              <a:t>2</a:t>
+            </a:r>
+            <a:endParaRPr lang="en-IN" dirty="0"/>
+          </a:p>
+          <a:p>
+            <a:pPr marL="0" indent="0">
+              <a:buNone/>
+            </a:pPr>
             <a:r>
               <a:rPr lang="en-IN" dirty="0" smtClean="0"/>
-              <a:t>;</a:t>
-            </a:r>
+              <a:t> 	   </a:t>
+            </a:r>
+            <a:r>
+              <a:rPr lang="en-IN" dirty="0"/>
+              <a:t>static Integer </a:t>
+            </a:r>
+            <a:r>
+              <a:rPr lang="en-IN" dirty="0" err="1"/>
+              <a:t>valueOf</a:t>
+            </a:r>
+            <a:r>
+              <a:rPr lang="en-IN" dirty="0"/>
+              <a:t>(</a:t>
+            </a:r>
+            <a:r>
+              <a:rPr lang="en-IN" dirty="0" err="1"/>
+              <a:t>int</a:t>
+            </a:r>
+            <a:r>
+              <a:rPr lang="en-IN" dirty="0"/>
+              <a:t> </a:t>
+            </a:r>
+            <a:r>
+              <a:rPr lang="en-IN" dirty="0" err="1"/>
+              <a:t>i</a:t>
+            </a:r>
+            <a:r>
+              <a:rPr lang="en-IN" dirty="0"/>
+              <a:t>) </a:t>
+            </a:r>
+            <a:r>
+              <a:rPr lang="en-IN" dirty="0" smtClean="0"/>
+              <a:t>;   </a:t>
+            </a:r>
+            <a:endParaRPr lang="en-IN" dirty="0"/>
           </a:p>
           <a:p>
             <a:pPr marL="0" indent="0">
@@ -19084,75 +19002,8 @@
             </a:pPr>
             <a:r>
               <a:rPr lang="en-IN" dirty="0" smtClean="0"/>
-              <a:t>	 Function&lt;String, Integer&gt; </a:t>
-            </a:r>
-            <a:r>
-              <a:rPr lang="en-IN" dirty="0" err="1" smtClean="0"/>
-              <a:t>strLengthFunc</a:t>
-            </a:r>
-            <a:r>
-              <a:rPr lang="en-IN" dirty="0" smtClean="0"/>
-              <a:t> = String::length; </a:t>
-            </a:r>
-          </a:p>
-          <a:p>
-            <a:pPr marL="0" indent="0">
-              <a:buNone/>
-            </a:pPr>
-            <a:endParaRPr lang="en-IN" dirty="0" smtClean="0"/>
-          </a:p>
-          <a:p>
-            <a:pPr marL="342900" indent="-342900"/>
-            <a:r>
-              <a:rPr lang="en-IN" dirty="0" smtClean="0"/>
-              <a:t>The receiver object in the example of String::length is a String object that is used when the length method is invoked via the method reference.  Obviously, the method reference String::length does not </a:t>
-            </a:r>
-            <a:r>
-              <a:rPr lang="en-IN" dirty="0" err="1" smtClean="0"/>
-              <a:t>specifiy</a:t>
-            </a:r>
-            <a:r>
-              <a:rPr lang="en-IN" dirty="0" smtClean="0"/>
-              <a:t> any particular string object as the receiver.  This is why we talk of an unbound receiver.</a:t>
-            </a:r>
-          </a:p>
-          <a:p>
-            <a:pPr marL="0" indent="0">
-              <a:buNone/>
-            </a:pPr>
-            <a:endParaRPr lang="en-IN" dirty="0"/>
-          </a:p>
-          <a:p>
-            <a:pPr marL="0" indent="0">
-              <a:buNone/>
-            </a:pPr>
-            <a:endParaRPr lang="en-IN" dirty="0" smtClean="0"/>
-          </a:p>
-          <a:p>
-            <a:pPr marL="0" indent="0">
-              <a:buNone/>
-            </a:pPr>
-            <a:endParaRPr lang="en-IN" dirty="0" smtClean="0"/>
-          </a:p>
-          <a:p>
-            <a:pPr marL="0" indent="0">
-              <a:buNone/>
-            </a:pPr>
-            <a:endParaRPr lang="en-IN" dirty="0" smtClean="0"/>
-          </a:p>
-          <a:p>
-            <a:pPr marL="342900" indent="-342900"/>
-            <a:endParaRPr lang="en-IN" dirty="0" smtClean="0"/>
-          </a:p>
-          <a:p>
-            <a:pPr marL="0" indent="0">
-              <a:buNone/>
-            </a:pPr>
-            <a:endParaRPr lang="en-IN" dirty="0" smtClean="0"/>
-          </a:p>
-          <a:p>
-            <a:pPr marL="342900" indent="-342900"/>
-            <a:endParaRPr lang="en-IN" dirty="0" smtClean="0"/>
+              <a:t> </a:t>
+            </a:r>
           </a:p>
           <a:p>
             <a:endParaRPr lang="en-US" dirty="0"/>
@@ -19183,11 +19034,11 @@
           <a:p>
             <a:r>
               <a:rPr lang="en-US" dirty="0" smtClean="0"/>
-              <a:t>Lesson 6 : </a:t>
+              <a:t>Lesson 6 </a:t>
             </a:r>
             <a:r>
               <a:rPr lang="en-US" dirty="0"/>
-              <a:t>Method and constructor reference</a:t>
+              <a:t>: Method and constructor reference</a:t>
             </a:r>
           </a:p>
         </p:txBody>
@@ -19214,7 +19065,7 @@
           <a:p>
             <a:fld id="{3FE8D249-C662-48EE-B897-711C67200507}" type="datetime1">
               <a:rPr lang="en-IN" smtClean="0"/>
-              <a:t>24-08-2016</a:t>
+              <a:t>27-09-2016</a:t>
             </a:fld>
             <a:endParaRPr lang="en-IN" dirty="0"/>
           </a:p>
@@ -19259,7 +19110,7 @@
     </p:spTree>
     <p:extLst>
       <p:ext uri="{BB962C8B-B14F-4D97-AF65-F5344CB8AC3E}">
-        <p14:creationId xmlns:p14="http://schemas.microsoft.com/office/powerpoint/2010/main" val="1349962704"/>
+        <p14:creationId xmlns:p14="http://schemas.microsoft.com/office/powerpoint/2010/main" val="3770342248"/>
       </p:ext>
     </p:extLst>
   </p:cSld>
@@ -19317,21 +19168,32 @@
         </p:nvSpPr>
         <p:spPr>
           <a:xfrm>
-            <a:off x="457200" y="1478604"/>
-            <a:ext cx="8054502" cy="2840477"/>
+            <a:off x="457200" y="1410511"/>
+            <a:ext cx="7472363" cy="3278647"/>
           </a:xfrm>
         </p:spPr>
         <p:txBody>
           <a:bodyPr>
-            <a:normAutofit fontScale="62500" lnSpcReduction="20000"/>
+            <a:normAutofit lnSpcReduction="10000"/>
           </a:bodyPr>
           <a:lstStyle/>
           <a:p>
+            <a:pPr marL="0" indent="0">
+              <a:buNone/>
+            </a:pPr>
+            <a:endParaRPr lang="en-IN" dirty="0"/>
+          </a:p>
+          <a:p>
             <a:pPr marL="342900" indent="-342900"/>
             <a:r>
+              <a:rPr lang="en-IN" dirty="0"/>
+              <a:t>Example </a:t>
+            </a:r>
+            <a:r>
               <a:rPr lang="en-IN" dirty="0" smtClean="0"/>
-              <a:t>Constructor reference</a:t>
-            </a:r>
+              <a:t>3</a:t>
+            </a:r>
+            <a:endParaRPr lang="en-IN" dirty="0"/>
           </a:p>
           <a:p>
             <a:pPr marL="0" indent="0">
@@ -19339,206 +19201,142 @@
             </a:pPr>
             <a:r>
               <a:rPr lang="en-IN" dirty="0" smtClean="0"/>
-              <a:t>	String::new same as () -&gt; new String() </a:t>
+              <a:t>  	 </a:t>
+            </a:r>
+            <a:r>
+              <a:rPr lang="en-IN" dirty="0"/>
+              <a:t>static Integer </a:t>
+            </a:r>
+            <a:r>
+              <a:rPr lang="en-IN" dirty="0" err="1"/>
+              <a:t>valueOf</a:t>
+            </a:r>
+            <a:r>
+              <a:rPr lang="en-IN" dirty="0"/>
+              <a:t>(String  s)  </a:t>
             </a:r>
           </a:p>
           <a:p>
             <a:pPr marL="0" indent="0">
               <a:buNone/>
             </a:pPr>
+            <a:r>
+              <a:rPr lang="en-IN" dirty="0"/>
+              <a:t>   </a:t>
+            </a:r>
             <a:r>
               <a:rPr lang="en-IN" dirty="0" smtClean="0"/>
               <a:t>	</a:t>
             </a:r>
             <a:r>
-              <a:rPr lang="en-IN" dirty="0" err="1" smtClean="0"/>
-              <a:t>ArrayList</a:t>
-            </a:r>
-            <a:r>
-              <a:rPr lang="en-IN" dirty="0" smtClean="0"/>
-              <a:t>&lt;String&gt;::new </a:t>
+              <a:rPr lang="sv-SE" dirty="0" smtClean="0"/>
+              <a:t>Function&lt;String</a:t>
+            </a:r>
+            <a:r>
+              <a:rPr lang="sv-SE" dirty="0"/>
+              <a:t>, Integer&gt; func2 = Integer::valueOf; </a:t>
             </a:r>
           </a:p>
           <a:p>
             <a:pPr marL="0" indent="0">
               <a:buNone/>
             </a:pPr>
-            <a:r>
-              <a:rPr lang="en-IN" dirty="0" smtClean="0"/>
-              <a:t>	String[]::new </a:t>
-            </a:r>
-          </a:p>
-          <a:p>
-            <a:pPr marL="0" indent="0">
-              <a:buNone/>
-            </a:pPr>
-            <a:r>
-              <a:rPr lang="en-IN" dirty="0" smtClean="0"/>
-              <a:t>	</a:t>
-            </a:r>
-            <a:r>
-              <a:rPr lang="en-IN" dirty="0" err="1" smtClean="0"/>
-              <a:t>int</a:t>
-            </a:r>
-            <a:r>
-              <a:rPr lang="en-IN" dirty="0" smtClean="0"/>
-              <a:t>[]::new </a:t>
-            </a:r>
-          </a:p>
-          <a:p>
-            <a:pPr marL="0" indent="0">
-              <a:buNone/>
-            </a:pPr>
-            <a:r>
-              <a:rPr lang="en-IN" dirty="0" smtClean="0"/>
-              <a:t>	 Tuple&lt;String&gt;::&lt;String&gt;new // generic </a:t>
-            </a:r>
-          </a:p>
-          <a:p>
-            <a:pPr marL="0" indent="0">
-              <a:buNone/>
-            </a:pPr>
-            <a:endParaRPr lang="en-IN" dirty="0" smtClean="0"/>
-          </a:p>
-          <a:p>
-            <a:pPr marL="342900" indent="-342900"/>
-            <a:r>
-              <a:rPr lang="en-IN" dirty="0" smtClean="0"/>
-              <a:t>The compiler picks the right constructor depending on the context in which the constructor 	reference appears.</a:t>
-            </a:r>
-          </a:p>
-          <a:p>
-            <a:pPr marL="82296" indent="0">
-              <a:buNone/>
-            </a:pPr>
-            <a:r>
-              <a:rPr lang="en-IN" dirty="0" smtClean="0"/>
-              <a:t>	</a:t>
-            </a:r>
-            <a:r>
-              <a:rPr lang="en-IN" dirty="0" err="1" smtClean="0"/>
-              <a:t>MyString</a:t>
-            </a:r>
             <a:r>
               <a:rPr lang="en-IN" dirty="0" smtClean="0"/>
               <a:t> </a:t>
             </a:r>
+          </a:p>
+          <a:p>
+            <a:pPr marL="342900" indent="-342900"/>
+            <a:r>
+              <a:rPr lang="en-IN" dirty="0" smtClean="0"/>
+              <a:t>Example 4</a:t>
+            </a:r>
+            <a:endParaRPr lang="en-IN" dirty="0"/>
+          </a:p>
+          <a:p>
+            <a:pPr marL="0" indent="0">
+              <a:buNone/>
+            </a:pPr>
+            <a:r>
+              <a:rPr lang="en-IN" dirty="0" smtClean="0"/>
+              <a:t>   	 </a:t>
+            </a:r>
+            <a:r>
+              <a:rPr lang="en-IN" dirty="0"/>
+              <a:t>static List&lt;Person&gt; </a:t>
+            </a:r>
             <a:r>
               <a:rPr lang="en-IN" dirty="0" err="1"/>
-              <a:t>mystr</a:t>
+              <a:t>getPersons</a:t>
             </a:r>
             <a:r>
               <a:rPr lang="en-IN" dirty="0"/>
-              <a:t> = String</a:t>
+              <a:t>() </a:t>
             </a:r>
             <a:r>
               <a:rPr lang="en-IN" dirty="0" smtClean="0"/>
-              <a:t>::</a:t>
-            </a:r>
-            <a:r>
-              <a:rPr lang="en-IN" b="1" dirty="0" smtClean="0"/>
-              <a:t>new</a:t>
+              <a:t>;</a:t>
+            </a:r>
+            <a:endParaRPr lang="en-IN" dirty="0"/>
+          </a:p>
+          <a:p>
+            <a:pPr marL="0" indent="0">
+              <a:buNone/>
+            </a:pPr>
+            <a:r>
+              <a:rPr lang="en-IN" dirty="0"/>
+              <a:t>  </a:t>
             </a:r>
             <a:r>
               <a:rPr lang="en-IN" dirty="0" smtClean="0"/>
-              <a:t>;    // line 1  pick constructor String(char []) based on line 3 </a:t>
-            </a:r>
-            <a:endParaRPr lang="en-IN" dirty="0"/>
-          </a:p>
-          <a:p>
-            <a:pPr marL="82296" indent="0">
+              <a:t>	 </a:t>
+            </a:r>
+            <a:r>
+              <a:rPr lang="fr-FR" dirty="0"/>
+              <a:t>Supplier&lt;List&lt;Person&gt;&gt;supplier = Person::</a:t>
+            </a:r>
+            <a:r>
+              <a:rPr lang="fr-FR" dirty="0" err="1"/>
+              <a:t>getPersons</a:t>
+            </a:r>
+            <a:r>
+              <a:rPr lang="fr-FR" dirty="0"/>
+              <a:t>;   </a:t>
+            </a:r>
+          </a:p>
+          <a:p>
+            <a:pPr marL="0" indent="0">
               <a:buNone/>
             </a:pPr>
             <a:r>
-              <a:rPr lang="en-IN" dirty="0" smtClean="0"/>
-              <a:t>	char</a:t>
-            </a:r>
-            <a:r>
-              <a:rPr lang="en-IN" dirty="0"/>
-              <a:t>[] </a:t>
-            </a:r>
-            <a:r>
-              <a:rPr lang="en-IN" dirty="0" err="1"/>
-              <a:t>charArray</a:t>
-            </a:r>
-            <a:r>
-              <a:rPr lang="en-IN" dirty="0"/>
-              <a:t> = {'</a:t>
-            </a:r>
-            <a:r>
-              <a:rPr lang="en-IN" dirty="0" err="1"/>
-              <a:t>e','v','o','n','t','e','c','h','n','o','l','o','g','y</a:t>
-            </a:r>
-            <a:r>
-              <a:rPr lang="en-IN" dirty="0" smtClean="0"/>
-              <a:t>'}; // line 2</a:t>
-            </a:r>
-            <a:endParaRPr lang="en-IN" dirty="0"/>
-          </a:p>
-          <a:p>
-            <a:pPr marL="82296" indent="0">
-              <a:buNone/>
-            </a:pPr>
-            <a:r>
-              <a:rPr lang="en-IN" dirty="0" smtClean="0"/>
-              <a:t>	</a:t>
-            </a:r>
-            <a:r>
-              <a:rPr lang="en-IN" dirty="0" err="1" smtClean="0"/>
-              <a:t>System.out.println</a:t>
-            </a:r>
-            <a:r>
-              <a:rPr lang="en-IN" dirty="0" smtClean="0"/>
-              <a:t>(</a:t>
-            </a:r>
-            <a:r>
-              <a:rPr lang="en-IN" dirty="0" err="1" smtClean="0"/>
-              <a:t>mystr.strFunc</a:t>
-            </a:r>
-            <a:r>
-              <a:rPr lang="en-IN" dirty="0" smtClean="0"/>
-              <a:t>(</a:t>
-            </a:r>
-            <a:r>
-              <a:rPr lang="en-IN" dirty="0" err="1" smtClean="0"/>
-              <a:t>charArray</a:t>
-            </a:r>
-            <a:r>
-              <a:rPr lang="en-IN" dirty="0" smtClean="0"/>
-              <a:t>));    // line 3</a:t>
-            </a:r>
-            <a:endParaRPr lang="en-IN" dirty="0"/>
-          </a:p>
-          <a:p>
-            <a:pPr marL="0" indent="0">
-              <a:buNone/>
-            </a:pPr>
-            <a:endParaRPr lang="en-IN" dirty="0" smtClean="0"/>
-          </a:p>
-          <a:p>
-            <a:pPr marL="0" indent="0">
-              <a:buNone/>
-            </a:pPr>
-            <a:endParaRPr lang="en-IN" dirty="0" smtClean="0"/>
-          </a:p>
-          <a:p>
-            <a:pPr marL="0" indent="0">
-              <a:buNone/>
-            </a:pPr>
-            <a:endParaRPr lang="en-IN" dirty="0" smtClean="0"/>
-          </a:p>
-          <a:p>
-            <a:pPr marL="342900" indent="-342900"/>
-            <a:endParaRPr lang="en-IN" dirty="0" smtClean="0"/>
-          </a:p>
-          <a:p>
-            <a:pPr marL="0" indent="0">
-              <a:buNone/>
-            </a:pPr>
-            <a:endParaRPr lang="en-IN" dirty="0" smtClean="0"/>
-          </a:p>
-          <a:p>
-            <a:pPr marL="342900" indent="-342900"/>
+              <a:rPr lang="fr-FR" dirty="0"/>
+              <a:t>  </a:t>
+            </a:r>
+            <a:r>
+              <a:rPr lang="fr-FR" dirty="0" smtClean="0"/>
+              <a:t>	 </a:t>
+            </a:r>
+            <a:r>
+              <a:rPr lang="fr-FR" dirty="0"/>
+              <a:t>List&lt;Person&gt; </a:t>
+            </a:r>
+            <a:r>
+              <a:rPr lang="fr-FR" dirty="0" err="1"/>
+              <a:t>personList</a:t>
+            </a:r>
+            <a:r>
+              <a:rPr lang="fr-FR" dirty="0"/>
+              <a:t> = </a:t>
+            </a:r>
+            <a:r>
+              <a:rPr lang="fr-FR" dirty="0" err="1"/>
+              <a:t>supplier.get</a:t>
+            </a:r>
+            <a:r>
+              <a:rPr lang="fr-FR" dirty="0" smtClean="0"/>
+              <a:t>();</a:t>
+            </a:r>
             <a:endParaRPr lang="en-IN" dirty="0" smtClean="0"/>
           </a:p>
           <a:p>
@@ -19570,11 +19368,11 @@
           <a:p>
             <a:r>
               <a:rPr lang="en-US" dirty="0" smtClean="0"/>
-              <a:t>Lesson 6 : </a:t>
+              <a:t>Lesson 6 </a:t>
             </a:r>
             <a:r>
               <a:rPr lang="en-US" dirty="0"/>
-              <a:t>Method and constructor reference</a:t>
+              <a:t>: Method and constructor reference</a:t>
             </a:r>
           </a:p>
         </p:txBody>
@@ -19601,7 +19399,7 @@
           <a:p>
             <a:fld id="{3FE8D249-C662-48EE-B897-711C67200507}" type="datetime1">
               <a:rPr lang="en-IN" smtClean="0"/>
-              <a:t>24-08-2016</a:t>
+              <a:t>27-09-2016</a:t>
             </a:fld>
             <a:endParaRPr lang="en-IN" dirty="0"/>
           </a:p>
@@ -19646,7 +19444,7 @@
     </p:spTree>
     <p:extLst>
       <p:ext uri="{BB962C8B-B14F-4D97-AF65-F5344CB8AC3E}">
-        <p14:creationId xmlns:p14="http://schemas.microsoft.com/office/powerpoint/2010/main" val="1268441837"/>
+        <p14:creationId xmlns:p14="http://schemas.microsoft.com/office/powerpoint/2010/main" val="74516893"/>
       </p:ext>
     </p:extLst>
   </p:cSld>
@@ -19704,46 +19502,165 @@
         </p:nvSpPr>
         <p:spPr>
           <a:xfrm>
-            <a:off x="457200" y="1420238"/>
-            <a:ext cx="7472363" cy="3249039"/>
+            <a:off x="457200" y="1459149"/>
+            <a:ext cx="7966953" cy="3103123"/>
           </a:xfrm>
         </p:spPr>
         <p:txBody>
           <a:bodyPr>
-            <a:normAutofit/>
+            <a:normAutofit fontScale="55000" lnSpcReduction="20000"/>
           </a:bodyPr>
           <a:lstStyle/>
           <a:p>
             <a:pPr marL="342900" indent="-342900"/>
             <a:r>
+              <a:rPr lang="en-IN" dirty="0" err="1"/>
+              <a:t>objectRef</a:t>
+            </a:r>
+            <a:r>
+              <a:rPr lang="en-IN" dirty="0"/>
+              <a:t>::</a:t>
+            </a:r>
+            <a:r>
+              <a:rPr lang="en-IN" dirty="0" err="1"/>
+              <a:t>instanceMethod</a:t>
+            </a:r>
+            <a:r>
+              <a:rPr lang="en-IN" dirty="0"/>
+              <a:t> A method reference to an instance method of the specified object – </a:t>
+            </a:r>
+            <a:r>
               <a:rPr lang="en-IN" dirty="0" smtClean="0"/>
-              <a:t>Lambda </a:t>
+              <a:t>bounded receiver. </a:t>
             </a:r>
             <a:r>
               <a:rPr lang="en-IN" dirty="0"/>
-              <a:t>expressions and method/constructor references conceptually denote functions, but Java has no such thing as function types.  Instead, lambda expressions and method/constructor references must be converted to functional interface types. </a:t>
+              <a:t>An instance method is invoked on an object's reference. The object reference on which an instance method is invoked is known as the receiver of the method invocation. The receiver of a method invocation can be an object reference or an expression that evaluates to an object's reference</a:t>
+            </a:r>
+          </a:p>
+          <a:p>
+            <a:pPr marL="0" indent="0">
+              <a:buNone/>
+            </a:pPr>
+            <a:endParaRPr lang="en-IN" dirty="0"/>
+          </a:p>
+          <a:p>
+            <a:pPr marL="342900" indent="-342900"/>
+            <a:r>
+              <a:rPr lang="en-IN" dirty="0" smtClean="0"/>
+              <a:t>Example 1</a:t>
+            </a:r>
+          </a:p>
+          <a:p>
+            <a:pPr marL="0" indent="0">
+              <a:buNone/>
+            </a:pPr>
+            <a:r>
+              <a:rPr lang="en-IN" dirty="0" smtClean="0"/>
+              <a:t>    	 Supplier&lt;Integer</a:t>
+            </a:r>
+            <a:r>
+              <a:rPr lang="en-IN" dirty="0"/>
+              <a:t>&gt; supplier = () -&gt; "</a:t>
+            </a:r>
+            <a:r>
+              <a:rPr lang="en-IN" dirty="0" err="1"/>
+              <a:t>Ellen".length</a:t>
+            </a:r>
+            <a:r>
+              <a:rPr lang="en-IN" dirty="0"/>
+              <a:t>(); </a:t>
+            </a:r>
+            <a:r>
+              <a:rPr lang="en-IN" dirty="0" smtClean="0"/>
+              <a:t>  can be represent bellow.</a:t>
+            </a:r>
+            <a:endParaRPr lang="en-IN" dirty="0"/>
+          </a:p>
+          <a:p>
+            <a:pPr marL="0" indent="0">
+              <a:buNone/>
+            </a:pPr>
+            <a:r>
+              <a:rPr lang="sv-SE" dirty="0" smtClean="0"/>
+              <a:t>   	 </a:t>
+            </a:r>
+            <a:r>
+              <a:rPr lang="en-IN" dirty="0"/>
+              <a:t>Supplier&lt;Integer&gt; supplier = "Ellen"::length; </a:t>
+            </a:r>
+            <a:r>
+              <a:rPr lang="en-IN" dirty="0" smtClean="0"/>
+              <a:t>    //  </a:t>
+            </a:r>
+            <a:r>
+              <a:rPr lang="en-IN" dirty="0"/>
+              <a:t>Ellen is bounded receiver.</a:t>
+            </a:r>
+          </a:p>
+          <a:p>
+            <a:pPr marL="0" indent="0">
+              <a:buNone/>
+            </a:pPr>
+            <a:endParaRPr lang="sv-SE" dirty="0" smtClean="0"/>
+          </a:p>
+          <a:p>
+            <a:pPr marL="342900" indent="-342900"/>
+            <a:r>
+              <a:rPr lang="en-IN" dirty="0"/>
+              <a:t>Example </a:t>
+            </a:r>
+            <a:r>
+              <a:rPr lang="en-IN" dirty="0" smtClean="0"/>
+              <a:t>2</a:t>
+            </a:r>
+            <a:endParaRPr lang="en-IN" dirty="0"/>
+          </a:p>
+          <a:p>
+            <a:pPr marL="0" indent="0">
+              <a:buNone/>
+            </a:pPr>
+            <a:r>
+              <a:rPr lang="en-IN" dirty="0" smtClean="0"/>
+              <a:t> 	   </a:t>
+            </a:r>
+            <a:r>
+              <a:rPr lang="en-IN" dirty="0"/>
+              <a:t>Consumer&lt;String&gt; consumer = </a:t>
+            </a:r>
+            <a:r>
+              <a:rPr lang="en-IN" dirty="0" err="1"/>
+              <a:t>str</a:t>
+            </a:r>
+            <a:r>
+              <a:rPr lang="en-IN" dirty="0"/>
+              <a:t> -&gt; </a:t>
+            </a:r>
+            <a:r>
+              <a:rPr lang="en-IN" dirty="0" err="1" smtClean="0"/>
+              <a:t>System.out</a:t>
+            </a:r>
+            <a:r>
+              <a:rPr lang="en-IN" dirty="0" smtClean="0"/>
+              <a:t>::</a:t>
+            </a:r>
+            <a:r>
+              <a:rPr lang="en-IN" dirty="0" err="1" smtClean="0"/>
+              <a:t>println</a:t>
+            </a:r>
+            <a:r>
+              <a:rPr lang="en-IN" dirty="0" smtClean="0"/>
+              <a:t>(</a:t>
+            </a:r>
+            <a:r>
+              <a:rPr lang="en-IN" dirty="0" err="1" smtClean="0"/>
+              <a:t>str</a:t>
+            </a:r>
+            <a:r>
+              <a:rPr lang="en-IN" dirty="0"/>
+              <a:t>); </a:t>
             </a:r>
             <a:endParaRPr lang="en-IN" dirty="0" smtClean="0"/>
-          </a:p>
-          <a:p>
-            <a:pPr marL="342900" indent="-342900"/>
-            <a:endParaRPr lang="en-IN" dirty="0" smtClean="0"/>
-          </a:p>
-          <a:p>
-            <a:pPr marL="342900" indent="-342900"/>
-            <a:r>
-              <a:rPr lang="en-IN" dirty="0" smtClean="0"/>
-              <a:t>Compiler </a:t>
-            </a:r>
-            <a:r>
-              <a:rPr lang="en-IN" dirty="0"/>
-              <a:t>infers the functional interface type, to which a lambda expression or method/constructor reference is converted, from the context in which it appears.  This context dependent type inference process is called target typing. </a:t>
-            </a:r>
-            <a:endParaRPr lang="en-IN" dirty="0" smtClean="0"/>
-          </a:p>
-          <a:p>
-            <a:pPr marL="342900" indent="-342900"/>
-            <a:endParaRPr lang="en-IN" dirty="0"/>
           </a:p>
           <a:p>
             <a:pPr marL="0" indent="0">
@@ -19752,46 +19669,55 @@
             <a:endParaRPr lang="en-IN" dirty="0" smtClean="0"/>
           </a:p>
           <a:p>
-            <a:pPr marL="0" indent="0">
-              <a:buNone/>
-            </a:pPr>
-            <a:endParaRPr lang="en-IN" dirty="0"/>
-          </a:p>
-          <a:p>
             <a:pPr marL="342900" indent="-342900"/>
-            <a:endParaRPr lang="en-IN" dirty="0" smtClean="0"/>
-          </a:p>
-          <a:p>
-            <a:pPr marL="342900" indent="-342900"/>
-            <a:endParaRPr lang="en-IN" dirty="0" smtClean="0"/>
-          </a:p>
-          <a:p>
-            <a:pPr marL="0" indent="0">
-              <a:buNone/>
-            </a:pPr>
-            <a:endParaRPr lang="en-IN" dirty="0"/>
-          </a:p>
-          <a:p>
-            <a:pPr marL="0" indent="0">
-              <a:buNone/>
-            </a:pPr>
-            <a:endParaRPr lang="en-IN" dirty="0"/>
-          </a:p>
-          <a:p>
-            <a:pPr marL="0" indent="0">
-              <a:buNone/>
-            </a:pPr>
-            <a:endParaRPr lang="en-IN" dirty="0"/>
-          </a:p>
-          <a:p>
-            <a:pPr marL="0" indent="0">
-              <a:buNone/>
-            </a:pPr>
-            <a:endParaRPr lang="en-IN" dirty="0"/>
-          </a:p>
-          <a:p>
-            <a:pPr marL="342900" indent="-342900"/>
-            <a:endParaRPr lang="en-IN" dirty="0"/>
+            <a:r>
+              <a:rPr lang="en-IN" sz="2175" dirty="0"/>
+              <a:t>When the method reference </a:t>
+            </a:r>
+            <a:r>
+              <a:rPr lang="en-IN" sz="2175" dirty="0" err="1"/>
+              <a:t>System.out</a:t>
+            </a:r>
+            <a:r>
+              <a:rPr lang="en-IN" sz="2175" dirty="0"/>
+              <a:t>::</a:t>
+            </a:r>
+            <a:r>
+              <a:rPr lang="en-IN" sz="2175" dirty="0" err="1"/>
+              <a:t>println</a:t>
+            </a:r>
+            <a:r>
+              <a:rPr lang="en-IN" sz="2175" dirty="0"/>
+              <a:t> is used, the compiler looks at its target type, which is Consumer&lt;String&gt; that represents a function type that takes a 	String as an argument and returns void. The compiler finds a </a:t>
+            </a:r>
+            <a:r>
+              <a:rPr lang="en-IN" sz="2175" dirty="0" err="1"/>
+              <a:t>println</a:t>
+            </a:r>
+            <a:r>
+              <a:rPr lang="en-IN" sz="2175" dirty="0"/>
+              <a:t>(String) method in the </a:t>
+            </a:r>
+            <a:r>
+              <a:rPr lang="en-IN" sz="2175" dirty="0" err="1"/>
+              <a:t>PrintStream</a:t>
+            </a:r>
+            <a:r>
+              <a:rPr lang="en-IN" sz="2175" dirty="0"/>
+              <a:t> class of the </a:t>
+            </a:r>
+            <a:r>
+              <a:rPr lang="en-IN" sz="2175" dirty="0" err="1"/>
+              <a:t>System.out</a:t>
+            </a:r>
+            <a:r>
+              <a:rPr lang="en-IN" sz="2175" dirty="0"/>
+              <a:t> object and uses that method for the method reference. </a:t>
+            </a:r>
+            <a:r>
+              <a:rPr lang="en-IN" dirty="0" smtClean="0"/>
+              <a:t> </a:t>
+            </a:r>
           </a:p>
           <a:p>
             <a:endParaRPr lang="en-US" dirty="0"/>
@@ -19822,11 +19748,11 @@
           <a:p>
             <a:r>
               <a:rPr lang="en-US" dirty="0" smtClean="0"/>
-              <a:t>Lesson 7 </a:t>
+              <a:t>Lesson 6 </a:t>
             </a:r>
             <a:r>
               <a:rPr lang="en-US" dirty="0"/>
-              <a:t>: Target Typing </a:t>
+              <a:t>: Method and constructor reference</a:t>
             </a:r>
           </a:p>
         </p:txBody>
@@ -19853,7 +19779,7 @@
           <a:p>
             <a:fld id="{3FE8D249-C662-48EE-B897-711C67200507}" type="datetime1">
               <a:rPr lang="en-IN" smtClean="0"/>
-              <a:t>24-08-2016</a:t>
+              <a:t>27-09-2016</a:t>
             </a:fld>
             <a:endParaRPr lang="en-IN" dirty="0"/>
           </a:p>
@@ -19898,7 +19824,7 @@
     </p:spTree>
     <p:extLst>
       <p:ext uri="{BB962C8B-B14F-4D97-AF65-F5344CB8AC3E}">
-        <p14:creationId xmlns:p14="http://schemas.microsoft.com/office/powerpoint/2010/main" val="1775960192"/>
+        <p14:creationId xmlns:p14="http://schemas.microsoft.com/office/powerpoint/2010/main" val="4045560659"/>
       </p:ext>
     </p:extLst>
   </p:cSld>
@@ -19956,24 +19882,52 @@
         </p:nvSpPr>
         <p:spPr>
           <a:xfrm>
-            <a:off x="457200" y="1361872"/>
-            <a:ext cx="7472363" cy="2908571"/>
+            <a:off x="457200" y="1439694"/>
+            <a:ext cx="7472363" cy="3249464"/>
           </a:xfrm>
         </p:spPr>
         <p:txBody>
           <a:bodyPr>
-            <a:normAutofit fontScale="77500" lnSpcReduction="20000"/>
+            <a:normAutofit fontScale="85000" lnSpcReduction="20000"/>
           </a:bodyPr>
           <a:lstStyle/>
           <a:p>
             <a:pPr marL="342900" indent="-342900"/>
-            <a:endParaRPr lang="en-IN" dirty="0"/>
+            <a:r>
+              <a:rPr lang="en-IN" dirty="0" smtClean="0"/>
+              <a:t>Specifying the receiver of the method invocation implicitly called unbounded receiver.  For an unbound receiver, use the </a:t>
+            </a:r>
+            <a:r>
+              <a:rPr lang="en-IN" dirty="0" err="1" smtClean="0"/>
+              <a:t>ClassName</a:t>
+            </a:r>
+            <a:r>
+              <a:rPr lang="en-IN" dirty="0" smtClean="0"/>
+              <a:t>::</a:t>
+            </a:r>
+            <a:r>
+              <a:rPr lang="en-IN" dirty="0" err="1" smtClean="0"/>
+              <a:t>instanceMethod</a:t>
+            </a:r>
+            <a:r>
+              <a:rPr lang="en-IN" dirty="0" smtClean="0"/>
+              <a:t> syntax. </a:t>
+            </a:r>
+          </a:p>
+          <a:p>
+            <a:pPr marL="0" indent="0">
+              <a:buNone/>
+            </a:pPr>
+            <a:r>
+              <a:rPr lang="en-IN" dirty="0" smtClean="0"/>
+              <a:t>	 </a:t>
+            </a:r>
           </a:p>
           <a:p>
             <a:pPr marL="342900" indent="-342900"/>
             <a:r>
               <a:rPr lang="en-IN" dirty="0" smtClean="0"/>
-              <a:t>Two type of expressions in java</a:t>
+              <a:t>Example 1</a:t>
             </a:r>
           </a:p>
           <a:p>
@@ -19982,7 +19936,40 @@
             </a:pPr>
             <a:r>
               <a:rPr lang="en-IN" dirty="0" smtClean="0"/>
-              <a:t>	Standalone -   2 * 3 or 4 + 6 type deduction performed by analysing the 	expression.</a:t>
+              <a:t>   	 Function&lt;Person, String&gt; </a:t>
+            </a:r>
+            <a:r>
+              <a:rPr lang="en-IN" dirty="0" err="1" smtClean="0"/>
+              <a:t>fNameFunc</a:t>
+            </a:r>
+            <a:r>
+              <a:rPr lang="en-IN" dirty="0" smtClean="0"/>
+              <a:t> = Person::</a:t>
+            </a:r>
+            <a:r>
+              <a:rPr lang="en-IN" dirty="0" err="1" smtClean="0"/>
+              <a:t>getFirstName</a:t>
+            </a:r>
+            <a:r>
+              <a:rPr lang="en-IN" dirty="0" smtClean="0"/>
+              <a:t>;</a:t>
+            </a:r>
+          </a:p>
+          <a:p>
+            <a:pPr marL="0" indent="0">
+              <a:buNone/>
+            </a:pPr>
+            <a:r>
+              <a:rPr lang="en-IN" dirty="0" smtClean="0"/>
+              <a:t>	 Function&lt;String, Integer&gt; </a:t>
+            </a:r>
+            <a:r>
+              <a:rPr lang="en-IN" dirty="0" err="1" smtClean="0"/>
+              <a:t>strLengthFunc</a:t>
+            </a:r>
+            <a:r>
+              <a:rPr lang="en-IN" dirty="0" smtClean="0"/>
+              <a:t> = String::length; </a:t>
             </a:r>
           </a:p>
           <a:p>
@@ -19992,70 +19979,25 @@
             <a:endParaRPr lang="en-IN" dirty="0" smtClean="0"/>
           </a:p>
           <a:p>
+            <a:pPr marL="342900" indent="-342900"/>
+            <a:r>
+              <a:rPr lang="en-IN" dirty="0" smtClean="0"/>
+              <a:t>The receiver object in the example of String::length is a String object that is used when the length method is invoked via the method reference.  Obviously, the method reference String::length does not </a:t>
+            </a:r>
+            <a:r>
+              <a:rPr lang="en-IN" dirty="0" err="1" smtClean="0"/>
+              <a:t>specifiy</a:t>
+            </a:r>
+            <a:r>
+              <a:rPr lang="en-IN" dirty="0" smtClean="0"/>
+              <a:t> any particular string object as the receiver.  This is why we talk of an unbound receiver.</a:t>
+            </a:r>
+          </a:p>
+          <a:p>
             <a:pPr marL="0" indent="0">
               <a:buNone/>
             </a:pPr>
-            <a:r>
-              <a:rPr lang="en-IN" dirty="0" smtClean="0"/>
-              <a:t>	</a:t>
-            </a:r>
-            <a:r>
-              <a:rPr lang="en-IN" dirty="0" err="1" smtClean="0"/>
-              <a:t>Polyexpression</a:t>
-            </a:r>
-            <a:r>
-              <a:rPr lang="en-IN" dirty="0" smtClean="0"/>
-              <a:t> </a:t>
-            </a:r>
-            <a:r>
-              <a:rPr lang="en-IN" dirty="0"/>
-              <a:t>-  </a:t>
-            </a:r>
-            <a:r>
-              <a:rPr lang="en-IN" dirty="0" smtClean="0"/>
-              <a:t>Type </a:t>
-            </a:r>
-            <a:r>
-              <a:rPr lang="en-IN" dirty="0"/>
-              <a:t>deduction requires analysis of both the </a:t>
-            </a:r>
-            <a:r>
-              <a:rPr lang="en-IN" dirty="0" smtClean="0"/>
-              <a:t>  expression </a:t>
-            </a:r>
-            <a:r>
-              <a:rPr lang="en-IN" dirty="0"/>
-              <a:t>and </a:t>
-            </a:r>
-            <a:r>
-              <a:rPr lang="en-IN" dirty="0" smtClean="0"/>
-              <a:t>	the </a:t>
-            </a:r>
-            <a:r>
-              <a:rPr lang="en-IN" dirty="0"/>
-              <a:t>context in which the expression appears. </a:t>
-            </a:r>
-            <a:r>
-              <a:rPr lang="en-IN" dirty="0" smtClean="0"/>
-              <a:t>Example</a:t>
-            </a:r>
-          </a:p>
-          <a:p>
-            <a:pPr marL="0" indent="0">
-              <a:buNone/>
-            </a:pPr>
-            <a:r>
-              <a:rPr lang="en-IN" dirty="0" smtClean="0"/>
-              <a:t>     	List&lt;String&gt; = new </a:t>
-            </a:r>
-            <a:r>
-              <a:rPr lang="en-IN" dirty="0" err="1" smtClean="0"/>
-              <a:t>ArrayList</a:t>
-            </a:r>
-            <a:r>
-              <a:rPr lang="en-IN" dirty="0" smtClean="0"/>
-              <a:t>&lt;&gt;();</a:t>
-            </a:r>
+            <a:endParaRPr lang="en-IN" dirty="0"/>
           </a:p>
           <a:p>
             <a:pPr marL="0" indent="0">
@@ -20064,13 +20006,6 @@
             <a:endParaRPr lang="en-IN" dirty="0" smtClean="0"/>
           </a:p>
           <a:p>
-            <a:pPr marL="342900" indent="-342900"/>
-            <a:r>
-              <a:rPr lang="en-IN" dirty="0"/>
-              <a:t>When an expression appears in a context, its type must be compatible with a type expected in that context.  The expected type is called the target type. </a:t>
-            </a:r>
-          </a:p>
-          <a:p>
             <a:pPr marL="0" indent="0">
               <a:buNone/>
             </a:pPr>
@@ -20080,43 +20015,21 @@
             <a:pPr marL="0" indent="0">
               <a:buNone/>
             </a:pPr>
-            <a:endParaRPr lang="en-IN" dirty="0"/>
+            <a:endParaRPr lang="en-IN" dirty="0" smtClean="0"/>
           </a:p>
           <a:p>
             <a:pPr marL="342900" indent="-342900"/>
             <a:endParaRPr lang="en-IN" dirty="0" smtClean="0"/>
           </a:p>
           <a:p>
+            <a:pPr marL="0" indent="0">
+              <a:buNone/>
+            </a:pPr>
+            <a:endParaRPr lang="en-IN" dirty="0" smtClean="0"/>
+          </a:p>
+          <a:p>
             <a:pPr marL="342900" indent="-342900"/>
             <a:endParaRPr lang="en-IN" dirty="0" smtClean="0"/>
-          </a:p>
-          <a:p>
-            <a:pPr marL="0" indent="0">
-              <a:buNone/>
-            </a:pPr>
-            <a:endParaRPr lang="en-IN" dirty="0"/>
-          </a:p>
-          <a:p>
-            <a:pPr marL="0" indent="0">
-              <a:buNone/>
-            </a:pPr>
-            <a:endParaRPr lang="en-IN" dirty="0"/>
-          </a:p>
-          <a:p>
-            <a:pPr marL="0" indent="0">
-              <a:buNone/>
-            </a:pPr>
-            <a:endParaRPr lang="en-IN" dirty="0"/>
-          </a:p>
-          <a:p>
-            <a:pPr marL="0" indent="0">
-              <a:buNone/>
-            </a:pPr>
-            <a:endParaRPr lang="en-IN" dirty="0"/>
-          </a:p>
-          <a:p>
-            <a:pPr marL="342900" indent="-342900"/>
-            <a:endParaRPr lang="en-IN" dirty="0"/>
           </a:p>
           <a:p>
             <a:endParaRPr lang="en-US" dirty="0"/>
@@ -20147,11 +20060,11 @@
           <a:p>
             <a:r>
               <a:rPr lang="en-US" dirty="0" smtClean="0"/>
-              <a:t>Lesson 7 </a:t>
+              <a:t>Lesson 6 : </a:t>
             </a:r>
             <a:r>
               <a:rPr lang="en-US" dirty="0"/>
-              <a:t>: Target Typing </a:t>
+              <a:t>Method and constructor reference</a:t>
             </a:r>
           </a:p>
         </p:txBody>
@@ -20178,7 +20091,1144 @@
           <a:p>
             <a:fld id="{3FE8D249-C662-48EE-B897-711C67200507}" type="datetime1">
               <a:rPr lang="en-IN" smtClean="0"/>
-              <a:t>24-08-2016</a:t>
+              <a:t>27-09-2016</a:t>
+            </a:fld>
+            <a:endParaRPr lang="en-IN" dirty="0"/>
+          </a:p>
+        </p:txBody>
+      </p:sp>
+      <p:sp>
+        <p:nvSpPr>
+          <p:cNvPr id="5" name="Footer Placeholder 4"/>
+          <p:cNvSpPr>
+            <a:spLocks noGrp="1"/>
+          </p:cNvSpPr>
+          <p:nvPr>
+            <p:ph type="ftr" sz="quarter" idx="11"/>
+          </p:nvPr>
+        </p:nvSpPr>
+        <p:spPr>
+          <a:xfrm>
+            <a:off x="5481153" y="4877514"/>
+            <a:ext cx="2550495" cy="205743"/>
+          </a:xfrm>
+        </p:spPr>
+        <p:txBody>
+          <a:bodyPr/>
+          <a:lstStyle/>
+          <a:p>
+            <a:r>
+              <a:rPr lang="en-IN" dirty="0" smtClean="0"/>
+              <a:t>www.zensar.com  |  © </a:t>
+            </a:r>
+            <a:r>
+              <a:rPr lang="en-IN" dirty="0" err="1" smtClean="0"/>
+              <a:t>Zensar</a:t>
+            </a:r>
+            <a:r>
+              <a:rPr lang="en-IN" dirty="0" smtClean="0"/>
+              <a:t> Technologies 2016</a:t>
+            </a:r>
+            <a:endParaRPr lang="en-IN" dirty="0"/>
+          </a:p>
+        </p:txBody>
+      </p:sp>
+    </p:spTree>
+    <p:extLst>
+      <p:ext uri="{BB962C8B-B14F-4D97-AF65-F5344CB8AC3E}">
+        <p14:creationId xmlns:p14="http://schemas.microsoft.com/office/powerpoint/2010/main" val="1349962704"/>
+      </p:ext>
+    </p:extLst>
+  </p:cSld>
+  <p:clrMapOvr>
+    <a:masterClrMapping/>
+  </p:clrMapOvr>
+  <mc:AlternateContent xmlns:mc="http://schemas.openxmlformats.org/markup-compatibility/2006" xmlns:p14="http://schemas.microsoft.com/office/powerpoint/2010/main">
+    <mc:Choice Requires="p14">
+      <p:transition spd="med" p14:dur="700">
+        <p:fade/>
+      </p:transition>
+    </mc:Choice>
+    <mc:Fallback xmlns="">
+      <p:transition spd="med">
+        <p:fade/>
+      </p:transition>
+    </mc:Fallback>
+  </mc:AlternateContent>
+  <p:timing>
+    <p:tnLst>
+      <p:par>
+        <p:cTn id="1" dur="indefinite" restart="never" nodeType="tmRoot"/>
+      </p:par>
+    </p:tnLst>
+  </p:timing>
+</p:sld>
+</file>
+
+<file path=ppt/slides/slide39.xml><?xml version="1.0" encoding="utf-8"?>
+<p:sld xmlns:a="http://schemas.openxmlformats.org/drawingml/2006/main" xmlns:r="http://schemas.openxmlformats.org/officeDocument/2006/relationships" xmlns:p="http://schemas.openxmlformats.org/presentationml/2006/main">
+  <p:cSld>
+    <p:spTree>
+      <p:nvGrpSpPr>
+        <p:cNvPr id="1" name=""/>
+        <p:cNvGrpSpPr/>
+        <p:nvPr/>
+      </p:nvGrpSpPr>
+      <p:grpSpPr>
+        <a:xfrm>
+          <a:off x="0" y="0"/>
+          <a:ext cx="0" cy="0"/>
+          <a:chOff x="0" y="0"/>
+          <a:chExt cx="0" cy="0"/>
+        </a:xfrm>
+      </p:grpSpPr>
+      <p:sp>
+        <p:nvSpPr>
+          <p:cNvPr id="3" name="Content Placeholder 2"/>
+          <p:cNvSpPr>
+            <a:spLocks noGrp="1"/>
+          </p:cNvSpPr>
+          <p:nvPr>
+            <p:ph idx="1"/>
+          </p:nvPr>
+        </p:nvSpPr>
+        <p:spPr>
+          <a:xfrm>
+            <a:off x="457200" y="1478604"/>
+            <a:ext cx="8054502" cy="2840477"/>
+          </a:xfrm>
+        </p:spPr>
+        <p:txBody>
+          <a:bodyPr>
+            <a:normAutofit fontScale="62500" lnSpcReduction="20000"/>
+          </a:bodyPr>
+          <a:lstStyle/>
+          <a:p>
+            <a:pPr marL="342900" indent="-342900"/>
+            <a:r>
+              <a:rPr lang="en-IN" dirty="0" smtClean="0"/>
+              <a:t>Constructor reference</a:t>
+            </a:r>
+          </a:p>
+          <a:p>
+            <a:pPr marL="0" indent="0">
+              <a:buNone/>
+            </a:pPr>
+            <a:r>
+              <a:rPr lang="en-IN" dirty="0" smtClean="0"/>
+              <a:t>	String::new same as () -&gt; new String() </a:t>
+            </a:r>
+          </a:p>
+          <a:p>
+            <a:pPr marL="0" indent="0">
+              <a:buNone/>
+            </a:pPr>
+            <a:r>
+              <a:rPr lang="en-IN" dirty="0" smtClean="0"/>
+              <a:t>	</a:t>
+            </a:r>
+            <a:r>
+              <a:rPr lang="en-IN" dirty="0" err="1" smtClean="0"/>
+              <a:t>ArrayList</a:t>
+            </a:r>
+            <a:r>
+              <a:rPr lang="en-IN" dirty="0" smtClean="0"/>
+              <a:t>&lt;String&gt;::new </a:t>
+            </a:r>
+          </a:p>
+          <a:p>
+            <a:pPr marL="0" indent="0">
+              <a:buNone/>
+            </a:pPr>
+            <a:r>
+              <a:rPr lang="en-IN" dirty="0" smtClean="0"/>
+              <a:t>	String[]::new </a:t>
+            </a:r>
+          </a:p>
+          <a:p>
+            <a:pPr marL="0" indent="0">
+              <a:buNone/>
+            </a:pPr>
+            <a:r>
+              <a:rPr lang="en-IN" dirty="0" smtClean="0"/>
+              <a:t>	</a:t>
+            </a:r>
+            <a:r>
+              <a:rPr lang="en-IN" dirty="0" err="1" smtClean="0"/>
+              <a:t>int</a:t>
+            </a:r>
+            <a:r>
+              <a:rPr lang="en-IN" dirty="0" smtClean="0"/>
+              <a:t>[]::new </a:t>
+            </a:r>
+          </a:p>
+          <a:p>
+            <a:pPr marL="0" indent="0">
+              <a:buNone/>
+            </a:pPr>
+            <a:r>
+              <a:rPr lang="en-IN" dirty="0" smtClean="0"/>
+              <a:t>	 Tuple&lt;String&gt;::&lt;String&gt;new // generic </a:t>
+            </a:r>
+          </a:p>
+          <a:p>
+            <a:pPr marL="0" indent="0">
+              <a:buNone/>
+            </a:pPr>
+            <a:endParaRPr lang="en-IN" dirty="0" smtClean="0"/>
+          </a:p>
+          <a:p>
+            <a:pPr marL="342900" indent="-342900"/>
+            <a:r>
+              <a:rPr lang="en-IN" dirty="0" smtClean="0"/>
+              <a:t>The compiler picks the right constructor depending on the context in which the constructor 	reference appears.</a:t>
+            </a:r>
+          </a:p>
+          <a:p>
+            <a:pPr marL="82296" indent="0">
+              <a:buNone/>
+            </a:pPr>
+            <a:r>
+              <a:rPr lang="en-IN" dirty="0" smtClean="0"/>
+              <a:t>	</a:t>
+            </a:r>
+            <a:r>
+              <a:rPr lang="en-IN" dirty="0" err="1" smtClean="0"/>
+              <a:t>MyString</a:t>
+            </a:r>
+            <a:r>
+              <a:rPr lang="en-IN" dirty="0" smtClean="0"/>
+              <a:t> </a:t>
+            </a:r>
+            <a:r>
+              <a:rPr lang="en-IN" dirty="0" err="1"/>
+              <a:t>mystr</a:t>
+            </a:r>
+            <a:r>
+              <a:rPr lang="en-IN" dirty="0"/>
+              <a:t> = String</a:t>
+            </a:r>
+            <a:r>
+              <a:rPr lang="en-IN" dirty="0" smtClean="0"/>
+              <a:t>::</a:t>
+            </a:r>
+            <a:r>
+              <a:rPr lang="en-IN" b="1" dirty="0" smtClean="0"/>
+              <a:t>new</a:t>
+            </a:r>
+            <a:r>
+              <a:rPr lang="en-IN" dirty="0" smtClean="0"/>
+              <a:t>;    // line 1  pick constructor String(char []) based on line 3 </a:t>
+            </a:r>
+            <a:endParaRPr lang="en-IN" dirty="0"/>
+          </a:p>
+          <a:p>
+            <a:pPr marL="82296" indent="0">
+              <a:buNone/>
+            </a:pPr>
+            <a:r>
+              <a:rPr lang="en-IN" dirty="0" smtClean="0"/>
+              <a:t>	char</a:t>
+            </a:r>
+            <a:r>
+              <a:rPr lang="en-IN" dirty="0"/>
+              <a:t>[] </a:t>
+            </a:r>
+            <a:r>
+              <a:rPr lang="en-IN" dirty="0" err="1"/>
+              <a:t>charArray</a:t>
+            </a:r>
+            <a:r>
+              <a:rPr lang="en-IN" dirty="0"/>
+              <a:t> = {'</a:t>
+            </a:r>
+            <a:r>
+              <a:rPr lang="en-IN" dirty="0" err="1"/>
+              <a:t>e','v','o','n','t','e','c','h','n','o','l','o','g','y</a:t>
+            </a:r>
+            <a:r>
+              <a:rPr lang="en-IN" dirty="0" smtClean="0"/>
+              <a:t>'}; // line 2</a:t>
+            </a:r>
+            <a:endParaRPr lang="en-IN" dirty="0"/>
+          </a:p>
+          <a:p>
+            <a:pPr marL="82296" indent="0">
+              <a:buNone/>
+            </a:pPr>
+            <a:r>
+              <a:rPr lang="en-IN" dirty="0" smtClean="0"/>
+              <a:t>	</a:t>
+            </a:r>
+            <a:r>
+              <a:rPr lang="en-IN" dirty="0" err="1" smtClean="0"/>
+              <a:t>System.out.println</a:t>
+            </a:r>
+            <a:r>
+              <a:rPr lang="en-IN" dirty="0" smtClean="0"/>
+              <a:t>(</a:t>
+            </a:r>
+            <a:r>
+              <a:rPr lang="en-IN" dirty="0" err="1" smtClean="0"/>
+              <a:t>mystr.strFunc</a:t>
+            </a:r>
+            <a:r>
+              <a:rPr lang="en-IN" dirty="0" smtClean="0"/>
+              <a:t>(</a:t>
+            </a:r>
+            <a:r>
+              <a:rPr lang="en-IN" dirty="0" err="1" smtClean="0"/>
+              <a:t>charArray</a:t>
+            </a:r>
+            <a:r>
+              <a:rPr lang="en-IN" dirty="0" smtClean="0"/>
+              <a:t>));    // line 3</a:t>
+            </a:r>
+            <a:endParaRPr lang="en-IN" dirty="0"/>
+          </a:p>
+          <a:p>
+            <a:pPr marL="0" indent="0">
+              <a:buNone/>
+            </a:pPr>
+            <a:endParaRPr lang="en-IN" dirty="0" smtClean="0"/>
+          </a:p>
+          <a:p>
+            <a:pPr marL="0" indent="0">
+              <a:buNone/>
+            </a:pPr>
+            <a:endParaRPr lang="en-IN" dirty="0" smtClean="0"/>
+          </a:p>
+          <a:p>
+            <a:pPr marL="0" indent="0">
+              <a:buNone/>
+            </a:pPr>
+            <a:endParaRPr lang="en-IN" dirty="0" smtClean="0"/>
+          </a:p>
+          <a:p>
+            <a:pPr marL="342900" indent="-342900"/>
+            <a:endParaRPr lang="en-IN" dirty="0" smtClean="0"/>
+          </a:p>
+          <a:p>
+            <a:pPr marL="0" indent="0">
+              <a:buNone/>
+            </a:pPr>
+            <a:endParaRPr lang="en-IN" dirty="0" smtClean="0"/>
+          </a:p>
+          <a:p>
+            <a:pPr marL="342900" indent="-342900"/>
+            <a:endParaRPr lang="en-IN" dirty="0" smtClean="0"/>
+          </a:p>
+          <a:p>
+            <a:endParaRPr lang="en-US" dirty="0"/>
+          </a:p>
+        </p:txBody>
+      </p:sp>
+      <p:sp>
+        <p:nvSpPr>
+          <p:cNvPr id="2" name="Title 1"/>
+          <p:cNvSpPr>
+            <a:spLocks noGrp="1"/>
+          </p:cNvSpPr>
+          <p:nvPr>
+            <p:ph type="title"/>
+          </p:nvPr>
+        </p:nvSpPr>
+        <p:spPr>
+          <a:xfrm>
+            <a:off x="457200" y="431906"/>
+            <a:ext cx="8229600" cy="468207"/>
+          </a:xfrm>
+        </p:spPr>
+        <p:txBody>
+          <a:bodyPr>
+            <a:normAutofit fontScale="90000"/>
+          </a:bodyPr>
+          <a:lstStyle/>
+          <a:p>
+            <a:r>
+              <a:rPr lang="en-US" dirty="0" smtClean="0"/>
+              <a:t>Lesson 6 : </a:t>
+            </a:r>
+            <a:r>
+              <a:rPr lang="en-US" dirty="0"/>
+              <a:t>Method and constructor reference</a:t>
+            </a:r>
+          </a:p>
+        </p:txBody>
+      </p:sp>
+      <p:sp>
+        <p:nvSpPr>
+          <p:cNvPr id="4" name="Date Placeholder 3"/>
+          <p:cNvSpPr>
+            <a:spLocks noGrp="1"/>
+          </p:cNvSpPr>
+          <p:nvPr>
+            <p:ph type="dt" sz="half" idx="10"/>
+          </p:nvPr>
+        </p:nvSpPr>
+        <p:spPr>
+          <a:xfrm>
+            <a:off x="4636897" y="4877514"/>
+            <a:ext cx="721106" cy="205743"/>
+          </a:xfrm>
+        </p:spPr>
+        <p:txBody>
+          <a:bodyPr/>
+          <a:lstStyle/>
+          <a:p>
+            <a:fld id="{3FE8D249-C662-48EE-B897-711C67200507}" type="datetime1">
+              <a:rPr lang="en-IN" smtClean="0"/>
+              <a:t>27-09-2016</a:t>
+            </a:fld>
+            <a:endParaRPr lang="en-IN" dirty="0"/>
+          </a:p>
+        </p:txBody>
+      </p:sp>
+      <p:sp>
+        <p:nvSpPr>
+          <p:cNvPr id="5" name="Footer Placeholder 4"/>
+          <p:cNvSpPr>
+            <a:spLocks noGrp="1"/>
+          </p:cNvSpPr>
+          <p:nvPr>
+            <p:ph type="ftr" sz="quarter" idx="11"/>
+          </p:nvPr>
+        </p:nvSpPr>
+        <p:spPr>
+          <a:xfrm>
+            <a:off x="5481153" y="4877514"/>
+            <a:ext cx="2550495" cy="205743"/>
+          </a:xfrm>
+        </p:spPr>
+        <p:txBody>
+          <a:bodyPr/>
+          <a:lstStyle/>
+          <a:p>
+            <a:r>
+              <a:rPr lang="en-IN" dirty="0" smtClean="0"/>
+              <a:t>www.zensar.com  |  © </a:t>
+            </a:r>
+            <a:r>
+              <a:rPr lang="en-IN" dirty="0" err="1" smtClean="0"/>
+              <a:t>Zensar</a:t>
+            </a:r>
+            <a:r>
+              <a:rPr lang="en-IN" dirty="0" smtClean="0"/>
+              <a:t> Technologies 2016</a:t>
+            </a:r>
+            <a:endParaRPr lang="en-IN" dirty="0"/>
+          </a:p>
+        </p:txBody>
+      </p:sp>
+    </p:spTree>
+    <p:extLst>
+      <p:ext uri="{BB962C8B-B14F-4D97-AF65-F5344CB8AC3E}">
+        <p14:creationId xmlns:p14="http://schemas.microsoft.com/office/powerpoint/2010/main" val="1268441837"/>
+      </p:ext>
+    </p:extLst>
+  </p:cSld>
+  <p:clrMapOvr>
+    <a:masterClrMapping/>
+  </p:clrMapOvr>
+  <mc:AlternateContent xmlns:mc="http://schemas.openxmlformats.org/markup-compatibility/2006" xmlns:p14="http://schemas.microsoft.com/office/powerpoint/2010/main">
+    <mc:Choice Requires="p14">
+      <p:transition spd="med" p14:dur="700">
+        <p:fade/>
+      </p:transition>
+    </mc:Choice>
+    <mc:Fallback xmlns="">
+      <p:transition spd="med">
+        <p:fade/>
+      </p:transition>
+    </mc:Fallback>
+  </mc:AlternateContent>
+  <p:timing>
+    <p:tnLst>
+      <p:par>
+        <p:cTn id="1" dur="indefinite" restart="never" nodeType="tmRoot"/>
+      </p:par>
+    </p:tnLst>
+  </p:timing>
+</p:sld>
+</file>
+
+<file path=ppt/slides/slide4.xml><?xml version="1.0" encoding="utf-8"?>
+<p:sld xmlns:a="http://schemas.openxmlformats.org/drawingml/2006/main" xmlns:r="http://schemas.openxmlformats.org/officeDocument/2006/relationships" xmlns:p="http://schemas.openxmlformats.org/presentationml/2006/main">
+  <p:cSld>
+    <p:spTree>
+      <p:nvGrpSpPr>
+        <p:cNvPr id="1" name=""/>
+        <p:cNvGrpSpPr/>
+        <p:nvPr/>
+      </p:nvGrpSpPr>
+      <p:grpSpPr>
+        <a:xfrm>
+          <a:off x="0" y="0"/>
+          <a:ext cx="0" cy="0"/>
+          <a:chOff x="0" y="0"/>
+          <a:chExt cx="0" cy="0"/>
+        </a:xfrm>
+      </p:grpSpPr>
+      <p:sp>
+        <p:nvSpPr>
+          <p:cNvPr id="2" name="Title 1"/>
+          <p:cNvSpPr>
+            <a:spLocks noGrp="1"/>
+          </p:cNvSpPr>
+          <p:nvPr>
+            <p:ph type="title"/>
+          </p:nvPr>
+        </p:nvSpPr>
+        <p:spPr/>
+        <p:txBody>
+          <a:bodyPr/>
+          <a:lstStyle/>
+          <a:p>
+            <a:r>
+              <a:rPr lang="en-US" dirty="0"/>
+              <a:t>Topics covered</a:t>
+            </a:r>
+            <a:endParaRPr lang="en-IN" dirty="0"/>
+          </a:p>
+        </p:txBody>
+      </p:sp>
+      <p:sp>
+        <p:nvSpPr>
+          <p:cNvPr id="3" name="Content Placeholder 2"/>
+          <p:cNvSpPr>
+            <a:spLocks noGrp="1"/>
+          </p:cNvSpPr>
+          <p:nvPr>
+            <p:ph idx="1"/>
+          </p:nvPr>
+        </p:nvSpPr>
+        <p:spPr/>
+        <p:txBody>
+          <a:bodyPr>
+            <a:normAutofit lnSpcReduction="10000"/>
+          </a:bodyPr>
+          <a:lstStyle/>
+          <a:p>
+            <a:r>
+              <a:rPr lang="en-US" dirty="0"/>
+              <a:t>Lesson 1: Lambda expression</a:t>
+            </a:r>
+          </a:p>
+          <a:p>
+            <a:r>
+              <a:rPr lang="en-US" dirty="0"/>
+              <a:t>Lesson 2: Lambda expression rules and pattern</a:t>
+            </a:r>
+          </a:p>
+          <a:p>
+            <a:r>
+              <a:rPr lang="en-US" dirty="0"/>
+              <a:t>Lesson 3: Scopes in Lambda</a:t>
+            </a:r>
+          </a:p>
+          <a:p>
+            <a:r>
+              <a:rPr lang="en-US" dirty="0"/>
+              <a:t>Lesson 4: Functional Interface</a:t>
+            </a:r>
+          </a:p>
+          <a:p>
+            <a:r>
+              <a:rPr lang="en-US" dirty="0"/>
+              <a:t>Lesson 5: Functional interface in Java API</a:t>
+            </a:r>
+          </a:p>
+          <a:p>
+            <a:r>
+              <a:rPr lang="en-US" dirty="0"/>
+              <a:t>Lesson 6: Method and constructor reference</a:t>
+            </a:r>
+          </a:p>
+          <a:p>
+            <a:r>
+              <a:rPr lang="en-US" dirty="0"/>
+              <a:t>Lesson 7: Target Typing </a:t>
+            </a:r>
+          </a:p>
+          <a:p>
+            <a:r>
+              <a:rPr lang="en-US" dirty="0"/>
+              <a:t>Lesson 8: Design API using Lambda</a:t>
+            </a:r>
+            <a:endParaRPr lang="en-IN" dirty="0"/>
+          </a:p>
+        </p:txBody>
+      </p:sp>
+      <p:sp>
+        <p:nvSpPr>
+          <p:cNvPr id="4" name="Date Placeholder 3"/>
+          <p:cNvSpPr>
+            <a:spLocks noGrp="1"/>
+          </p:cNvSpPr>
+          <p:nvPr>
+            <p:ph type="dt" sz="half" idx="10"/>
+          </p:nvPr>
+        </p:nvSpPr>
+        <p:spPr/>
+        <p:txBody>
+          <a:bodyPr/>
+          <a:lstStyle/>
+          <a:p>
+            <a:fld id="{4C369893-118B-48C6-BF17-F994C9C43D94}" type="datetime1">
+              <a:rPr lang="en-IN" smtClean="0"/>
+              <a:t>27-09-2016</a:t>
+            </a:fld>
+            <a:endParaRPr lang="en-IN"/>
+          </a:p>
+        </p:txBody>
+      </p:sp>
+      <p:sp>
+        <p:nvSpPr>
+          <p:cNvPr id="5" name="Footer Placeholder 4"/>
+          <p:cNvSpPr>
+            <a:spLocks noGrp="1"/>
+          </p:cNvSpPr>
+          <p:nvPr>
+            <p:ph type="ftr" sz="quarter" idx="11"/>
+          </p:nvPr>
+        </p:nvSpPr>
+        <p:spPr/>
+        <p:txBody>
+          <a:bodyPr/>
+          <a:lstStyle/>
+          <a:p>
+            <a:r>
+              <a:rPr lang="en-IN" smtClean="0"/>
+              <a:t>www.zensar.com  |  © Zensar Technologies 2016</a:t>
+            </a:r>
+            <a:endParaRPr lang="en-IN"/>
+          </a:p>
+        </p:txBody>
+      </p:sp>
+    </p:spTree>
+    <p:extLst>
+      <p:ext uri="{BB962C8B-B14F-4D97-AF65-F5344CB8AC3E}">
+        <p14:creationId xmlns:p14="http://schemas.microsoft.com/office/powerpoint/2010/main" val="2244637676"/>
+      </p:ext>
+    </p:extLst>
+  </p:cSld>
+  <p:clrMapOvr>
+    <a:masterClrMapping/>
+  </p:clrMapOvr>
+  <p:timing>
+    <p:tnLst>
+      <p:par>
+        <p:cTn id="1" dur="indefinite" restart="never" nodeType="tmRoot"/>
+      </p:par>
+    </p:tnLst>
+  </p:timing>
+</p:sld>
+</file>
+
+<file path=ppt/slides/slide40.xml><?xml version="1.0" encoding="utf-8"?>
+<p:sld xmlns:a="http://schemas.openxmlformats.org/drawingml/2006/main" xmlns:r="http://schemas.openxmlformats.org/officeDocument/2006/relationships" xmlns:p="http://schemas.openxmlformats.org/presentationml/2006/main">
+  <p:cSld>
+    <p:spTree>
+      <p:nvGrpSpPr>
+        <p:cNvPr id="1" name=""/>
+        <p:cNvGrpSpPr/>
+        <p:nvPr/>
+      </p:nvGrpSpPr>
+      <p:grpSpPr>
+        <a:xfrm>
+          <a:off x="0" y="0"/>
+          <a:ext cx="0" cy="0"/>
+          <a:chOff x="0" y="0"/>
+          <a:chExt cx="0" cy="0"/>
+        </a:xfrm>
+      </p:grpSpPr>
+      <p:sp>
+        <p:nvSpPr>
+          <p:cNvPr id="3" name="Content Placeholder 2"/>
+          <p:cNvSpPr>
+            <a:spLocks noGrp="1"/>
+          </p:cNvSpPr>
+          <p:nvPr>
+            <p:ph idx="1"/>
+          </p:nvPr>
+        </p:nvSpPr>
+        <p:spPr>
+          <a:xfrm>
+            <a:off x="457200" y="1420238"/>
+            <a:ext cx="7472363" cy="3249039"/>
+          </a:xfrm>
+        </p:spPr>
+        <p:txBody>
+          <a:bodyPr>
+            <a:normAutofit/>
+          </a:bodyPr>
+          <a:lstStyle/>
+          <a:p>
+            <a:pPr marL="342900" indent="-342900"/>
+            <a:r>
+              <a:rPr lang="en-IN" dirty="0" smtClean="0"/>
+              <a:t>Lambda </a:t>
+            </a:r>
+            <a:r>
+              <a:rPr lang="en-IN" dirty="0"/>
+              <a:t>expressions and method/constructor references conceptually denote functions, but Java has no such thing as function types.  Instead, lambda expressions and method/constructor references must be converted to functional interface types. </a:t>
+            </a:r>
+            <a:endParaRPr lang="en-IN" dirty="0" smtClean="0"/>
+          </a:p>
+          <a:p>
+            <a:pPr marL="342900" indent="-342900"/>
+            <a:endParaRPr lang="en-IN" dirty="0" smtClean="0"/>
+          </a:p>
+          <a:p>
+            <a:pPr marL="342900" indent="-342900"/>
+            <a:r>
+              <a:rPr lang="en-IN" dirty="0" smtClean="0"/>
+              <a:t>Compiler </a:t>
+            </a:r>
+            <a:r>
+              <a:rPr lang="en-IN" dirty="0"/>
+              <a:t>infers the functional interface type, to which a lambda expression or method/constructor reference is converted, from the context in which it appears.  This context dependent type inference process is called target typing. </a:t>
+            </a:r>
+            <a:endParaRPr lang="en-IN" dirty="0" smtClean="0"/>
+          </a:p>
+          <a:p>
+            <a:pPr marL="342900" indent="-342900"/>
+            <a:endParaRPr lang="en-IN" dirty="0"/>
+          </a:p>
+          <a:p>
+            <a:pPr marL="0" indent="0">
+              <a:buNone/>
+            </a:pPr>
+            <a:endParaRPr lang="en-IN" dirty="0" smtClean="0"/>
+          </a:p>
+          <a:p>
+            <a:pPr marL="0" indent="0">
+              <a:buNone/>
+            </a:pPr>
+            <a:endParaRPr lang="en-IN" dirty="0"/>
+          </a:p>
+          <a:p>
+            <a:pPr marL="342900" indent="-342900"/>
+            <a:endParaRPr lang="en-IN" dirty="0" smtClean="0"/>
+          </a:p>
+          <a:p>
+            <a:pPr marL="342900" indent="-342900"/>
+            <a:endParaRPr lang="en-IN" dirty="0" smtClean="0"/>
+          </a:p>
+          <a:p>
+            <a:pPr marL="0" indent="0">
+              <a:buNone/>
+            </a:pPr>
+            <a:endParaRPr lang="en-IN" dirty="0"/>
+          </a:p>
+          <a:p>
+            <a:pPr marL="0" indent="0">
+              <a:buNone/>
+            </a:pPr>
+            <a:endParaRPr lang="en-IN" dirty="0"/>
+          </a:p>
+          <a:p>
+            <a:pPr marL="0" indent="0">
+              <a:buNone/>
+            </a:pPr>
+            <a:endParaRPr lang="en-IN" dirty="0"/>
+          </a:p>
+          <a:p>
+            <a:pPr marL="0" indent="0">
+              <a:buNone/>
+            </a:pPr>
+            <a:endParaRPr lang="en-IN" dirty="0"/>
+          </a:p>
+          <a:p>
+            <a:pPr marL="342900" indent="-342900"/>
+            <a:endParaRPr lang="en-IN" dirty="0"/>
+          </a:p>
+          <a:p>
+            <a:endParaRPr lang="en-US" dirty="0"/>
+          </a:p>
+        </p:txBody>
+      </p:sp>
+      <p:sp>
+        <p:nvSpPr>
+          <p:cNvPr id="2" name="Title 1"/>
+          <p:cNvSpPr>
+            <a:spLocks noGrp="1"/>
+          </p:cNvSpPr>
+          <p:nvPr>
+            <p:ph type="title"/>
+          </p:nvPr>
+        </p:nvSpPr>
+        <p:spPr>
+          <a:xfrm>
+            <a:off x="457200" y="431906"/>
+            <a:ext cx="8229600" cy="468207"/>
+          </a:xfrm>
+        </p:spPr>
+        <p:txBody>
+          <a:bodyPr>
+            <a:normAutofit fontScale="90000"/>
+          </a:bodyPr>
+          <a:lstStyle/>
+          <a:p>
+            <a:r>
+              <a:rPr lang="en-US" dirty="0" smtClean="0"/>
+              <a:t>Lesson 7 </a:t>
+            </a:r>
+            <a:r>
+              <a:rPr lang="en-US" dirty="0"/>
+              <a:t>: Target Typing </a:t>
+            </a:r>
+          </a:p>
+        </p:txBody>
+      </p:sp>
+      <p:sp>
+        <p:nvSpPr>
+          <p:cNvPr id="4" name="Date Placeholder 3"/>
+          <p:cNvSpPr>
+            <a:spLocks noGrp="1"/>
+          </p:cNvSpPr>
+          <p:nvPr>
+            <p:ph type="dt" sz="half" idx="10"/>
+          </p:nvPr>
+        </p:nvSpPr>
+        <p:spPr>
+          <a:xfrm>
+            <a:off x="4636897" y="4877514"/>
+            <a:ext cx="721106" cy="205743"/>
+          </a:xfrm>
+        </p:spPr>
+        <p:txBody>
+          <a:bodyPr/>
+          <a:lstStyle/>
+          <a:p>
+            <a:fld id="{3FE8D249-C662-48EE-B897-711C67200507}" type="datetime1">
+              <a:rPr lang="en-IN" smtClean="0"/>
+              <a:t>27-09-2016</a:t>
+            </a:fld>
+            <a:endParaRPr lang="en-IN" dirty="0"/>
+          </a:p>
+        </p:txBody>
+      </p:sp>
+      <p:sp>
+        <p:nvSpPr>
+          <p:cNvPr id="5" name="Footer Placeholder 4"/>
+          <p:cNvSpPr>
+            <a:spLocks noGrp="1"/>
+          </p:cNvSpPr>
+          <p:nvPr>
+            <p:ph type="ftr" sz="quarter" idx="11"/>
+          </p:nvPr>
+        </p:nvSpPr>
+        <p:spPr>
+          <a:xfrm>
+            <a:off x="5481153" y="4877514"/>
+            <a:ext cx="2550495" cy="205743"/>
+          </a:xfrm>
+        </p:spPr>
+        <p:txBody>
+          <a:bodyPr/>
+          <a:lstStyle/>
+          <a:p>
+            <a:r>
+              <a:rPr lang="en-IN" dirty="0" smtClean="0"/>
+              <a:t>www.zensar.com  |  © </a:t>
+            </a:r>
+            <a:r>
+              <a:rPr lang="en-IN" dirty="0" err="1" smtClean="0"/>
+              <a:t>Zensar</a:t>
+            </a:r>
+            <a:r>
+              <a:rPr lang="en-IN" dirty="0" smtClean="0"/>
+              <a:t> Technologies 2016</a:t>
+            </a:r>
+            <a:endParaRPr lang="en-IN" dirty="0"/>
+          </a:p>
+        </p:txBody>
+      </p:sp>
+    </p:spTree>
+    <p:extLst>
+      <p:ext uri="{BB962C8B-B14F-4D97-AF65-F5344CB8AC3E}">
+        <p14:creationId xmlns:p14="http://schemas.microsoft.com/office/powerpoint/2010/main" val="1775960192"/>
+      </p:ext>
+    </p:extLst>
+  </p:cSld>
+  <p:clrMapOvr>
+    <a:masterClrMapping/>
+  </p:clrMapOvr>
+  <mc:AlternateContent xmlns:mc="http://schemas.openxmlformats.org/markup-compatibility/2006" xmlns:p14="http://schemas.microsoft.com/office/powerpoint/2010/main">
+    <mc:Choice Requires="p14">
+      <p:transition spd="med" p14:dur="700">
+        <p:fade/>
+      </p:transition>
+    </mc:Choice>
+    <mc:Fallback xmlns="">
+      <p:transition spd="med">
+        <p:fade/>
+      </p:transition>
+    </mc:Fallback>
+  </mc:AlternateContent>
+  <p:timing>
+    <p:tnLst>
+      <p:par>
+        <p:cTn id="1" dur="indefinite" restart="never" nodeType="tmRoot"/>
+      </p:par>
+    </p:tnLst>
+  </p:timing>
+</p:sld>
+</file>
+
+<file path=ppt/slides/slide41.xml><?xml version="1.0" encoding="utf-8"?>
+<p:sld xmlns:a="http://schemas.openxmlformats.org/drawingml/2006/main" xmlns:r="http://schemas.openxmlformats.org/officeDocument/2006/relationships" xmlns:p="http://schemas.openxmlformats.org/presentationml/2006/main">
+  <p:cSld>
+    <p:spTree>
+      <p:nvGrpSpPr>
+        <p:cNvPr id="1" name=""/>
+        <p:cNvGrpSpPr/>
+        <p:nvPr/>
+      </p:nvGrpSpPr>
+      <p:grpSpPr>
+        <a:xfrm>
+          <a:off x="0" y="0"/>
+          <a:ext cx="0" cy="0"/>
+          <a:chOff x="0" y="0"/>
+          <a:chExt cx="0" cy="0"/>
+        </a:xfrm>
+      </p:grpSpPr>
+      <p:sp>
+        <p:nvSpPr>
+          <p:cNvPr id="3" name="Content Placeholder 2"/>
+          <p:cNvSpPr>
+            <a:spLocks noGrp="1"/>
+          </p:cNvSpPr>
+          <p:nvPr>
+            <p:ph idx="1"/>
+          </p:nvPr>
+        </p:nvSpPr>
+        <p:spPr>
+          <a:xfrm>
+            <a:off x="457200" y="1361872"/>
+            <a:ext cx="7472363" cy="2908571"/>
+          </a:xfrm>
+        </p:spPr>
+        <p:txBody>
+          <a:bodyPr>
+            <a:normAutofit fontScale="77500" lnSpcReduction="20000"/>
+          </a:bodyPr>
+          <a:lstStyle/>
+          <a:p>
+            <a:pPr marL="342900" indent="-342900"/>
+            <a:endParaRPr lang="en-IN" dirty="0"/>
+          </a:p>
+          <a:p>
+            <a:pPr marL="342900" indent="-342900"/>
+            <a:r>
+              <a:rPr lang="en-IN" dirty="0" smtClean="0"/>
+              <a:t>Two type of expressions in java</a:t>
+            </a:r>
+          </a:p>
+          <a:p>
+            <a:pPr marL="0" indent="0">
+              <a:buNone/>
+            </a:pPr>
+            <a:r>
+              <a:rPr lang="en-IN" dirty="0" smtClean="0"/>
+              <a:t>	Standalone -   2 * 3 or 4 + 6 type deduction performed by analysing the 	expression.</a:t>
+            </a:r>
+          </a:p>
+          <a:p>
+            <a:pPr marL="0" indent="0">
+              <a:buNone/>
+            </a:pPr>
+            <a:endParaRPr lang="en-IN" dirty="0" smtClean="0"/>
+          </a:p>
+          <a:p>
+            <a:pPr marL="0" indent="0">
+              <a:buNone/>
+            </a:pPr>
+            <a:r>
+              <a:rPr lang="en-IN" dirty="0" smtClean="0"/>
+              <a:t>	</a:t>
+            </a:r>
+            <a:r>
+              <a:rPr lang="en-IN" dirty="0" err="1" smtClean="0"/>
+              <a:t>Polyexpression</a:t>
+            </a:r>
+            <a:r>
+              <a:rPr lang="en-IN" dirty="0" smtClean="0"/>
+              <a:t> </a:t>
+            </a:r>
+            <a:r>
+              <a:rPr lang="en-IN" dirty="0"/>
+              <a:t>-  </a:t>
+            </a:r>
+            <a:r>
+              <a:rPr lang="en-IN" dirty="0" smtClean="0"/>
+              <a:t>Type </a:t>
+            </a:r>
+            <a:r>
+              <a:rPr lang="en-IN" dirty="0"/>
+              <a:t>deduction requires analysis of both the </a:t>
+            </a:r>
+            <a:r>
+              <a:rPr lang="en-IN" dirty="0" smtClean="0"/>
+              <a:t>  expression </a:t>
+            </a:r>
+            <a:r>
+              <a:rPr lang="en-IN" dirty="0"/>
+              <a:t>and </a:t>
+            </a:r>
+            <a:r>
+              <a:rPr lang="en-IN" dirty="0" smtClean="0"/>
+              <a:t>	the </a:t>
+            </a:r>
+            <a:r>
+              <a:rPr lang="en-IN" dirty="0"/>
+              <a:t>context in which the expression appears. </a:t>
+            </a:r>
+            <a:r>
+              <a:rPr lang="en-IN" dirty="0" smtClean="0"/>
+              <a:t>Example</a:t>
+            </a:r>
+          </a:p>
+          <a:p>
+            <a:pPr marL="0" indent="0">
+              <a:buNone/>
+            </a:pPr>
+            <a:r>
+              <a:rPr lang="en-IN" dirty="0" smtClean="0"/>
+              <a:t>     	List&lt;String&gt; = new </a:t>
+            </a:r>
+            <a:r>
+              <a:rPr lang="en-IN" dirty="0" err="1" smtClean="0"/>
+              <a:t>ArrayList</a:t>
+            </a:r>
+            <a:r>
+              <a:rPr lang="en-IN" dirty="0" smtClean="0"/>
+              <a:t>&lt;&gt;();</a:t>
+            </a:r>
+          </a:p>
+          <a:p>
+            <a:pPr marL="0" indent="0">
+              <a:buNone/>
+            </a:pPr>
+            <a:endParaRPr lang="en-IN" dirty="0" smtClean="0"/>
+          </a:p>
+          <a:p>
+            <a:pPr marL="342900" indent="-342900"/>
+            <a:r>
+              <a:rPr lang="en-IN" dirty="0"/>
+              <a:t>When an expression appears in a context, its type must be compatible with a type expected in that context.  The expected type is called the target type. </a:t>
+            </a:r>
+          </a:p>
+          <a:p>
+            <a:pPr marL="0" indent="0">
+              <a:buNone/>
+            </a:pPr>
+            <a:endParaRPr lang="en-IN" dirty="0" smtClean="0"/>
+          </a:p>
+          <a:p>
+            <a:pPr marL="0" indent="0">
+              <a:buNone/>
+            </a:pPr>
+            <a:endParaRPr lang="en-IN" dirty="0"/>
+          </a:p>
+          <a:p>
+            <a:pPr marL="342900" indent="-342900"/>
+            <a:endParaRPr lang="en-IN" dirty="0" smtClean="0"/>
+          </a:p>
+          <a:p>
+            <a:pPr marL="342900" indent="-342900"/>
+            <a:endParaRPr lang="en-IN" dirty="0" smtClean="0"/>
+          </a:p>
+          <a:p>
+            <a:pPr marL="0" indent="0">
+              <a:buNone/>
+            </a:pPr>
+            <a:endParaRPr lang="en-IN" dirty="0"/>
+          </a:p>
+          <a:p>
+            <a:pPr marL="0" indent="0">
+              <a:buNone/>
+            </a:pPr>
+            <a:endParaRPr lang="en-IN" dirty="0"/>
+          </a:p>
+          <a:p>
+            <a:pPr marL="0" indent="0">
+              <a:buNone/>
+            </a:pPr>
+            <a:endParaRPr lang="en-IN" dirty="0"/>
+          </a:p>
+          <a:p>
+            <a:pPr marL="0" indent="0">
+              <a:buNone/>
+            </a:pPr>
+            <a:endParaRPr lang="en-IN" dirty="0"/>
+          </a:p>
+          <a:p>
+            <a:pPr marL="342900" indent="-342900"/>
+            <a:endParaRPr lang="en-IN" dirty="0"/>
+          </a:p>
+          <a:p>
+            <a:endParaRPr lang="en-US" dirty="0"/>
+          </a:p>
+        </p:txBody>
+      </p:sp>
+      <p:sp>
+        <p:nvSpPr>
+          <p:cNvPr id="2" name="Title 1"/>
+          <p:cNvSpPr>
+            <a:spLocks noGrp="1"/>
+          </p:cNvSpPr>
+          <p:nvPr>
+            <p:ph type="title"/>
+          </p:nvPr>
+        </p:nvSpPr>
+        <p:spPr>
+          <a:xfrm>
+            <a:off x="457200" y="431906"/>
+            <a:ext cx="8229600" cy="468207"/>
+          </a:xfrm>
+        </p:spPr>
+        <p:txBody>
+          <a:bodyPr>
+            <a:normAutofit fontScale="90000"/>
+          </a:bodyPr>
+          <a:lstStyle/>
+          <a:p>
+            <a:r>
+              <a:rPr lang="en-US" dirty="0" smtClean="0"/>
+              <a:t>Lesson 7 </a:t>
+            </a:r>
+            <a:r>
+              <a:rPr lang="en-US" dirty="0"/>
+              <a:t>: Target Typing </a:t>
+            </a:r>
+          </a:p>
+        </p:txBody>
+      </p:sp>
+      <p:sp>
+        <p:nvSpPr>
+          <p:cNvPr id="4" name="Date Placeholder 3"/>
+          <p:cNvSpPr>
+            <a:spLocks noGrp="1"/>
+          </p:cNvSpPr>
+          <p:nvPr>
+            <p:ph type="dt" sz="half" idx="10"/>
+          </p:nvPr>
+        </p:nvSpPr>
+        <p:spPr>
+          <a:xfrm>
+            <a:off x="4636897" y="4877514"/>
+            <a:ext cx="721106" cy="205743"/>
+          </a:xfrm>
+        </p:spPr>
+        <p:txBody>
+          <a:bodyPr/>
+          <a:lstStyle/>
+          <a:p>
+            <a:fld id="{3FE8D249-C662-48EE-B897-711C67200507}" type="datetime1">
+              <a:rPr lang="en-IN" smtClean="0"/>
+              <a:t>27-09-2016</a:t>
             </a:fld>
             <a:endParaRPr lang="en-IN" dirty="0"/>
           </a:p>
@@ -20252,7 +21302,7 @@
 </p:sld>
 </file>
 
-<file path=ppt/slides/slide39.xml><?xml version="1.0" encoding="utf-8"?>
+<file path=ppt/slides/slide42.xml><?xml version="1.0" encoding="utf-8"?>
 <p:sld xmlns:a="http://schemas.openxmlformats.org/drawingml/2006/main" xmlns:r="http://schemas.openxmlformats.org/officeDocument/2006/relationships" xmlns:p="http://schemas.openxmlformats.org/presentationml/2006/main">
   <p:cSld>
     <p:spTree>
@@ -20783,7 +21833,7 @@
           <a:p>
             <a:fld id="{3FE8D249-C662-48EE-B897-711C67200507}" type="datetime1">
               <a:rPr lang="en-IN" smtClean="0"/>
-              <a:t>24-08-2016</a:t>
+              <a:t>27-09-2016</a:t>
             </a:fld>
             <a:endParaRPr lang="en-IN" dirty="0"/>
           </a:p>
@@ -20857,180 +21907,7 @@
 </p:sld>
 </file>
 
-<file path=ppt/slides/slide4.xml><?xml version="1.0" encoding="utf-8"?>
-<p:sld xmlns:a="http://schemas.openxmlformats.org/drawingml/2006/main" xmlns:r="http://schemas.openxmlformats.org/officeDocument/2006/relationships" xmlns:p="http://schemas.openxmlformats.org/presentationml/2006/main">
-  <p:cSld>
-    <p:spTree>
-      <p:nvGrpSpPr>
-        <p:cNvPr id="1" name=""/>
-        <p:cNvGrpSpPr/>
-        <p:nvPr/>
-      </p:nvGrpSpPr>
-      <p:grpSpPr>
-        <a:xfrm>
-          <a:off x="0" y="0"/>
-          <a:ext cx="0" cy="0"/>
-          <a:chOff x="0" y="0"/>
-          <a:chExt cx="0" cy="0"/>
-        </a:xfrm>
-      </p:grpSpPr>
-      <p:sp>
-        <p:nvSpPr>
-          <p:cNvPr id="2" name="Title 1"/>
-          <p:cNvSpPr>
-            <a:spLocks noGrp="1"/>
-          </p:cNvSpPr>
-          <p:nvPr>
-            <p:ph type="title"/>
-          </p:nvPr>
-        </p:nvSpPr>
-        <p:spPr/>
-        <p:txBody>
-          <a:bodyPr/>
-          <a:lstStyle/>
-          <a:p>
-            <a:r>
-              <a:rPr lang="en-US" dirty="0"/>
-              <a:t>Topics covered</a:t>
-            </a:r>
-            <a:endParaRPr lang="en-IN" dirty="0"/>
-          </a:p>
-        </p:txBody>
-      </p:sp>
-      <p:sp>
-        <p:nvSpPr>
-          <p:cNvPr id="3" name="Content Placeholder 2"/>
-          <p:cNvSpPr>
-            <a:spLocks noGrp="1"/>
-          </p:cNvSpPr>
-          <p:nvPr>
-            <p:ph idx="1"/>
-          </p:nvPr>
-        </p:nvSpPr>
-        <p:spPr/>
-        <p:txBody>
-          <a:bodyPr>
-            <a:normAutofit lnSpcReduction="10000"/>
-          </a:bodyPr>
-          <a:lstStyle/>
-          <a:p>
-            <a:r>
-              <a:rPr lang="en-US" dirty="0"/>
-              <a:t>Lesson 1: Lambda expression</a:t>
-            </a:r>
-          </a:p>
-          <a:p>
-            <a:r>
-              <a:rPr lang="en-US" dirty="0"/>
-              <a:t>Lesson 2: Lambda expression rules and pattern</a:t>
-            </a:r>
-          </a:p>
-          <a:p>
-            <a:r>
-              <a:rPr lang="en-US" dirty="0"/>
-              <a:t>Lesson 3: Scopes in Lambda</a:t>
-            </a:r>
-          </a:p>
-          <a:p>
-            <a:r>
-              <a:rPr lang="en-US" dirty="0"/>
-              <a:t>Lesson 4: Functional Interface</a:t>
-            </a:r>
-          </a:p>
-          <a:p>
-            <a:r>
-              <a:rPr lang="en-US" dirty="0"/>
-              <a:t>Lesson 5: Functional interface in Java API</a:t>
-            </a:r>
-          </a:p>
-          <a:p>
-            <a:r>
-              <a:rPr lang="en-US" dirty="0"/>
-              <a:t>Lesson 6: Method and constructor reference</a:t>
-            </a:r>
-          </a:p>
-          <a:p>
-            <a:r>
-              <a:rPr lang="en-US" dirty="0"/>
-              <a:t>Lesson 7: Target Typing </a:t>
-            </a:r>
-          </a:p>
-          <a:p>
-            <a:r>
-              <a:rPr lang="en-US" dirty="0"/>
-              <a:t>Lesson 8: Design API using Lambda</a:t>
-            </a:r>
-            <a:endParaRPr lang="en-IN" dirty="0"/>
-          </a:p>
-        </p:txBody>
-      </p:sp>
-      <p:sp>
-        <p:nvSpPr>
-          <p:cNvPr id="4" name="Date Placeholder 3"/>
-          <p:cNvSpPr>
-            <a:spLocks noGrp="1"/>
-          </p:cNvSpPr>
-          <p:nvPr>
-            <p:ph type="dt" sz="half" idx="10"/>
-          </p:nvPr>
-        </p:nvSpPr>
-        <p:spPr/>
-        <p:txBody>
-          <a:bodyPr/>
-          <a:lstStyle/>
-          <a:p>
-            <a:fld id="{4C369893-118B-48C6-BF17-F994C9C43D94}" type="datetime1">
-              <a:rPr lang="en-IN" smtClean="0"/>
-              <a:t>24-08-2016</a:t>
-            </a:fld>
-            <a:endParaRPr lang="en-IN"/>
-          </a:p>
-        </p:txBody>
-      </p:sp>
-      <p:sp>
-        <p:nvSpPr>
-          <p:cNvPr id="5" name="Footer Placeholder 4"/>
-          <p:cNvSpPr>
-            <a:spLocks noGrp="1"/>
-          </p:cNvSpPr>
-          <p:nvPr>
-            <p:ph type="ftr" sz="quarter" idx="11"/>
-          </p:nvPr>
-        </p:nvSpPr>
-        <p:spPr/>
-        <p:txBody>
-          <a:bodyPr/>
-          <a:lstStyle/>
-          <a:p>
-            <a:r>
-              <a:rPr lang="en-IN" smtClean="0"/>
-              <a:t>www.zensar.com  |  © Zensar Technologies 2016</a:t>
-            </a:r>
-            <a:endParaRPr lang="en-IN"/>
-          </a:p>
-        </p:txBody>
-      </p:sp>
-    </p:spTree>
-    <p:extLst>
-      <p:ext uri="{BB962C8B-B14F-4D97-AF65-F5344CB8AC3E}">
-        <p14:creationId xmlns:p14="http://schemas.microsoft.com/office/powerpoint/2010/main" val="2244637676"/>
-      </p:ext>
-    </p:extLst>
-  </p:cSld>
-  <p:clrMapOvr>
-    <a:masterClrMapping/>
-  </p:clrMapOvr>
-  <p:timing>
-    <p:tnLst>
-      <p:par>
-        <p:cTn id="1" dur="indefinite" restart="never" nodeType="tmRoot"/>
-      </p:par>
-    </p:tnLst>
-  </p:timing>
-</p:sld>
-</file>
-
-<file path=ppt/slides/slide40.xml><?xml version="1.0" encoding="utf-8"?>
+<file path=ppt/slides/slide43.xml><?xml version="1.0" encoding="utf-8"?>
 <p:sld xmlns:a="http://schemas.openxmlformats.org/drawingml/2006/main" xmlns:r="http://schemas.openxmlformats.org/officeDocument/2006/relationships" xmlns:p="http://schemas.openxmlformats.org/presentationml/2006/main">
   <p:cSld>
     <p:spTree>
@@ -21410,7 +22287,7 @@
           <a:p>
             <a:fld id="{3FE8D249-C662-48EE-B897-711C67200507}" type="datetime1">
               <a:rPr lang="en-IN" smtClean="0"/>
-              <a:t>24-08-2016</a:t>
+              <a:t>27-09-2016</a:t>
             </a:fld>
             <a:endParaRPr lang="en-IN" dirty="0"/>
           </a:p>
@@ -21484,7 +22361,7 @@
 </p:sld>
 </file>
 
-<file path=ppt/slides/slide41.xml><?xml version="1.0" encoding="utf-8"?>
+<file path=ppt/slides/slide44.xml><?xml version="1.0" encoding="utf-8"?>
 <p:sld xmlns:a="http://schemas.openxmlformats.org/drawingml/2006/main" xmlns:r="http://schemas.openxmlformats.org/officeDocument/2006/relationships" xmlns:p="http://schemas.openxmlformats.org/presentationml/2006/main">
   <p:cSld>
     <p:spTree>
@@ -22245,7 +23122,7 @@
           <a:p>
             <a:fld id="{3FE8D249-C662-48EE-B897-711C67200507}" type="datetime1">
               <a:rPr lang="en-IN" smtClean="0"/>
-              <a:t>24-08-2016</a:t>
+              <a:t>27-09-2016</a:t>
             </a:fld>
             <a:endParaRPr lang="en-IN" dirty="0"/>
           </a:p>
@@ -22291,644 +23168,6 @@
     <p:extLst>
       <p:ext uri="{BB962C8B-B14F-4D97-AF65-F5344CB8AC3E}">
         <p14:creationId xmlns:p14="http://schemas.microsoft.com/office/powerpoint/2010/main" val="2016651005"/>
-      </p:ext>
-    </p:extLst>
-  </p:cSld>
-  <p:clrMapOvr>
-    <a:masterClrMapping/>
-  </p:clrMapOvr>
-  <mc:AlternateContent xmlns:mc="http://schemas.openxmlformats.org/markup-compatibility/2006" xmlns:p14="http://schemas.microsoft.com/office/powerpoint/2010/main">
-    <mc:Choice Requires="p14">
-      <p:transition spd="med" p14:dur="700">
-        <p:fade/>
-      </p:transition>
-    </mc:Choice>
-    <mc:Fallback xmlns="">
-      <p:transition spd="med">
-        <p:fade/>
-      </p:transition>
-    </mc:Fallback>
-  </mc:AlternateContent>
-  <p:timing>
-    <p:tnLst>
-      <p:par>
-        <p:cTn id="1" dur="indefinite" restart="never" nodeType="tmRoot"/>
-      </p:par>
-    </p:tnLst>
-  </p:timing>
-</p:sld>
-</file>
-
-<file path=ppt/slides/slide42.xml><?xml version="1.0" encoding="utf-8"?>
-<p:sld xmlns:a="http://schemas.openxmlformats.org/drawingml/2006/main" xmlns:r="http://schemas.openxmlformats.org/officeDocument/2006/relationships" xmlns:p="http://schemas.openxmlformats.org/presentationml/2006/main">
-  <p:cSld>
-    <p:spTree>
-      <p:nvGrpSpPr>
-        <p:cNvPr id="1" name=""/>
-        <p:cNvGrpSpPr/>
-        <p:nvPr/>
-      </p:nvGrpSpPr>
-      <p:grpSpPr>
-        <a:xfrm>
-          <a:off x="0" y="0"/>
-          <a:ext cx="0" cy="0"/>
-          <a:chOff x="0" y="0"/>
-          <a:chExt cx="0" cy="0"/>
-        </a:xfrm>
-      </p:grpSpPr>
-      <p:sp>
-        <p:nvSpPr>
-          <p:cNvPr id="3" name="Content Placeholder 2"/>
-          <p:cNvSpPr>
-            <a:spLocks noGrp="1"/>
-          </p:cNvSpPr>
-          <p:nvPr>
-            <p:ph idx="1"/>
-          </p:nvPr>
-        </p:nvSpPr>
-        <p:spPr/>
-        <p:txBody>
-          <a:bodyPr>
-            <a:normAutofit fontScale="85000" lnSpcReduction="20000"/>
-          </a:bodyPr>
-          <a:lstStyle/>
-          <a:p>
-            <a:r>
-              <a:rPr lang="en-IN" dirty="0"/>
-              <a:t>A lambda expression describes an anonymous function</a:t>
-            </a:r>
-            <a:r>
-              <a:rPr lang="en-US" dirty="0"/>
-              <a:t>. </a:t>
-            </a:r>
-          </a:p>
-          <a:p>
-            <a:endParaRPr lang="en-US" dirty="0"/>
-          </a:p>
-          <a:p>
-            <a:r>
-              <a:rPr lang="en-IN" dirty="0"/>
-              <a:t>A lambda expression is instance of functional interface.</a:t>
-            </a:r>
-          </a:p>
-          <a:p>
-            <a:endParaRPr lang="en-IN" dirty="0"/>
-          </a:p>
-          <a:p>
-            <a:r>
-              <a:rPr lang="en-IN" dirty="0"/>
-              <a:t>Functional interface is having only one and one abstract method.</a:t>
-            </a:r>
-          </a:p>
-          <a:p>
-            <a:endParaRPr lang="en-IN" dirty="0"/>
-          </a:p>
-          <a:p>
-            <a:r>
-              <a:rPr lang="en-IN" dirty="0"/>
-              <a:t>Java 8 comes with a list of common functional interfaces in the </a:t>
-            </a:r>
-            <a:r>
-              <a:rPr lang="en-IN" dirty="0" err="1"/>
-              <a:t>java.util</a:t>
-            </a:r>
-            <a:r>
-              <a:rPr lang="en-IN" dirty="0"/>
-              <a:t> .function package, which includes Predicate&lt;T&gt;, Function&lt;T, R&gt;, Supplier&lt;T&gt;, Consumer&lt;T&gt;, and </a:t>
-            </a:r>
-            <a:r>
-              <a:rPr lang="en-IN" dirty="0" err="1"/>
-              <a:t>BinaryOperator</a:t>
-            </a:r>
-            <a:r>
-              <a:rPr lang="en-IN" dirty="0"/>
-              <a:t>&lt;T&gt;.</a:t>
-            </a:r>
-          </a:p>
-          <a:p>
-            <a:endParaRPr lang="en-IN" dirty="0"/>
-          </a:p>
-          <a:p>
-            <a:r>
-              <a:rPr lang="en-IN" dirty="0"/>
-              <a:t>All the argument for most of Steam API methods are lambda expression.</a:t>
-            </a:r>
-          </a:p>
-          <a:p>
-            <a:endParaRPr lang="en-US" dirty="0"/>
-          </a:p>
-        </p:txBody>
-      </p:sp>
-      <p:sp>
-        <p:nvSpPr>
-          <p:cNvPr id="2" name="Title 1"/>
-          <p:cNvSpPr>
-            <a:spLocks noGrp="1"/>
-          </p:cNvSpPr>
-          <p:nvPr>
-            <p:ph type="title"/>
-          </p:nvPr>
-        </p:nvSpPr>
-        <p:spPr/>
-        <p:txBody>
-          <a:bodyPr/>
-          <a:lstStyle/>
-          <a:p>
-            <a:r>
-              <a:rPr lang="en-US" dirty="0" smtClean="0"/>
-              <a:t>Summary </a:t>
-            </a:r>
-            <a:r>
-              <a:rPr lang="en-US" dirty="0" smtClean="0"/>
-              <a:t> </a:t>
-            </a:r>
-            <a:endParaRPr lang="en-US" dirty="0"/>
-          </a:p>
-        </p:txBody>
-      </p:sp>
-      <p:sp>
-        <p:nvSpPr>
-          <p:cNvPr id="4" name="Date Placeholder 3"/>
-          <p:cNvSpPr>
-            <a:spLocks noGrp="1"/>
-          </p:cNvSpPr>
-          <p:nvPr>
-            <p:ph type="dt" sz="half" idx="10"/>
-          </p:nvPr>
-        </p:nvSpPr>
-        <p:spPr>
-          <a:xfrm>
-            <a:off x="4636897" y="4877514"/>
-            <a:ext cx="721106" cy="205743"/>
-          </a:xfrm>
-        </p:spPr>
-        <p:txBody>
-          <a:bodyPr/>
-          <a:lstStyle/>
-          <a:p>
-            <a:fld id="{3FE8D249-C662-48EE-B897-711C67200507}" type="datetime1">
-              <a:rPr lang="en-IN" smtClean="0"/>
-              <a:t>24-08-2016</a:t>
-            </a:fld>
-            <a:endParaRPr lang="en-IN" dirty="0"/>
-          </a:p>
-        </p:txBody>
-      </p:sp>
-      <p:sp>
-        <p:nvSpPr>
-          <p:cNvPr id="5" name="Footer Placeholder 4"/>
-          <p:cNvSpPr>
-            <a:spLocks noGrp="1"/>
-          </p:cNvSpPr>
-          <p:nvPr>
-            <p:ph type="ftr" sz="quarter" idx="11"/>
-          </p:nvPr>
-        </p:nvSpPr>
-        <p:spPr>
-          <a:xfrm>
-            <a:off x="5481153" y="4877514"/>
-            <a:ext cx="2550495" cy="205743"/>
-          </a:xfrm>
-        </p:spPr>
-        <p:txBody>
-          <a:bodyPr/>
-          <a:lstStyle/>
-          <a:p>
-            <a:r>
-              <a:rPr lang="en-IN" dirty="0" smtClean="0"/>
-              <a:t>www.zensar.com  |  © </a:t>
-            </a:r>
-            <a:r>
-              <a:rPr lang="en-IN" dirty="0" err="1" smtClean="0"/>
-              <a:t>Zensar</a:t>
-            </a:r>
-            <a:r>
-              <a:rPr lang="en-IN" dirty="0" smtClean="0"/>
-              <a:t> Technologies 2016</a:t>
-            </a:r>
-            <a:endParaRPr lang="en-IN" dirty="0"/>
-          </a:p>
-        </p:txBody>
-      </p:sp>
-    </p:spTree>
-    <p:extLst>
-      <p:ext uri="{BB962C8B-B14F-4D97-AF65-F5344CB8AC3E}">
-        <p14:creationId xmlns:p14="http://schemas.microsoft.com/office/powerpoint/2010/main" val="3813808854"/>
-      </p:ext>
-    </p:extLst>
-  </p:cSld>
-  <p:clrMapOvr>
-    <a:masterClrMapping/>
-  </p:clrMapOvr>
-  <mc:AlternateContent xmlns:mc="http://schemas.openxmlformats.org/markup-compatibility/2006" xmlns:p14="http://schemas.microsoft.com/office/powerpoint/2010/main">
-    <mc:Choice Requires="p14">
-      <p:transition spd="med" p14:dur="700">
-        <p:fade/>
-      </p:transition>
-    </mc:Choice>
-    <mc:Fallback xmlns="">
-      <p:transition spd="med">
-        <p:fade/>
-      </p:transition>
-    </mc:Fallback>
-  </mc:AlternateContent>
-  <p:timing>
-    <p:tnLst>
-      <p:par>
-        <p:cTn id="1" dur="indefinite" restart="never" nodeType="tmRoot"/>
-      </p:par>
-    </p:tnLst>
-  </p:timing>
-</p:sld>
-</file>
-
-<file path=ppt/slides/slide43.xml><?xml version="1.0" encoding="utf-8"?>
-<p:sld xmlns:a="http://schemas.openxmlformats.org/drawingml/2006/main" xmlns:r="http://schemas.openxmlformats.org/officeDocument/2006/relationships" xmlns:p="http://schemas.openxmlformats.org/presentationml/2006/main">
-  <p:cSld>
-    <p:spTree>
-      <p:nvGrpSpPr>
-        <p:cNvPr id="1" name=""/>
-        <p:cNvGrpSpPr/>
-        <p:nvPr/>
-      </p:nvGrpSpPr>
-      <p:grpSpPr>
-        <a:xfrm>
-          <a:off x="0" y="0"/>
-          <a:ext cx="0" cy="0"/>
-          <a:chOff x="0" y="0"/>
-          <a:chExt cx="0" cy="0"/>
-        </a:xfrm>
-      </p:grpSpPr>
-      <p:sp>
-        <p:nvSpPr>
-          <p:cNvPr id="3" name="Content Placeholder 2"/>
-          <p:cNvSpPr>
-            <a:spLocks noGrp="1"/>
-          </p:cNvSpPr>
-          <p:nvPr>
-            <p:ph idx="1"/>
-          </p:nvPr>
-        </p:nvSpPr>
-        <p:spPr/>
-        <p:txBody>
-          <a:bodyPr>
-            <a:normAutofit fontScale="92500" lnSpcReduction="20000"/>
-          </a:bodyPr>
-          <a:lstStyle/>
-          <a:p>
-            <a:r>
-              <a:rPr lang="en-IN" dirty="0" smtClean="0"/>
-              <a:t> </a:t>
-            </a:r>
-            <a:r>
-              <a:rPr lang="en-IN" dirty="0"/>
-              <a:t>There are primitive specializations of common generic functional interfaces such as Predicate&lt;T&gt; and Function&lt;T, R&gt; that can be used to avoid boxing operations: </a:t>
-            </a:r>
-            <a:r>
-              <a:rPr lang="en-IN" dirty="0" err="1"/>
-              <a:t>IntPredicate</a:t>
-            </a:r>
-            <a:r>
-              <a:rPr lang="en-IN" dirty="0"/>
-              <a:t>, </a:t>
-            </a:r>
-            <a:r>
-              <a:rPr lang="en-IN" dirty="0" err="1"/>
-              <a:t>IntToLongFunction</a:t>
-            </a:r>
-            <a:r>
-              <a:rPr lang="en-IN" dirty="0"/>
-              <a:t>, and so on.</a:t>
-            </a:r>
-          </a:p>
-          <a:p>
-            <a:endParaRPr lang="en-IN" dirty="0"/>
-          </a:p>
-          <a:p>
-            <a:r>
-              <a:rPr lang="en-IN" dirty="0"/>
-              <a:t>Method references let you reuse an existing method implementation and pass it around directly.</a:t>
-            </a:r>
-          </a:p>
-          <a:p>
-            <a:endParaRPr lang="en-IN" dirty="0"/>
-          </a:p>
-          <a:p>
-            <a:r>
-              <a:rPr lang="en-IN" dirty="0"/>
-              <a:t>The type expected for a lambda expression is called the target type.</a:t>
-            </a:r>
-          </a:p>
-          <a:p>
-            <a:endParaRPr lang="en-IN" dirty="0"/>
-          </a:p>
-          <a:p>
-            <a:r>
-              <a:rPr lang="en-IN" dirty="0"/>
-              <a:t>Lambda expression should match the signature of abstract method of functional interface.</a:t>
-            </a:r>
-          </a:p>
-          <a:p>
-            <a:endParaRPr lang="en-IN" dirty="0"/>
-          </a:p>
-          <a:p>
-            <a:endParaRPr lang="en-US" dirty="0"/>
-          </a:p>
-        </p:txBody>
-      </p:sp>
-      <p:sp>
-        <p:nvSpPr>
-          <p:cNvPr id="2" name="Title 1"/>
-          <p:cNvSpPr>
-            <a:spLocks noGrp="1"/>
-          </p:cNvSpPr>
-          <p:nvPr>
-            <p:ph type="title"/>
-          </p:nvPr>
-        </p:nvSpPr>
-        <p:spPr/>
-        <p:txBody>
-          <a:bodyPr/>
-          <a:lstStyle/>
-          <a:p>
-            <a:r>
-              <a:rPr lang="en-US" dirty="0" smtClean="0"/>
-              <a:t>Summary </a:t>
-            </a:r>
-            <a:r>
-              <a:rPr lang="en-US" dirty="0" smtClean="0"/>
-              <a:t> </a:t>
-            </a:r>
-            <a:endParaRPr lang="en-US" dirty="0"/>
-          </a:p>
-        </p:txBody>
-      </p:sp>
-      <p:sp>
-        <p:nvSpPr>
-          <p:cNvPr id="4" name="Date Placeholder 3"/>
-          <p:cNvSpPr>
-            <a:spLocks noGrp="1"/>
-          </p:cNvSpPr>
-          <p:nvPr>
-            <p:ph type="dt" sz="half" idx="10"/>
-          </p:nvPr>
-        </p:nvSpPr>
-        <p:spPr>
-          <a:xfrm>
-            <a:off x="4636897" y="4877514"/>
-            <a:ext cx="721106" cy="205743"/>
-          </a:xfrm>
-        </p:spPr>
-        <p:txBody>
-          <a:bodyPr/>
-          <a:lstStyle/>
-          <a:p>
-            <a:fld id="{3FE8D249-C662-48EE-B897-711C67200507}" type="datetime1">
-              <a:rPr lang="en-IN" smtClean="0"/>
-              <a:t>24-08-2016</a:t>
-            </a:fld>
-            <a:endParaRPr lang="en-IN" dirty="0"/>
-          </a:p>
-        </p:txBody>
-      </p:sp>
-      <p:sp>
-        <p:nvSpPr>
-          <p:cNvPr id="5" name="Footer Placeholder 4"/>
-          <p:cNvSpPr>
-            <a:spLocks noGrp="1"/>
-          </p:cNvSpPr>
-          <p:nvPr>
-            <p:ph type="ftr" sz="quarter" idx="11"/>
-          </p:nvPr>
-        </p:nvSpPr>
-        <p:spPr>
-          <a:xfrm>
-            <a:off x="5481153" y="4877514"/>
-            <a:ext cx="2550495" cy="205743"/>
-          </a:xfrm>
-        </p:spPr>
-        <p:txBody>
-          <a:bodyPr/>
-          <a:lstStyle/>
-          <a:p>
-            <a:r>
-              <a:rPr lang="en-IN" dirty="0" smtClean="0"/>
-              <a:t>www.zensar.com  |  © </a:t>
-            </a:r>
-            <a:r>
-              <a:rPr lang="en-IN" dirty="0" err="1" smtClean="0"/>
-              <a:t>Zensar</a:t>
-            </a:r>
-            <a:r>
-              <a:rPr lang="en-IN" dirty="0" smtClean="0"/>
-              <a:t> Technologies 2016</a:t>
-            </a:r>
-            <a:endParaRPr lang="en-IN" dirty="0"/>
-          </a:p>
-        </p:txBody>
-      </p:sp>
-    </p:spTree>
-    <p:extLst>
-      <p:ext uri="{BB962C8B-B14F-4D97-AF65-F5344CB8AC3E}">
-        <p14:creationId xmlns:p14="http://schemas.microsoft.com/office/powerpoint/2010/main" val="1211609300"/>
-      </p:ext>
-    </p:extLst>
-  </p:cSld>
-  <p:clrMapOvr>
-    <a:masterClrMapping/>
-  </p:clrMapOvr>
-  <mc:AlternateContent xmlns:mc="http://schemas.openxmlformats.org/markup-compatibility/2006" xmlns:p14="http://schemas.microsoft.com/office/powerpoint/2010/main">
-    <mc:Choice Requires="p14">
-      <p:transition spd="med" p14:dur="700">
-        <p:fade/>
-      </p:transition>
-    </mc:Choice>
-    <mc:Fallback xmlns="">
-      <p:transition spd="med">
-        <p:fade/>
-      </p:transition>
-    </mc:Fallback>
-  </mc:AlternateContent>
-  <p:timing>
-    <p:tnLst>
-      <p:par>
-        <p:cTn id="1" dur="indefinite" restart="never" nodeType="tmRoot"/>
-      </p:par>
-    </p:tnLst>
-  </p:timing>
-</p:sld>
-</file>
-
-<file path=ppt/slides/slide44.xml><?xml version="1.0" encoding="utf-8"?>
-<p:sld xmlns:a="http://schemas.openxmlformats.org/drawingml/2006/main" xmlns:r="http://schemas.openxmlformats.org/officeDocument/2006/relationships" xmlns:p="http://schemas.openxmlformats.org/presentationml/2006/main">
-  <p:cSld>
-    <p:spTree>
-      <p:nvGrpSpPr>
-        <p:cNvPr id="1" name=""/>
-        <p:cNvGrpSpPr/>
-        <p:nvPr/>
-      </p:nvGrpSpPr>
-      <p:grpSpPr>
-        <a:xfrm>
-          <a:off x="0" y="0"/>
-          <a:ext cx="0" cy="0"/>
-          <a:chOff x="0" y="0"/>
-          <a:chExt cx="0" cy="0"/>
-        </a:xfrm>
-      </p:grpSpPr>
-      <p:sp>
-        <p:nvSpPr>
-          <p:cNvPr id="3" name="Content Placeholder 2"/>
-          <p:cNvSpPr>
-            <a:spLocks noGrp="1"/>
-          </p:cNvSpPr>
-          <p:nvPr>
-            <p:ph idx="1"/>
-          </p:nvPr>
-        </p:nvSpPr>
-        <p:spPr/>
-        <p:txBody>
-          <a:bodyPr>
-            <a:normAutofit/>
-          </a:bodyPr>
-          <a:lstStyle/>
-          <a:p>
-            <a:pPr marL="109728" indent="0">
-              <a:buNone/>
-            </a:pPr>
-            <a:endParaRPr lang="en-US" dirty="0"/>
-          </a:p>
-          <a:p>
-            <a:pPr lvl="1"/>
-            <a:r>
-              <a:rPr lang="en-US" dirty="0"/>
-              <a:t>https://docs.oracle.com/javase/tutorial/java/javaOO/lambdaexpressions.html Provide handouts with additional resource material.</a:t>
-            </a:r>
-          </a:p>
-          <a:p>
-            <a:pPr lvl="1"/>
-            <a:endParaRPr lang="en-US" dirty="0"/>
-          </a:p>
-          <a:p>
-            <a:pPr lvl="1"/>
-            <a:r>
-              <a:rPr lang="en-US" dirty="0">
-                <a:hlinkClick r:id="rId2"/>
-              </a:rPr>
-              <a:t>http://www.oracle.com/webfolder/technetwork/tutorials/obe/java/Lambda-QuickStart/index.html</a:t>
-            </a:r>
-            <a:endParaRPr lang="en-US" dirty="0"/>
-          </a:p>
-          <a:p>
-            <a:pPr lvl="1"/>
-            <a:endParaRPr lang="en-US" dirty="0"/>
-          </a:p>
-          <a:p>
-            <a:pPr lvl="1"/>
-            <a:r>
-              <a:rPr lang="en-US" dirty="0"/>
-              <a:t>http://www.javaworld.com/article/2092260/java-se/java-programming-with-lambda-expressions.html</a:t>
-            </a:r>
-          </a:p>
-          <a:p>
-            <a:endParaRPr lang="en-IN" dirty="0"/>
-          </a:p>
-          <a:p>
-            <a:endParaRPr lang="en-US" dirty="0"/>
-          </a:p>
-        </p:txBody>
-      </p:sp>
-      <p:sp>
-        <p:nvSpPr>
-          <p:cNvPr id="2" name="Title 1"/>
-          <p:cNvSpPr>
-            <a:spLocks noGrp="1"/>
-          </p:cNvSpPr>
-          <p:nvPr>
-            <p:ph type="title"/>
-          </p:nvPr>
-        </p:nvSpPr>
-        <p:spPr/>
-        <p:txBody>
-          <a:bodyPr/>
-          <a:lstStyle/>
-          <a:p>
-            <a:r>
-              <a:rPr lang="en-US" dirty="0" smtClean="0"/>
-              <a:t>Resources</a:t>
-            </a:r>
-            <a:endParaRPr lang="en-US" dirty="0"/>
-          </a:p>
-        </p:txBody>
-      </p:sp>
-      <p:sp>
-        <p:nvSpPr>
-          <p:cNvPr id="4" name="Date Placeholder 3"/>
-          <p:cNvSpPr>
-            <a:spLocks noGrp="1"/>
-          </p:cNvSpPr>
-          <p:nvPr>
-            <p:ph type="dt" sz="half" idx="10"/>
-          </p:nvPr>
-        </p:nvSpPr>
-        <p:spPr>
-          <a:xfrm>
-            <a:off x="4636897" y="4877514"/>
-            <a:ext cx="721106" cy="205743"/>
-          </a:xfrm>
-        </p:spPr>
-        <p:txBody>
-          <a:bodyPr/>
-          <a:lstStyle/>
-          <a:p>
-            <a:fld id="{3FE8D249-C662-48EE-B897-711C67200507}" type="datetime1">
-              <a:rPr lang="en-IN" smtClean="0"/>
-              <a:t>24-08-2016</a:t>
-            </a:fld>
-            <a:endParaRPr lang="en-IN" dirty="0"/>
-          </a:p>
-        </p:txBody>
-      </p:sp>
-      <p:sp>
-        <p:nvSpPr>
-          <p:cNvPr id="5" name="Footer Placeholder 4"/>
-          <p:cNvSpPr>
-            <a:spLocks noGrp="1"/>
-          </p:cNvSpPr>
-          <p:nvPr>
-            <p:ph type="ftr" sz="quarter" idx="11"/>
-          </p:nvPr>
-        </p:nvSpPr>
-        <p:spPr>
-          <a:xfrm>
-            <a:off x="5481153" y="4877514"/>
-            <a:ext cx="2550495" cy="205743"/>
-          </a:xfrm>
-        </p:spPr>
-        <p:txBody>
-          <a:bodyPr/>
-          <a:lstStyle/>
-          <a:p>
-            <a:r>
-              <a:rPr lang="en-IN" dirty="0" smtClean="0"/>
-              <a:t>www.zensar.com  |  © </a:t>
-            </a:r>
-            <a:r>
-              <a:rPr lang="en-IN" dirty="0" err="1" smtClean="0"/>
-              <a:t>Zensar</a:t>
-            </a:r>
-            <a:r>
-              <a:rPr lang="en-IN" dirty="0" smtClean="0"/>
-              <a:t> Technologies 2016</a:t>
-            </a:r>
-            <a:endParaRPr lang="en-IN" dirty="0"/>
-          </a:p>
-        </p:txBody>
-      </p:sp>
-    </p:spTree>
-    <p:extLst>
-      <p:ext uri="{BB962C8B-B14F-4D97-AF65-F5344CB8AC3E}">
-        <p14:creationId xmlns:p14="http://schemas.microsoft.com/office/powerpoint/2010/main" val="2394558788"/>
       </p:ext>
     </p:extLst>
   </p:cSld>
@@ -22984,137 +23223,76 @@
             <p:ph idx="1"/>
           </p:nvPr>
         </p:nvSpPr>
-        <p:spPr>
-          <a:xfrm>
-            <a:off x="628649" y="1400783"/>
-            <a:ext cx="8213793" cy="3171217"/>
-          </a:xfrm>
-        </p:spPr>
+        <p:spPr/>
         <p:txBody>
           <a:bodyPr>
-            <a:normAutofit fontScale="70000" lnSpcReduction="20000"/>
+            <a:normAutofit fontScale="85000" lnSpcReduction="20000"/>
           </a:bodyPr>
           <a:lstStyle/>
           <a:p>
-            <a:pPr marL="109728" indent="0">
-              <a:buNone/>
-            </a:pPr>
+            <a:r>
+              <a:rPr lang="en-IN" dirty="0"/>
+              <a:t>A lambda expression describes an anonymous function</a:t>
+            </a:r>
             <a:r>
               <a:rPr lang="en-US" dirty="0"/>
-              <a:t>class Country{</a:t>
-            </a:r>
-          </a:p>
-          <a:p>
-            <a:pPr marL="109728" indent="0">
-              <a:buNone/>
-            </a:pPr>
-            <a:r>
-              <a:rPr lang="en-US" dirty="0"/>
-              <a:t>       String name;</a:t>
-            </a:r>
-          </a:p>
-          <a:p>
-            <a:pPr marL="109728" indent="0">
-              <a:buNone/>
-            </a:pPr>
-            <a:r>
-              <a:rPr lang="en-US" dirty="0"/>
-              <a:t>        Long population.</a:t>
-            </a:r>
-          </a:p>
-          <a:p>
-            <a:pPr marL="109728" indent="0">
-              <a:buNone/>
-            </a:pPr>
-            <a:r>
-              <a:rPr lang="en-US" dirty="0"/>
-              <a:t>        String continent;</a:t>
-            </a:r>
-          </a:p>
-          <a:p>
-            <a:pPr marL="109728" indent="0">
-              <a:buNone/>
-            </a:pPr>
-            <a:r>
-              <a:rPr lang="en-US" dirty="0"/>
-              <a:t>     </a:t>
-            </a:r>
-            <a:r>
-              <a:rPr lang="en-US" dirty="0" smtClean="0"/>
-              <a:t>}</a:t>
-            </a:r>
-          </a:p>
-          <a:p>
-            <a:pPr marL="109728" indent="0">
-              <a:buNone/>
-            </a:pPr>
-            <a:r>
-              <a:rPr lang="en-US" dirty="0" smtClean="0"/>
-              <a:t>     </a:t>
-            </a:r>
-            <a:r>
-              <a:rPr lang="en-US" dirty="0"/>
-              <a:t>Create the array list of country object above and write following code.</a:t>
-            </a:r>
-          </a:p>
-          <a:p>
-            <a:pPr marL="109728" indent="0">
-              <a:buNone/>
-            </a:pPr>
+              <a:t>. </a:t>
+            </a:r>
+          </a:p>
+          <a:p>
             <a:endParaRPr lang="en-US" dirty="0"/>
           </a:p>
           <a:p>
             <a:r>
-              <a:rPr lang="en-US" dirty="0"/>
-              <a:t> Write a reverse name of all the countries</a:t>
-            </a:r>
-            <a:r>
               <a:rPr lang="en-IN" dirty="0"/>
-              <a:t>. </a:t>
+              <a:t>A lambda expression is instance of functional interface.</a:t>
+            </a:r>
+          </a:p>
+          <a:p>
+            <a:endParaRPr lang="en-IN" dirty="0"/>
+          </a:p>
+          <a:p>
+            <a:r>
+              <a:rPr lang="en-IN" dirty="0"/>
+              <a:t>Functional interface is having only one and one abstract method.</a:t>
+            </a:r>
+          </a:p>
+          <a:p>
+            <a:endParaRPr lang="en-IN" dirty="0"/>
+          </a:p>
+          <a:p>
+            <a:r>
+              <a:rPr lang="en-IN" dirty="0"/>
+              <a:t>Java 8 comes with a list of common functional interfaces in the </a:t>
+            </a:r>
+            <a:r>
+              <a:rPr lang="en-IN" dirty="0" err="1"/>
+              <a:t>java.util</a:t>
+            </a:r>
+            <a:r>
+              <a:rPr lang="en-IN" dirty="0"/>
+              <a:t> .function package, which includes Predicate&lt;T&gt;, Function&lt;T, R&gt;, Supplier&lt;T&gt;, Consumer&lt;T&gt;, and </a:t>
+            </a:r>
+            <a:r>
+              <a:rPr lang="en-IN" dirty="0" err="1"/>
+              <a:t>BinaryOperator</a:t>
+            </a:r>
+            <a:r>
+              <a:rPr lang="en-IN" dirty="0"/>
+              <a:t>&lt;T&gt;.</a:t>
+            </a:r>
+          </a:p>
+          <a:p>
+            <a:endParaRPr lang="en-IN" dirty="0"/>
+          </a:p>
+          <a:p>
+            <a:r>
+              <a:rPr lang="en-IN" dirty="0"/>
+              <a:t>All the argument for most of Steam API methods are lambda expression.</a:t>
             </a:r>
           </a:p>
           <a:p>
             <a:endParaRPr lang="en-US" dirty="0"/>
-          </a:p>
-          <a:p>
-            <a:r>
-              <a:rPr lang="en-US" dirty="0"/>
-              <a:t> Write a </a:t>
-            </a:r>
-            <a:r>
-              <a:rPr lang="en-IN" dirty="0"/>
-              <a:t>programme </a:t>
-            </a:r>
-            <a:r>
-              <a:rPr lang="en-US" dirty="0"/>
-              <a:t>which return uppercase country names.</a:t>
-            </a:r>
-          </a:p>
-          <a:p>
-            <a:endParaRPr lang="en-US" dirty="0"/>
-          </a:p>
-          <a:p>
-            <a:r>
-              <a:rPr lang="en-US" dirty="0"/>
-              <a:t> Write a </a:t>
-            </a:r>
-            <a:r>
-              <a:rPr lang="en-IN" dirty="0"/>
-              <a:t>programme </a:t>
-            </a:r>
-            <a:r>
-              <a:rPr lang="en-US" dirty="0"/>
-              <a:t>using lambda which return all the country names  starting with C.</a:t>
-            </a:r>
-          </a:p>
-          <a:p>
-            <a:endParaRPr lang="en-US" dirty="0"/>
-          </a:p>
-          <a:p>
-            <a:pPr marL="0" indent="0">
-              <a:buNone/>
-            </a:pPr>
-            <a:endParaRPr lang="en-IN" dirty="0"/>
           </a:p>
         </p:txBody>
       </p:sp>
@@ -23134,12 +23312,8 @@
           <a:lstStyle/>
           <a:p>
             <a:r>
-              <a:rPr lang="en-US" dirty="0"/>
-              <a:t>Exercise : Use lambda to solve the </a:t>
-            </a:r>
-            <a:r>
               <a:rPr lang="en-US" dirty="0" smtClean="0"/>
-              <a:t>exercise</a:t>
+              <a:t>Summary  </a:t>
             </a:r>
             <a:endParaRPr lang="en-US" dirty="0"/>
           </a:p>
@@ -23167,7 +23341,7 @@
           <a:p>
             <a:fld id="{3FE8D249-C662-48EE-B897-711C67200507}" type="datetime1">
               <a:rPr lang="en-IN" smtClean="0"/>
-              <a:t>24-08-2016</a:t>
+              <a:t>27-09-2016</a:t>
             </a:fld>
             <a:endParaRPr lang="en-IN" dirty="0"/>
           </a:p>
@@ -23212,7 +23386,7 @@
     </p:spTree>
     <p:extLst>
       <p:ext uri="{BB962C8B-B14F-4D97-AF65-F5344CB8AC3E}">
-        <p14:creationId xmlns:p14="http://schemas.microsoft.com/office/powerpoint/2010/main" val="57488971"/>
+        <p14:creationId xmlns:p14="http://schemas.microsoft.com/office/powerpoint/2010/main" val="3813808854"/>
       </p:ext>
     </p:extLst>
   </p:cSld>
@@ -23271,63 +23445,67 @@
         <p:spPr/>
         <p:txBody>
           <a:bodyPr>
-            <a:normAutofit fontScale="92500"/>
+            <a:normAutofit fontScale="92500" lnSpcReduction="20000"/>
           </a:bodyPr>
           <a:lstStyle/>
           <a:p>
-            <a:pPr marL="109728" indent="0">
-              <a:buNone/>
-            </a:pPr>
             <a:r>
               <a:rPr lang="en-IN" dirty="0" smtClean="0"/>
               <a:t> </a:t>
             </a:r>
+            <a:r>
+              <a:rPr lang="en-IN" dirty="0"/>
+              <a:t>There are primitive specializations of common generic functional interfaces such as Predicate&lt;T&gt; and Function&lt;T, R&gt; that can be used to avoid boxing operations: </a:t>
+            </a:r>
+            <a:r>
+              <a:rPr lang="en-IN" dirty="0" err="1"/>
+              <a:t>IntPredicate</a:t>
+            </a:r>
+            <a:r>
+              <a:rPr lang="en-IN" dirty="0"/>
+              <a:t>, </a:t>
+            </a:r>
+            <a:r>
+              <a:rPr lang="en-IN" dirty="0" err="1"/>
+              <a:t>IntToLongFunction</a:t>
+            </a:r>
+            <a:r>
+              <a:rPr lang="en-IN" dirty="0"/>
+              <a:t>, and so on.</a:t>
+            </a:r>
+          </a:p>
+          <a:p>
+            <a:endParaRPr lang="en-IN" dirty="0"/>
+          </a:p>
+          <a:p>
+            <a:r>
+              <a:rPr lang="en-IN" dirty="0"/>
+              <a:t>Method references let you reuse an existing method implementation and pass it around directly.</a:t>
+            </a:r>
+          </a:p>
+          <a:p>
+            <a:endParaRPr lang="en-IN" dirty="0"/>
+          </a:p>
+          <a:p>
+            <a:r>
+              <a:rPr lang="en-IN" dirty="0"/>
+              <a:t>The type expected for a lambda expression is called the target type.</a:t>
+            </a:r>
+          </a:p>
+          <a:p>
+            <a:endParaRPr lang="en-IN" dirty="0"/>
+          </a:p>
+          <a:p>
+            <a:r>
+              <a:rPr lang="en-IN" dirty="0"/>
+              <a:t>Lambda expression should match the signature of abstract method of functional interface.</a:t>
+            </a:r>
+          </a:p>
+          <a:p>
+            <a:endParaRPr lang="en-IN" dirty="0"/>
+          </a:p>
+          <a:p>
             <a:endParaRPr lang="en-US" dirty="0"/>
-          </a:p>
-          <a:p>
-            <a:r>
-              <a:rPr lang="en-US" dirty="0"/>
-              <a:t> Write a </a:t>
-            </a:r>
-            <a:r>
-              <a:rPr lang="en-IN" dirty="0"/>
-              <a:t>programme </a:t>
-            </a:r>
-            <a:r>
-              <a:rPr lang="en-US" dirty="0"/>
-              <a:t>to return the s</a:t>
-            </a:r>
-            <a:r>
-              <a:rPr lang="en-IN" dirty="0"/>
-              <a:t>um of all the name length of country.</a:t>
-            </a:r>
-          </a:p>
-          <a:p>
-            <a:endParaRPr lang="en-IN" dirty="0"/>
-          </a:p>
-          <a:p>
-            <a:r>
-              <a:rPr lang="en-IN" dirty="0"/>
-              <a:t> Write a programme to return the longest country name.</a:t>
-            </a:r>
-          </a:p>
-          <a:p>
-            <a:endParaRPr lang="en-IN" dirty="0"/>
-          </a:p>
-          <a:p>
-            <a:r>
-              <a:rPr lang="en-IN" dirty="0"/>
-              <a:t> Write a programme to sort country by population.</a:t>
-            </a:r>
-          </a:p>
-          <a:p>
-            <a:endParaRPr lang="en-IN" dirty="0"/>
-          </a:p>
-          <a:p>
-            <a:r>
-              <a:rPr lang="en-IN" dirty="0"/>
-              <a:t> Write a programme to group country by continent.</a:t>
-            </a:r>
           </a:p>
         </p:txBody>
       </p:sp>
@@ -23347,12 +23525,8 @@
           <a:lstStyle/>
           <a:p>
             <a:r>
-              <a:rPr lang="en-US" dirty="0"/>
-              <a:t>Exercise : Use lambda to solve the </a:t>
-            </a:r>
-            <a:r>
               <a:rPr lang="en-US" dirty="0" smtClean="0"/>
-              <a:t>exercise</a:t>
+              <a:t>Summary  </a:t>
             </a:r>
             <a:endParaRPr lang="en-US" dirty="0"/>
           </a:p>
@@ -23380,7 +23554,7 @@
           <a:p>
             <a:fld id="{3FE8D249-C662-48EE-B897-711C67200507}" type="datetime1">
               <a:rPr lang="en-IN" smtClean="0"/>
-              <a:t>24-08-2016</a:t>
+              <a:t>27-09-2016</a:t>
             </a:fld>
             <a:endParaRPr lang="en-IN" dirty="0"/>
           </a:p>
@@ -23425,7 +23599,7 @@
     </p:spTree>
     <p:extLst>
       <p:ext uri="{BB962C8B-B14F-4D97-AF65-F5344CB8AC3E}">
-        <p14:creationId xmlns:p14="http://schemas.microsoft.com/office/powerpoint/2010/main" val="3438103589"/>
+        <p14:creationId xmlns:p14="http://schemas.microsoft.com/office/powerpoint/2010/main" val="1211609300"/>
       </p:ext>
     </p:extLst>
   </p:cSld>
@@ -23484,122 +23658,52 @@
         <p:spPr/>
         <p:txBody>
           <a:bodyPr>
-            <a:normAutofit fontScale="85000" lnSpcReduction="20000"/>
+            <a:normAutofit/>
           </a:bodyPr>
           <a:lstStyle/>
           <a:p>
             <a:pPr marL="109728" indent="0">
               <a:buNone/>
             </a:pPr>
-            <a:r>
-              <a:rPr lang="en-IN" dirty="0" smtClean="0"/>
-              <a:t> </a:t>
-            </a:r>
             <a:endParaRPr lang="en-US" dirty="0"/>
           </a:p>
           <a:p>
-            <a:r>
-              <a:rPr lang="en-IN" dirty="0"/>
-              <a:t>List of the files using Files class. </a:t>
-            </a:r>
-          </a:p>
-          <a:p>
-            <a:endParaRPr lang="en-IN" dirty="0"/>
-          </a:p>
-          <a:p>
-            <a:r>
-              <a:rPr lang="en-IN" dirty="0"/>
-              <a:t> List name of the directories only.</a:t>
-            </a:r>
-          </a:p>
-          <a:p>
-            <a:endParaRPr lang="en-IN" dirty="0"/>
-          </a:p>
-          <a:p>
-            <a:r>
-              <a:rPr lang="en-IN" dirty="0"/>
-              <a:t>Write lambda expressions for following Functional interfaces in Java</a:t>
-            </a:r>
-          </a:p>
-          <a:p>
-            <a:pPr marL="109728" indent="0">
-              <a:buNone/>
-            </a:pPr>
-            <a:r>
-              <a:rPr lang="en-IN" b="1" dirty="0"/>
-              <a:t>    </a:t>
-            </a:r>
-            <a:r>
-              <a:rPr lang="en-IN" dirty="0" err="1"/>
-              <a:t>BiPredicate</a:t>
-            </a:r>
-            <a:r>
-              <a:rPr lang="en-IN" dirty="0"/>
-              <a:t> , </a:t>
-            </a:r>
-            <a:r>
-              <a:rPr lang="en-IN" dirty="0" err="1"/>
-              <a:t>BooleanSupplier</a:t>
-            </a:r>
-            <a:r>
-              <a:rPr lang="en-IN" dirty="0"/>
-              <a:t>, </a:t>
-            </a:r>
-            <a:r>
-              <a:rPr lang="en-IN" dirty="0" err="1"/>
-              <a:t>DoublePredicate</a:t>
-            </a:r>
-            <a:r>
-              <a:rPr lang="en-IN" dirty="0"/>
-              <a:t>, </a:t>
-            </a:r>
-            <a:r>
-              <a:rPr lang="en-IN" dirty="0" err="1"/>
-              <a:t>IntSupplier</a:t>
-            </a:r>
-            <a:endParaRPr lang="en-IN" dirty="0"/>
-          </a:p>
-          <a:p>
-            <a:pPr marL="109728" indent="0">
-              <a:buNone/>
-            </a:pPr>
-            <a:endParaRPr lang="en-IN" dirty="0"/>
-          </a:p>
-          <a:p>
-            <a:r>
-              <a:rPr lang="en-IN" dirty="0"/>
-              <a:t> Write functional interface for following lambda expression</a:t>
-            </a:r>
-          </a:p>
-          <a:p>
-            <a:pPr marL="109728" indent="0">
-              <a:buNone/>
-            </a:pPr>
-            <a:r>
-              <a:rPr lang="en-IN" sz="3600" dirty="0">
-                <a:ea typeface="Arial Unicode MS" panose="020B0604020202020204" pitchFamily="34" charset="-128"/>
-                <a:cs typeface="Arial Unicode MS" panose="020B0604020202020204" pitchFamily="34" charset="-128"/>
+            <a:pPr lvl="1"/>
+            <a:r>
+              <a:rPr lang="en-US" dirty="0"/>
+              <a:t>https://docs.oracle.com/javase/tutorial/java/javaOO/lambdaexpressions.html Provide handouts with additional resource material.</a:t>
+            </a:r>
+          </a:p>
+          <a:p>
+            <a:pPr lvl="1"/>
+            <a:endParaRPr lang="en-US" dirty="0"/>
+          </a:p>
+          <a:p>
+            <a:pPr lvl="1"/>
+            <a:r>
+              <a:rPr lang="en-US" dirty="0">
+                <a:hlinkClick r:id="rId2"/>
               </a:rPr>
-              <a:t>   ()-&gt; { </a:t>
-            </a:r>
-            <a:r>
-              <a:rPr lang="en-IN" sz="3600" dirty="0" err="1">
-                <a:ea typeface="Arial Unicode MS" panose="020B0604020202020204" pitchFamily="34" charset="-128"/>
-                <a:cs typeface="Arial Unicode MS" panose="020B0604020202020204" pitchFamily="34" charset="-128"/>
-              </a:rPr>
-              <a:t>System.out.println</a:t>
-            </a:r>
-            <a:r>
-              <a:rPr lang="en-IN" sz="3600">
-                <a:ea typeface="Arial Unicode MS" panose="020B0604020202020204" pitchFamily="34" charset="-128"/>
-                <a:cs typeface="Arial Unicode MS" panose="020B0604020202020204" pitchFamily="34" charset="-128"/>
-              </a:rPr>
-              <a:t>(“hello world”}</a:t>
-            </a:r>
-            <a:endParaRPr lang="en-IN" sz="3600" dirty="0">
-              <a:ea typeface="Arial Unicode MS" panose="020B0604020202020204" pitchFamily="34" charset="-128"/>
-              <a:cs typeface="Arial Unicode MS" panose="020B0604020202020204" pitchFamily="34" charset="-128"/>
-            </a:endParaRPr>
+              <a:t>http://www.oracle.com/webfolder/technetwork/tutorials/obe/java/Lambda-QuickStart/index.html</a:t>
+            </a:r>
+            <a:endParaRPr lang="en-US" dirty="0"/>
+          </a:p>
+          <a:p>
+            <a:pPr lvl="1"/>
+            <a:endParaRPr lang="en-US" dirty="0"/>
+          </a:p>
+          <a:p>
+            <a:pPr lvl="1"/>
+            <a:r>
+              <a:rPr lang="en-US" dirty="0"/>
+              <a:t>http://www.javaworld.com/article/2092260/java-se/java-programming-with-lambda-expressions.html</a:t>
+            </a:r>
+          </a:p>
+          <a:p>
+            <a:endParaRPr lang="en-IN" dirty="0"/>
+          </a:p>
+          <a:p>
+            <a:endParaRPr lang="en-US" dirty="0"/>
           </a:p>
         </p:txBody>
       </p:sp>
@@ -23619,12 +23723,8 @@
           <a:lstStyle/>
           <a:p>
             <a:r>
-              <a:rPr lang="en-US" dirty="0"/>
-              <a:t>Exercise : Use lambda to solve the </a:t>
-            </a:r>
-            <a:r>
               <a:rPr lang="en-US" dirty="0" smtClean="0"/>
-              <a:t>exercise</a:t>
+              <a:t>Resources</a:t>
             </a:r>
             <a:endParaRPr lang="en-US" dirty="0"/>
           </a:p>
@@ -23652,7 +23752,7 @@
           <a:p>
             <a:fld id="{3FE8D249-C662-48EE-B897-711C67200507}" type="datetime1">
               <a:rPr lang="en-IN" smtClean="0"/>
-              <a:t>24-08-2016</a:t>
+              <a:t>27-09-2016</a:t>
             </a:fld>
             <a:endParaRPr lang="en-IN" dirty="0"/>
           </a:p>
@@ -23697,7 +23797,504 @@
     </p:spTree>
     <p:extLst>
       <p:ext uri="{BB962C8B-B14F-4D97-AF65-F5344CB8AC3E}">
-        <p14:creationId xmlns:p14="http://schemas.microsoft.com/office/powerpoint/2010/main" val="2995082464"/>
+        <p14:creationId xmlns:p14="http://schemas.microsoft.com/office/powerpoint/2010/main" val="2394558788"/>
+      </p:ext>
+    </p:extLst>
+  </p:cSld>
+  <p:clrMapOvr>
+    <a:masterClrMapping/>
+  </p:clrMapOvr>
+  <mc:AlternateContent xmlns:mc="http://schemas.openxmlformats.org/markup-compatibility/2006" xmlns:p14="http://schemas.microsoft.com/office/powerpoint/2010/main">
+    <mc:Choice Requires="p14">
+      <p:transition spd="med" p14:dur="700">
+        <p:fade/>
+      </p:transition>
+    </mc:Choice>
+    <mc:Fallback xmlns="">
+      <p:transition spd="med">
+        <p:fade/>
+      </p:transition>
+    </mc:Fallback>
+  </mc:AlternateContent>
+  <p:timing>
+    <p:tnLst>
+      <p:par>
+        <p:cTn id="1" dur="indefinite" restart="never" nodeType="tmRoot"/>
+      </p:par>
+    </p:tnLst>
+  </p:timing>
+</p:sld>
+</file>
+
+<file path=ppt/slides/slide48.xml><?xml version="1.0" encoding="utf-8"?>
+<p:sld xmlns:a="http://schemas.openxmlformats.org/drawingml/2006/main" xmlns:r="http://schemas.openxmlformats.org/officeDocument/2006/relationships" xmlns:p="http://schemas.openxmlformats.org/presentationml/2006/main">
+  <p:cSld>
+    <p:spTree>
+      <p:nvGrpSpPr>
+        <p:cNvPr id="1" name=""/>
+        <p:cNvGrpSpPr/>
+        <p:nvPr/>
+      </p:nvGrpSpPr>
+      <p:grpSpPr>
+        <a:xfrm>
+          <a:off x="0" y="0"/>
+          <a:ext cx="0" cy="0"/>
+          <a:chOff x="0" y="0"/>
+          <a:chExt cx="0" cy="0"/>
+        </a:xfrm>
+      </p:grpSpPr>
+      <p:sp>
+        <p:nvSpPr>
+          <p:cNvPr id="3" name="Content Placeholder 2"/>
+          <p:cNvSpPr>
+            <a:spLocks noGrp="1"/>
+          </p:cNvSpPr>
+          <p:nvPr>
+            <p:ph idx="1"/>
+          </p:nvPr>
+        </p:nvSpPr>
+        <p:spPr>
+          <a:xfrm>
+            <a:off x="628649" y="1400783"/>
+            <a:ext cx="8213793" cy="3171217"/>
+          </a:xfrm>
+        </p:spPr>
+        <p:txBody>
+          <a:bodyPr>
+            <a:normAutofit fontScale="70000" lnSpcReduction="20000"/>
+          </a:bodyPr>
+          <a:lstStyle/>
+          <a:p>
+            <a:pPr marL="109728" indent="0">
+              <a:buNone/>
+            </a:pPr>
+            <a:r>
+              <a:rPr lang="en-US" dirty="0"/>
+              <a:t>class Country{</a:t>
+            </a:r>
+          </a:p>
+          <a:p>
+            <a:pPr marL="109728" indent="0">
+              <a:buNone/>
+            </a:pPr>
+            <a:r>
+              <a:rPr lang="en-US" dirty="0"/>
+              <a:t>       String name;</a:t>
+            </a:r>
+          </a:p>
+          <a:p>
+            <a:pPr marL="109728" indent="0">
+              <a:buNone/>
+            </a:pPr>
+            <a:r>
+              <a:rPr lang="en-US" dirty="0"/>
+              <a:t>        Long population.</a:t>
+            </a:r>
+          </a:p>
+          <a:p>
+            <a:pPr marL="109728" indent="0">
+              <a:buNone/>
+            </a:pPr>
+            <a:r>
+              <a:rPr lang="en-US" dirty="0"/>
+              <a:t>        String continent;</a:t>
+            </a:r>
+          </a:p>
+          <a:p>
+            <a:pPr marL="109728" indent="0">
+              <a:buNone/>
+            </a:pPr>
+            <a:r>
+              <a:rPr lang="en-US" dirty="0"/>
+              <a:t>     </a:t>
+            </a:r>
+            <a:r>
+              <a:rPr lang="en-US" dirty="0" smtClean="0"/>
+              <a:t>}</a:t>
+            </a:r>
+          </a:p>
+          <a:p>
+            <a:pPr marL="109728" indent="0">
+              <a:buNone/>
+            </a:pPr>
+            <a:r>
+              <a:rPr lang="en-US" dirty="0" smtClean="0"/>
+              <a:t>     </a:t>
+            </a:r>
+            <a:r>
+              <a:rPr lang="en-US" dirty="0"/>
+              <a:t>Create the array list of country object above and write following code.</a:t>
+            </a:r>
+          </a:p>
+          <a:p>
+            <a:pPr marL="109728" indent="0">
+              <a:buNone/>
+            </a:pPr>
+            <a:endParaRPr lang="en-US" dirty="0"/>
+          </a:p>
+          <a:p>
+            <a:r>
+              <a:rPr lang="en-US" dirty="0"/>
+              <a:t> Write a reverse name of all the countries</a:t>
+            </a:r>
+            <a:r>
+              <a:rPr lang="en-IN" dirty="0"/>
+              <a:t>. </a:t>
+            </a:r>
+          </a:p>
+          <a:p>
+            <a:endParaRPr lang="en-US" dirty="0"/>
+          </a:p>
+          <a:p>
+            <a:r>
+              <a:rPr lang="en-US" dirty="0"/>
+              <a:t> Write a </a:t>
+            </a:r>
+            <a:r>
+              <a:rPr lang="en-IN" dirty="0"/>
+              <a:t>programme </a:t>
+            </a:r>
+            <a:r>
+              <a:rPr lang="en-US" dirty="0"/>
+              <a:t>which return uppercase country names.</a:t>
+            </a:r>
+          </a:p>
+          <a:p>
+            <a:endParaRPr lang="en-US" dirty="0"/>
+          </a:p>
+          <a:p>
+            <a:r>
+              <a:rPr lang="en-US" dirty="0"/>
+              <a:t> Write a </a:t>
+            </a:r>
+            <a:r>
+              <a:rPr lang="en-IN" dirty="0"/>
+              <a:t>programme </a:t>
+            </a:r>
+            <a:r>
+              <a:rPr lang="en-US" dirty="0"/>
+              <a:t>using lambda which return all the country names  starting with C.</a:t>
+            </a:r>
+          </a:p>
+          <a:p>
+            <a:endParaRPr lang="en-US" dirty="0"/>
+          </a:p>
+          <a:p>
+            <a:pPr marL="0" indent="0">
+              <a:buNone/>
+            </a:pPr>
+            <a:endParaRPr lang="en-IN" dirty="0"/>
+          </a:p>
+        </p:txBody>
+      </p:sp>
+      <p:sp>
+        <p:nvSpPr>
+          <p:cNvPr id="2" name="Title 1"/>
+          <p:cNvSpPr>
+            <a:spLocks noGrp="1"/>
+          </p:cNvSpPr>
+          <p:nvPr>
+            <p:ph type="title"/>
+          </p:nvPr>
+        </p:nvSpPr>
+        <p:spPr/>
+        <p:txBody>
+          <a:bodyPr/>
+          <a:lstStyle/>
+          <a:p>
+            <a:r>
+              <a:rPr lang="en-US" dirty="0"/>
+              <a:t>Exercise : Use lambda to solve the </a:t>
+            </a:r>
+            <a:r>
+              <a:rPr lang="en-US" dirty="0" smtClean="0"/>
+              <a:t>exercise</a:t>
+            </a:r>
+            <a:endParaRPr lang="en-US" dirty="0"/>
+          </a:p>
+        </p:txBody>
+      </p:sp>
+      <p:sp>
+        <p:nvSpPr>
+          <p:cNvPr id="4" name="Date Placeholder 3"/>
+          <p:cNvSpPr>
+            <a:spLocks noGrp="1"/>
+          </p:cNvSpPr>
+          <p:nvPr>
+            <p:ph type="dt" sz="half" idx="10"/>
+          </p:nvPr>
+        </p:nvSpPr>
+        <p:spPr>
+          <a:xfrm>
+            <a:off x="4636897" y="4877514"/>
+            <a:ext cx="721106" cy="205743"/>
+          </a:xfrm>
+        </p:spPr>
+        <p:txBody>
+          <a:bodyPr/>
+          <a:lstStyle/>
+          <a:p>
+            <a:fld id="{3FE8D249-C662-48EE-B897-711C67200507}" type="datetime1">
+              <a:rPr lang="en-IN" smtClean="0"/>
+              <a:t>27-09-2016</a:t>
+            </a:fld>
+            <a:endParaRPr lang="en-IN" dirty="0"/>
+          </a:p>
+        </p:txBody>
+      </p:sp>
+      <p:sp>
+        <p:nvSpPr>
+          <p:cNvPr id="5" name="Footer Placeholder 4"/>
+          <p:cNvSpPr>
+            <a:spLocks noGrp="1"/>
+          </p:cNvSpPr>
+          <p:nvPr>
+            <p:ph type="ftr" sz="quarter" idx="11"/>
+          </p:nvPr>
+        </p:nvSpPr>
+        <p:spPr>
+          <a:xfrm>
+            <a:off x="5481153" y="4877514"/>
+            <a:ext cx="2550495" cy="205743"/>
+          </a:xfrm>
+        </p:spPr>
+        <p:txBody>
+          <a:bodyPr/>
+          <a:lstStyle/>
+          <a:p>
+            <a:r>
+              <a:rPr lang="en-IN" dirty="0" smtClean="0"/>
+              <a:t>www.zensar.com  |  © </a:t>
+            </a:r>
+            <a:r>
+              <a:rPr lang="en-IN" dirty="0" err="1" smtClean="0"/>
+              <a:t>Zensar</a:t>
+            </a:r>
+            <a:r>
+              <a:rPr lang="en-IN" dirty="0" smtClean="0"/>
+              <a:t> Technologies 2016</a:t>
+            </a:r>
+            <a:endParaRPr lang="en-IN" dirty="0"/>
+          </a:p>
+        </p:txBody>
+      </p:sp>
+    </p:spTree>
+    <p:extLst>
+      <p:ext uri="{BB962C8B-B14F-4D97-AF65-F5344CB8AC3E}">
+        <p14:creationId xmlns:p14="http://schemas.microsoft.com/office/powerpoint/2010/main" val="57488971"/>
+      </p:ext>
+    </p:extLst>
+  </p:cSld>
+  <p:clrMapOvr>
+    <a:masterClrMapping/>
+  </p:clrMapOvr>
+  <mc:AlternateContent xmlns:mc="http://schemas.openxmlformats.org/markup-compatibility/2006" xmlns:p14="http://schemas.microsoft.com/office/powerpoint/2010/main">
+    <mc:Choice Requires="p14">
+      <p:transition spd="med" p14:dur="700">
+        <p:fade/>
+      </p:transition>
+    </mc:Choice>
+    <mc:Fallback xmlns="">
+      <p:transition spd="med">
+        <p:fade/>
+      </p:transition>
+    </mc:Fallback>
+  </mc:AlternateContent>
+  <p:timing>
+    <p:tnLst>
+      <p:par>
+        <p:cTn id="1" dur="indefinite" restart="never" nodeType="tmRoot"/>
+      </p:par>
+    </p:tnLst>
+  </p:timing>
+</p:sld>
+</file>
+
+<file path=ppt/slides/slide49.xml><?xml version="1.0" encoding="utf-8"?>
+<p:sld xmlns:a="http://schemas.openxmlformats.org/drawingml/2006/main" xmlns:r="http://schemas.openxmlformats.org/officeDocument/2006/relationships" xmlns:p="http://schemas.openxmlformats.org/presentationml/2006/main">
+  <p:cSld>
+    <p:spTree>
+      <p:nvGrpSpPr>
+        <p:cNvPr id="1" name=""/>
+        <p:cNvGrpSpPr/>
+        <p:nvPr/>
+      </p:nvGrpSpPr>
+      <p:grpSpPr>
+        <a:xfrm>
+          <a:off x="0" y="0"/>
+          <a:ext cx="0" cy="0"/>
+          <a:chOff x="0" y="0"/>
+          <a:chExt cx="0" cy="0"/>
+        </a:xfrm>
+      </p:grpSpPr>
+      <p:sp>
+        <p:nvSpPr>
+          <p:cNvPr id="3" name="Content Placeholder 2"/>
+          <p:cNvSpPr>
+            <a:spLocks noGrp="1"/>
+          </p:cNvSpPr>
+          <p:nvPr>
+            <p:ph idx="1"/>
+          </p:nvPr>
+        </p:nvSpPr>
+        <p:spPr/>
+        <p:txBody>
+          <a:bodyPr>
+            <a:normAutofit fontScale="92500"/>
+          </a:bodyPr>
+          <a:lstStyle/>
+          <a:p>
+            <a:pPr marL="109728" indent="0">
+              <a:buNone/>
+            </a:pPr>
+            <a:r>
+              <a:rPr lang="en-IN" dirty="0" smtClean="0"/>
+              <a:t> </a:t>
+            </a:r>
+            <a:endParaRPr lang="en-US" dirty="0"/>
+          </a:p>
+          <a:p>
+            <a:r>
+              <a:rPr lang="en-US" dirty="0"/>
+              <a:t> Write a </a:t>
+            </a:r>
+            <a:r>
+              <a:rPr lang="en-IN" dirty="0"/>
+              <a:t>programme </a:t>
+            </a:r>
+            <a:r>
+              <a:rPr lang="en-US" dirty="0"/>
+              <a:t>to return the s</a:t>
+            </a:r>
+            <a:r>
+              <a:rPr lang="en-IN" dirty="0"/>
+              <a:t>um of all the name length of country.</a:t>
+            </a:r>
+          </a:p>
+          <a:p>
+            <a:endParaRPr lang="en-IN" dirty="0"/>
+          </a:p>
+          <a:p>
+            <a:r>
+              <a:rPr lang="en-IN" dirty="0"/>
+              <a:t> Write a programme to return the longest country name.</a:t>
+            </a:r>
+          </a:p>
+          <a:p>
+            <a:endParaRPr lang="en-IN" dirty="0"/>
+          </a:p>
+          <a:p>
+            <a:r>
+              <a:rPr lang="en-IN" dirty="0"/>
+              <a:t> Write a programme to sort country by population.</a:t>
+            </a:r>
+          </a:p>
+          <a:p>
+            <a:endParaRPr lang="en-IN" dirty="0"/>
+          </a:p>
+          <a:p>
+            <a:r>
+              <a:rPr lang="en-IN" dirty="0"/>
+              <a:t> Write a programme to group country by continent.</a:t>
+            </a:r>
+          </a:p>
+        </p:txBody>
+      </p:sp>
+      <p:sp>
+        <p:nvSpPr>
+          <p:cNvPr id="2" name="Title 1"/>
+          <p:cNvSpPr>
+            <a:spLocks noGrp="1"/>
+          </p:cNvSpPr>
+          <p:nvPr>
+            <p:ph type="title"/>
+          </p:nvPr>
+        </p:nvSpPr>
+        <p:spPr/>
+        <p:txBody>
+          <a:bodyPr/>
+          <a:lstStyle/>
+          <a:p>
+            <a:r>
+              <a:rPr lang="en-US" dirty="0"/>
+              <a:t>Exercise : Use lambda to solve the </a:t>
+            </a:r>
+            <a:r>
+              <a:rPr lang="en-US" dirty="0" smtClean="0"/>
+              <a:t>exercise</a:t>
+            </a:r>
+            <a:endParaRPr lang="en-US" dirty="0"/>
+          </a:p>
+        </p:txBody>
+      </p:sp>
+      <p:sp>
+        <p:nvSpPr>
+          <p:cNvPr id="4" name="Date Placeholder 3"/>
+          <p:cNvSpPr>
+            <a:spLocks noGrp="1"/>
+          </p:cNvSpPr>
+          <p:nvPr>
+            <p:ph type="dt" sz="half" idx="10"/>
+          </p:nvPr>
+        </p:nvSpPr>
+        <p:spPr>
+          <a:xfrm>
+            <a:off x="4636897" y="4877514"/>
+            <a:ext cx="721106" cy="205743"/>
+          </a:xfrm>
+        </p:spPr>
+        <p:txBody>
+          <a:bodyPr/>
+          <a:lstStyle/>
+          <a:p>
+            <a:fld id="{3FE8D249-C662-48EE-B897-711C67200507}" type="datetime1">
+              <a:rPr lang="en-IN" smtClean="0"/>
+              <a:t>27-09-2016</a:t>
+            </a:fld>
+            <a:endParaRPr lang="en-IN" dirty="0"/>
+          </a:p>
+        </p:txBody>
+      </p:sp>
+      <p:sp>
+        <p:nvSpPr>
+          <p:cNvPr id="5" name="Footer Placeholder 4"/>
+          <p:cNvSpPr>
+            <a:spLocks noGrp="1"/>
+          </p:cNvSpPr>
+          <p:nvPr>
+            <p:ph type="ftr" sz="quarter" idx="11"/>
+          </p:nvPr>
+        </p:nvSpPr>
+        <p:spPr>
+          <a:xfrm>
+            <a:off x="5481153" y="4877514"/>
+            <a:ext cx="2550495" cy="205743"/>
+          </a:xfrm>
+        </p:spPr>
+        <p:txBody>
+          <a:bodyPr/>
+          <a:lstStyle/>
+          <a:p>
+            <a:r>
+              <a:rPr lang="en-IN" dirty="0" smtClean="0"/>
+              <a:t>www.zensar.com  |  © </a:t>
+            </a:r>
+            <a:r>
+              <a:rPr lang="en-IN" dirty="0" err="1" smtClean="0"/>
+              <a:t>Zensar</a:t>
+            </a:r>
+            <a:r>
+              <a:rPr lang="en-IN" dirty="0" smtClean="0"/>
+              <a:t> Technologies 2016</a:t>
+            </a:r>
+            <a:endParaRPr lang="en-IN" dirty="0"/>
+          </a:p>
+        </p:txBody>
+      </p:sp>
+    </p:spTree>
+    <p:extLst>
+      <p:ext uri="{BB962C8B-B14F-4D97-AF65-F5344CB8AC3E}">
+        <p14:creationId xmlns:p14="http://schemas.microsoft.com/office/powerpoint/2010/main" val="3438103589"/>
       </p:ext>
     </p:extLst>
   </p:cSld>
@@ -23887,7 +24484,7 @@
           <a:p>
             <a:fld id="{5F70ADE8-6049-42F2-A74C-910EFBE954C8}" type="datetime1">
               <a:rPr lang="en-IN" smtClean="0"/>
-              <a:t>24-08-2016</a:t>
+              <a:t>27-09-2016</a:t>
             </a:fld>
             <a:endParaRPr lang="en-IN"/>
           </a:p>
@@ -23926,6 +24523,278 @@
   <p:clrMapOvr>
     <a:masterClrMapping/>
   </p:clrMapOvr>
+  <p:timing>
+    <p:tnLst>
+      <p:par>
+        <p:cTn id="1" dur="indefinite" restart="never" nodeType="tmRoot"/>
+      </p:par>
+    </p:tnLst>
+  </p:timing>
+</p:sld>
+</file>
+
+<file path=ppt/slides/slide50.xml><?xml version="1.0" encoding="utf-8"?>
+<p:sld xmlns:a="http://schemas.openxmlformats.org/drawingml/2006/main" xmlns:r="http://schemas.openxmlformats.org/officeDocument/2006/relationships" xmlns:p="http://schemas.openxmlformats.org/presentationml/2006/main">
+  <p:cSld>
+    <p:spTree>
+      <p:nvGrpSpPr>
+        <p:cNvPr id="1" name=""/>
+        <p:cNvGrpSpPr/>
+        <p:nvPr/>
+      </p:nvGrpSpPr>
+      <p:grpSpPr>
+        <a:xfrm>
+          <a:off x="0" y="0"/>
+          <a:ext cx="0" cy="0"/>
+          <a:chOff x="0" y="0"/>
+          <a:chExt cx="0" cy="0"/>
+        </a:xfrm>
+      </p:grpSpPr>
+      <p:sp>
+        <p:nvSpPr>
+          <p:cNvPr id="3" name="Content Placeholder 2"/>
+          <p:cNvSpPr>
+            <a:spLocks noGrp="1"/>
+          </p:cNvSpPr>
+          <p:nvPr>
+            <p:ph idx="1"/>
+          </p:nvPr>
+        </p:nvSpPr>
+        <p:spPr/>
+        <p:txBody>
+          <a:bodyPr>
+            <a:normAutofit fontScale="85000" lnSpcReduction="20000"/>
+          </a:bodyPr>
+          <a:lstStyle/>
+          <a:p>
+            <a:pPr marL="109728" indent="0">
+              <a:buNone/>
+            </a:pPr>
+            <a:r>
+              <a:rPr lang="en-IN" dirty="0" smtClean="0"/>
+              <a:t> </a:t>
+            </a:r>
+            <a:endParaRPr lang="en-US" dirty="0"/>
+          </a:p>
+          <a:p>
+            <a:r>
+              <a:rPr lang="en-IN" dirty="0"/>
+              <a:t>List of the files using Files class. </a:t>
+            </a:r>
+          </a:p>
+          <a:p>
+            <a:endParaRPr lang="en-IN" dirty="0"/>
+          </a:p>
+          <a:p>
+            <a:r>
+              <a:rPr lang="en-IN" dirty="0"/>
+              <a:t> List name of the directories only.</a:t>
+            </a:r>
+          </a:p>
+          <a:p>
+            <a:endParaRPr lang="en-IN" dirty="0"/>
+          </a:p>
+          <a:p>
+            <a:r>
+              <a:rPr lang="en-IN" dirty="0"/>
+              <a:t>Write lambda expressions for following Functional interfaces in Java</a:t>
+            </a:r>
+          </a:p>
+          <a:p>
+            <a:pPr marL="109728" indent="0">
+              <a:buNone/>
+            </a:pPr>
+            <a:r>
+              <a:rPr lang="en-IN" b="1" dirty="0"/>
+              <a:t>    </a:t>
+            </a:r>
+            <a:r>
+              <a:rPr lang="en-IN" dirty="0" err="1"/>
+              <a:t>BiPredicate</a:t>
+            </a:r>
+            <a:r>
+              <a:rPr lang="en-IN" dirty="0"/>
+              <a:t> , </a:t>
+            </a:r>
+            <a:r>
+              <a:rPr lang="en-IN" dirty="0" err="1"/>
+              <a:t>BooleanSupplier</a:t>
+            </a:r>
+            <a:r>
+              <a:rPr lang="en-IN" dirty="0"/>
+              <a:t>, </a:t>
+            </a:r>
+            <a:r>
+              <a:rPr lang="en-IN" dirty="0" err="1"/>
+              <a:t>DoublePredicate</a:t>
+            </a:r>
+            <a:r>
+              <a:rPr lang="en-IN" dirty="0"/>
+              <a:t>, </a:t>
+            </a:r>
+            <a:r>
+              <a:rPr lang="en-IN" dirty="0" err="1"/>
+              <a:t>IntSupplier</a:t>
+            </a:r>
+            <a:endParaRPr lang="en-IN" dirty="0"/>
+          </a:p>
+          <a:p>
+            <a:pPr marL="109728" indent="0">
+              <a:buNone/>
+            </a:pPr>
+            <a:endParaRPr lang="en-IN" dirty="0"/>
+          </a:p>
+          <a:p>
+            <a:r>
+              <a:rPr lang="en-IN" dirty="0"/>
+              <a:t> Write functional interface for following lambda expression</a:t>
+            </a:r>
+          </a:p>
+          <a:p>
+            <a:pPr marL="109728" indent="0">
+              <a:buNone/>
+            </a:pPr>
+            <a:r>
+              <a:rPr lang="en-IN" sz="3600" dirty="0">
+                <a:ea typeface="Arial Unicode MS" panose="020B0604020202020204" pitchFamily="34" charset="-128"/>
+                <a:cs typeface="Arial Unicode MS" panose="020B0604020202020204" pitchFamily="34" charset="-128"/>
+              </a:rPr>
+              <a:t>   ()-&gt; { </a:t>
+            </a:r>
+            <a:r>
+              <a:rPr lang="en-IN" sz="3600" dirty="0" err="1">
+                <a:ea typeface="Arial Unicode MS" panose="020B0604020202020204" pitchFamily="34" charset="-128"/>
+                <a:cs typeface="Arial Unicode MS" panose="020B0604020202020204" pitchFamily="34" charset="-128"/>
+              </a:rPr>
+              <a:t>System.out.println</a:t>
+            </a:r>
+            <a:r>
+              <a:rPr lang="en-IN" sz="3600">
+                <a:ea typeface="Arial Unicode MS" panose="020B0604020202020204" pitchFamily="34" charset="-128"/>
+                <a:cs typeface="Arial Unicode MS" panose="020B0604020202020204" pitchFamily="34" charset="-128"/>
+              </a:rPr>
+              <a:t>(“hello world”}</a:t>
+            </a:r>
+            <a:endParaRPr lang="en-IN" sz="3600" dirty="0">
+              <a:ea typeface="Arial Unicode MS" panose="020B0604020202020204" pitchFamily="34" charset="-128"/>
+              <a:cs typeface="Arial Unicode MS" panose="020B0604020202020204" pitchFamily="34" charset="-128"/>
+            </a:endParaRPr>
+          </a:p>
+        </p:txBody>
+      </p:sp>
+      <p:sp>
+        <p:nvSpPr>
+          <p:cNvPr id="2" name="Title 1"/>
+          <p:cNvSpPr>
+            <a:spLocks noGrp="1"/>
+          </p:cNvSpPr>
+          <p:nvPr>
+            <p:ph type="title"/>
+          </p:nvPr>
+        </p:nvSpPr>
+        <p:spPr/>
+        <p:txBody>
+          <a:bodyPr/>
+          <a:lstStyle/>
+          <a:p>
+            <a:r>
+              <a:rPr lang="en-US" dirty="0"/>
+              <a:t>Exercise : Use lambda to solve the </a:t>
+            </a:r>
+            <a:r>
+              <a:rPr lang="en-US" dirty="0" smtClean="0"/>
+              <a:t>exercise</a:t>
+            </a:r>
+            <a:endParaRPr lang="en-US" dirty="0"/>
+          </a:p>
+        </p:txBody>
+      </p:sp>
+      <p:sp>
+        <p:nvSpPr>
+          <p:cNvPr id="4" name="Date Placeholder 3"/>
+          <p:cNvSpPr>
+            <a:spLocks noGrp="1"/>
+          </p:cNvSpPr>
+          <p:nvPr>
+            <p:ph type="dt" sz="half" idx="10"/>
+          </p:nvPr>
+        </p:nvSpPr>
+        <p:spPr>
+          <a:xfrm>
+            <a:off x="4636897" y="4877514"/>
+            <a:ext cx="721106" cy="205743"/>
+          </a:xfrm>
+        </p:spPr>
+        <p:txBody>
+          <a:bodyPr/>
+          <a:lstStyle/>
+          <a:p>
+            <a:fld id="{3FE8D249-C662-48EE-B897-711C67200507}" type="datetime1">
+              <a:rPr lang="en-IN" smtClean="0"/>
+              <a:t>27-09-2016</a:t>
+            </a:fld>
+            <a:endParaRPr lang="en-IN" dirty="0"/>
+          </a:p>
+        </p:txBody>
+      </p:sp>
+      <p:sp>
+        <p:nvSpPr>
+          <p:cNvPr id="5" name="Footer Placeholder 4"/>
+          <p:cNvSpPr>
+            <a:spLocks noGrp="1"/>
+          </p:cNvSpPr>
+          <p:nvPr>
+            <p:ph type="ftr" sz="quarter" idx="11"/>
+          </p:nvPr>
+        </p:nvSpPr>
+        <p:spPr>
+          <a:xfrm>
+            <a:off x="5481153" y="4877514"/>
+            <a:ext cx="2550495" cy="205743"/>
+          </a:xfrm>
+        </p:spPr>
+        <p:txBody>
+          <a:bodyPr/>
+          <a:lstStyle/>
+          <a:p>
+            <a:r>
+              <a:rPr lang="en-IN" dirty="0" smtClean="0"/>
+              <a:t>www.zensar.com  |  © </a:t>
+            </a:r>
+            <a:r>
+              <a:rPr lang="en-IN" dirty="0" err="1" smtClean="0"/>
+              <a:t>Zensar</a:t>
+            </a:r>
+            <a:r>
+              <a:rPr lang="en-IN" dirty="0" smtClean="0"/>
+              <a:t> Technologies 2016</a:t>
+            </a:r>
+            <a:endParaRPr lang="en-IN" dirty="0"/>
+          </a:p>
+        </p:txBody>
+      </p:sp>
+    </p:spTree>
+    <p:extLst>
+      <p:ext uri="{BB962C8B-B14F-4D97-AF65-F5344CB8AC3E}">
+        <p14:creationId xmlns:p14="http://schemas.microsoft.com/office/powerpoint/2010/main" val="2995082464"/>
+      </p:ext>
+    </p:extLst>
+  </p:cSld>
+  <p:clrMapOvr>
+    <a:masterClrMapping/>
+  </p:clrMapOvr>
+  <mc:AlternateContent xmlns:mc="http://schemas.openxmlformats.org/markup-compatibility/2006" xmlns:p14="http://schemas.microsoft.com/office/powerpoint/2010/main">
+    <mc:Choice Requires="p14">
+      <p:transition spd="med" p14:dur="700">
+        <p:fade/>
+      </p:transition>
+    </mc:Choice>
+    <mc:Fallback xmlns="">
+      <p:transition spd="med">
+        <p:fade/>
+      </p:transition>
+    </mc:Fallback>
+  </mc:AlternateContent>
   <p:timing>
     <p:tnLst>
       <p:par>
@@ -24070,7 +24939,7 @@
           <a:p>
             <a:fld id="{5F70ADE8-6049-42F2-A74C-910EFBE954C8}" type="datetime1">
               <a:rPr lang="en-IN" smtClean="0"/>
-              <a:t>24-08-2016</a:t>
+              <a:t>27-09-2016</a:t>
             </a:fld>
             <a:endParaRPr lang="en-IN"/>
           </a:p>
@@ -24333,7 +25202,7 @@
           <a:p>
             <a:fld id="{5233B1D6-2FF9-4177-95FC-9F6F204F1092}" type="datetime1">
               <a:rPr lang="en-IN" smtClean="0"/>
-              <a:t>24-08-2016</a:t>
+              <a:t>27-09-2016</a:t>
             </a:fld>
             <a:endParaRPr lang="en-IN" dirty="0"/>
           </a:p>
@@ -24636,7 +25505,7 @@
           <a:p>
             <a:fld id="{5233B1D6-2FF9-4177-95FC-9F6F204F1092}" type="datetime1">
               <a:rPr lang="en-IN" smtClean="0"/>
-              <a:t>24-08-2016</a:t>
+              <a:t>27-09-2016</a:t>
             </a:fld>
             <a:endParaRPr lang="en-IN" dirty="0"/>
           </a:p>
@@ -24834,7 +25703,7 @@
           <a:p>
             <a:fld id="{5233B1D6-2FF9-4177-95FC-9F6F204F1092}" type="datetime1">
               <a:rPr lang="en-IN" smtClean="0"/>
-              <a:t>24-08-2016</a:t>
+              <a:t>27-09-2016</a:t>
             </a:fld>
             <a:endParaRPr lang="en-IN" dirty="0"/>
           </a:p>
